--- a/课程PPT/17.深入理解JS的继承方式.pptx
+++ b/课程PPT/17.深入理解JS的继承方式.pptx
@@ -5,26 +5,28 @@
     <p:sldMasterId id="2147483648" r:id="rId1"/>
   </p:sldMasterIdLst>
   <p:notesMasterIdLst>
-    <p:notesMasterId r:id="rId19"/>
+    <p:notesMasterId r:id="rId5"/>
   </p:notesMasterIdLst>
   <p:sldIdLst>
-    <p:sldId id="1259" r:id="rId2"/>
-    <p:sldId id="1267" r:id="rId3"/>
-    <p:sldId id="1275" r:id="rId4"/>
-    <p:sldId id="1289" r:id="rId5"/>
-    <p:sldId id="1290" r:id="rId6"/>
-    <p:sldId id="1276" r:id="rId7"/>
-    <p:sldId id="1191" r:id="rId8"/>
-    <p:sldId id="1292" r:id="rId9"/>
-    <p:sldId id="1273" r:id="rId10"/>
-    <p:sldId id="1278" r:id="rId11"/>
-    <p:sldId id="1203" r:id="rId12"/>
-    <p:sldId id="1285" r:id="rId13"/>
-    <p:sldId id="1293" r:id="rId14"/>
-    <p:sldId id="1286" r:id="rId15"/>
-    <p:sldId id="1291" r:id="rId16"/>
-    <p:sldId id="1198" r:id="rId17"/>
-    <p:sldId id="1287" r:id="rId18"/>
+    <p:sldId id="1259" r:id="rId3"/>
+    <p:sldId id="1267" r:id="rId4"/>
+    <p:sldId id="1275" r:id="rId6"/>
+    <p:sldId id="1289" r:id="rId7"/>
+    <p:sldId id="1290" r:id="rId8"/>
+    <p:sldId id="1276" r:id="rId9"/>
+    <p:sldId id="1191" r:id="rId10"/>
+    <p:sldId id="1292" r:id="rId11"/>
+    <p:sldId id="1273" r:id="rId12"/>
+    <p:sldId id="1305" r:id="rId13"/>
+    <p:sldId id="1278" r:id="rId14"/>
+    <p:sldId id="1203" r:id="rId15"/>
+    <p:sldId id="1285" r:id="rId16"/>
+    <p:sldId id="1293" r:id="rId17"/>
+    <p:sldId id="1286" r:id="rId18"/>
+    <p:sldId id="1291" r:id="rId19"/>
+    <p:sldId id="1198" r:id="rId20"/>
+    <p:sldId id="1287" r:id="rId21"/>
+    <p:sldId id="1304" r:id="rId22"/>
   </p:sldIdLst>
   <p:sldSz cx="12192000" cy="6858000"/>
   <p:notesSz cx="6797675" cy="9928225"/>
@@ -343,6 +345,7 @@
               <a:rPr lang="zh-CN" altLang="zh-CN" noProof="0" smtClean="0"/>
               <a:t>                                                   </a:t>
             </a:r>
+            <a:endParaRPr lang="zh-CN" altLang="zh-CN" noProof="0" smtClean="0"/>
           </a:p>
           <a:p>
             <a:pPr lvl="1"/>
@@ -350,6 +353,7 @@
               <a:rPr lang="zh-CN" altLang="zh-CN" noProof="0" smtClean="0"/>
               <a:t>               </a:t>
             </a:r>
+            <a:endParaRPr lang="zh-CN" altLang="zh-CN" noProof="0" smtClean="0"/>
           </a:p>
           <a:p>
             <a:pPr lvl="2"/>
@@ -357,6 +361,7 @@
               <a:rPr lang="zh-CN" altLang="zh-CN" noProof="0" smtClean="0"/>
               <a:t>                </a:t>
             </a:r>
+            <a:endParaRPr lang="zh-CN" altLang="zh-CN" noProof="0" smtClean="0"/>
           </a:p>
           <a:p>
             <a:pPr lvl="3"/>
@@ -364,6 +369,7 @@
               <a:rPr lang="zh-CN" altLang="zh-CN" noProof="0" smtClean="0"/>
               <a:t>                </a:t>
             </a:r>
+            <a:endParaRPr lang="zh-CN" altLang="zh-CN" noProof="0" smtClean="0"/>
           </a:p>
           <a:p>
             <a:pPr lvl="4"/>
@@ -371,6 +377,7 @@
               <a:rPr lang="zh-CN" altLang="zh-CN" noProof="0" smtClean="0"/>
               <a:t>                </a:t>
             </a:r>
+            <a:endParaRPr lang="zh-CN" altLang="zh-CN" noProof="0" smtClean="0"/>
           </a:p>
         </p:txBody>
       </p:sp>
@@ -453,18 +460,12 @@
           <a:p>
             <a:fld id="{D9AFD278-84AA-4CAA-9049-809825956FE0}" type="slidenum">
               <a:rPr lang="en-US" altLang="zh-CN"/>
-              <a:t>‹#›</a:t>
             </a:fld>
             <a:endParaRPr lang="zh-CN" altLang="zh-CN"/>
           </a:p>
         </p:txBody>
       </p:sp>
     </p:spTree>
-    <p:extLst>
-      <p:ext uri="{BB962C8B-B14F-4D97-AF65-F5344CB8AC3E}">
-        <p14:creationId xmlns:p14="http://schemas.microsoft.com/office/powerpoint/2010/main" val="4243665842"/>
-      </p:ext>
-    </p:extLst>
   </p:cSld>
   <p:clrMap bg1="lt1" tx1="dk1" bg2="lt2" tx2="dk2" accent1="accent1" accent2="accent2" accent3="accent3" accent4="accent4" accent5="accent5" accent6="accent6" hlink="hlink" folHlink="folHlink"/>
   <p:notesStyle>
@@ -748,28 +749,7 @@
           <a:bodyPr/>
           <a:lstStyle/>
           <a:p>
-            <a:r>
-              <a:rPr lang="zh-CN" altLang="en-US"/>
-              <a:t> 继承是OO语言中一个重要的特性和概念。许多的OO语言中都支持两种继承方式：接口继承和实现继承。</a:t>
-            </a:r>
-          </a:p>
-          <a:p>
             <a:endParaRPr lang="zh-CN" altLang="en-US"/>
-          </a:p>
-          <a:p>
-            <a:r>
-              <a:rPr lang="zh-CN" altLang="en-US"/>
-              <a:t>ECMAScript支持实现继承，其实现继承主要是靠原型链来实现。在PHP语言中，是使用extend来实现继承。那么我们就先来讲讲原型链。</a:t>
-            </a:r>
-          </a:p>
-          <a:p>
-            <a:endParaRPr lang="zh-CN" altLang="en-US"/>
-          </a:p>
-          <a:p>
-            <a:r>
-              <a:rPr lang="zh-CN" altLang="en-US"/>
-              <a:t>原型链的基本思想是利用原型让一个引用类型继承另一个引用类型的属性和方法</a:t>
-            </a:r>
           </a:p>
         </p:txBody>
       </p:sp>
@@ -829,6 +809,7 @@
               <a:rPr lang="zh-CN" altLang="en-US"/>
               <a:t> 继承是OO语言中一个重要的特性和概念。许多的OO语言中都支持两种继承方式：接口继承和实现继承。</a:t>
             </a:r>
+            <a:endParaRPr lang="zh-CN" altLang="en-US"/>
           </a:p>
           <a:p>
             <a:endParaRPr lang="zh-CN" altLang="en-US"/>
@@ -838,6 +819,7 @@
               <a:rPr lang="zh-CN" altLang="en-US"/>
               <a:t>ECMAScript支持实现继承，其实现继承主要是靠原型链来实现。在PHP语言中，是使用extend来实现继承。那么我们就先来讲讲原型链。</a:t>
             </a:r>
+            <a:endParaRPr lang="zh-CN" altLang="en-US"/>
           </a:p>
           <a:p>
             <a:endParaRPr lang="zh-CN" altLang="en-US"/>
@@ -847,6 +829,7 @@
               <a:rPr lang="zh-CN" altLang="en-US"/>
               <a:t>原型链的基本思想是利用原型让一个引用类型继承另一个引用类型的属性和方法</a:t>
             </a:r>
+            <a:endParaRPr lang="zh-CN" altLang="en-US"/>
           </a:p>
         </p:txBody>
       </p:sp>
@@ -906,6 +889,7 @@
               <a:rPr lang="zh-CN" altLang="en-US"/>
               <a:t> 继承是OO语言中一个重要的特性和概念。许多的OO语言中都支持两种继承方式：接口继承和实现继承。</a:t>
             </a:r>
+            <a:endParaRPr lang="zh-CN" altLang="en-US"/>
           </a:p>
           <a:p>
             <a:endParaRPr lang="zh-CN" altLang="en-US"/>
@@ -915,6 +899,7 @@
               <a:rPr lang="zh-CN" altLang="en-US"/>
               <a:t>ECMAScript支持实现继承，其实现继承主要是靠原型链来实现。在PHP语言中，是使用extend来实现继承。那么我们就先来讲讲原型链。</a:t>
             </a:r>
+            <a:endParaRPr lang="zh-CN" altLang="en-US"/>
           </a:p>
           <a:p>
             <a:endParaRPr lang="zh-CN" altLang="en-US"/>
@@ -924,6 +909,167 @@
               <a:rPr lang="zh-CN" altLang="en-US"/>
               <a:t>原型链的基本思想是利用原型让一个引用类型继承另一个引用类型的属性和方法</a:t>
             </a:r>
+            <a:endParaRPr lang="zh-CN" altLang="en-US"/>
+          </a:p>
+        </p:txBody>
+      </p:sp>
+    </p:spTree>
+  </p:cSld>
+  <p:clrMapOvr>
+    <a:masterClrMapping/>
+  </p:clrMapOvr>
+</p:notes>
+</file>
+
+<file path=ppt/notesSlides/notesSlide14.xml><?xml version="1.0" encoding="utf-8"?>
+<p:notes xmlns:a="http://schemas.openxmlformats.org/drawingml/2006/main" xmlns:r="http://schemas.openxmlformats.org/officeDocument/2006/relationships" xmlns:p="http://schemas.openxmlformats.org/presentationml/2006/main">
+  <p:cSld>
+    <p:spTree>
+      <p:nvGrpSpPr>
+        <p:cNvPr id="1" name=""/>
+        <p:cNvGrpSpPr/>
+        <p:nvPr/>
+      </p:nvGrpSpPr>
+      <p:grpSpPr>
+        <a:xfrm>
+          <a:off x="0" y="0"/>
+          <a:ext cx="0" cy="0"/>
+          <a:chOff x="0" y="0"/>
+          <a:chExt cx="0" cy="0"/>
+        </a:xfrm>
+      </p:grpSpPr>
+      <p:sp>
+        <p:nvSpPr>
+          <p:cNvPr id="2" name="幻灯片图像占位符 1"/>
+          <p:cNvSpPr>
+            <a:spLocks noGrp="1" noRot="1" noChangeAspect="1"/>
+          </p:cNvSpPr>
+          <p:nvPr>
+            <p:ph type="sldImg" idx="2"/>
+          </p:nvPr>
+        </p:nvSpPr>
+        <p:spPr/>
+      </p:sp>
+      <p:sp>
+        <p:nvSpPr>
+          <p:cNvPr id="3" name="文本占位符 2"/>
+          <p:cNvSpPr>
+            <a:spLocks noGrp="1"/>
+          </p:cNvSpPr>
+          <p:nvPr>
+            <p:ph type="body" idx="3"/>
+          </p:nvPr>
+        </p:nvSpPr>
+        <p:spPr/>
+        <p:txBody>
+          <a:bodyPr/>
+          <a:lstStyle/>
+          <a:p>
+            <a:r>
+              <a:rPr lang="zh-CN" altLang="en-US"/>
+              <a:t> 继承是OO语言中一个重要的特性和概念。许多的OO语言中都支持两种继承方式：接口继承和实现继承。</a:t>
+            </a:r>
+            <a:endParaRPr lang="zh-CN" altLang="en-US"/>
+          </a:p>
+          <a:p>
+            <a:endParaRPr lang="zh-CN" altLang="en-US"/>
+          </a:p>
+          <a:p>
+            <a:r>
+              <a:rPr lang="zh-CN" altLang="en-US"/>
+              <a:t>ECMAScript支持实现继承，其实现继承主要是靠原型链来实现。在PHP语言中，是使用extend来实现继承。那么我们就先来讲讲原型链。</a:t>
+            </a:r>
+            <a:endParaRPr lang="zh-CN" altLang="en-US"/>
+          </a:p>
+          <a:p>
+            <a:endParaRPr lang="zh-CN" altLang="en-US"/>
+          </a:p>
+          <a:p>
+            <a:r>
+              <a:rPr lang="zh-CN" altLang="en-US"/>
+              <a:t>原型链的基本思想是利用原型让一个引用类型继承另一个引用类型的属性和方法</a:t>
+            </a:r>
+            <a:endParaRPr lang="zh-CN" altLang="en-US"/>
+          </a:p>
+        </p:txBody>
+      </p:sp>
+    </p:spTree>
+  </p:cSld>
+  <p:clrMapOvr>
+    <a:masterClrMapping/>
+  </p:clrMapOvr>
+</p:notes>
+</file>
+
+<file path=ppt/notesSlides/notesSlide15.xml><?xml version="1.0" encoding="utf-8"?>
+<p:notes xmlns:a="http://schemas.openxmlformats.org/drawingml/2006/main" xmlns:r="http://schemas.openxmlformats.org/officeDocument/2006/relationships" xmlns:p="http://schemas.openxmlformats.org/presentationml/2006/main">
+  <p:cSld>
+    <p:spTree>
+      <p:nvGrpSpPr>
+        <p:cNvPr id="1" name=""/>
+        <p:cNvGrpSpPr/>
+        <p:nvPr/>
+      </p:nvGrpSpPr>
+      <p:grpSpPr>
+        <a:xfrm>
+          <a:off x="0" y="0"/>
+          <a:ext cx="0" cy="0"/>
+          <a:chOff x="0" y="0"/>
+          <a:chExt cx="0" cy="0"/>
+        </a:xfrm>
+      </p:grpSpPr>
+      <p:sp>
+        <p:nvSpPr>
+          <p:cNvPr id="2" name="幻灯片图像占位符 1"/>
+          <p:cNvSpPr>
+            <a:spLocks noGrp="1" noRot="1" noChangeAspect="1"/>
+          </p:cNvSpPr>
+          <p:nvPr>
+            <p:ph type="sldImg" idx="2"/>
+          </p:nvPr>
+        </p:nvSpPr>
+        <p:spPr/>
+      </p:sp>
+      <p:sp>
+        <p:nvSpPr>
+          <p:cNvPr id="3" name="文本占位符 2"/>
+          <p:cNvSpPr>
+            <a:spLocks noGrp="1"/>
+          </p:cNvSpPr>
+          <p:nvPr>
+            <p:ph type="body" idx="3"/>
+          </p:nvPr>
+        </p:nvSpPr>
+        <p:spPr/>
+        <p:txBody>
+          <a:bodyPr/>
+          <a:lstStyle/>
+          <a:p>
+            <a:r>
+              <a:rPr lang="zh-CN" altLang="en-US"/>
+              <a:t> 继承是OO语言中一个重要的特性和概念。许多的OO语言中都支持两种继承方式：接口继承和实现继承。</a:t>
+            </a:r>
+            <a:endParaRPr lang="zh-CN" altLang="en-US"/>
+          </a:p>
+          <a:p>
+            <a:endParaRPr lang="zh-CN" altLang="en-US"/>
+          </a:p>
+          <a:p>
+            <a:r>
+              <a:rPr lang="zh-CN" altLang="en-US"/>
+              <a:t>ECMAScript支持实现继承，其实现继承主要是靠原型链来实现。在PHP语言中，是使用extend来实现继承。那么我们就先来讲讲原型链。</a:t>
+            </a:r>
+            <a:endParaRPr lang="zh-CN" altLang="en-US"/>
+          </a:p>
+          <a:p>
+            <a:endParaRPr lang="zh-CN" altLang="en-US"/>
+          </a:p>
+          <a:p>
+            <a:r>
+              <a:rPr lang="zh-CN" altLang="en-US"/>
+              <a:t>原型链的基本思想是利用原型让一个引用类型继承另一个引用类型的属性和方法</a:t>
+            </a:r>
+            <a:endParaRPr lang="zh-CN" altLang="en-US"/>
           </a:p>
         </p:txBody>
       </p:sp>
@@ -1006,7 +1152,6 @@
             </a:pPr>
             <a:fld id="{50FA7BE5-9B7D-4F20-881C-9A0B90E6FF72}" type="slidenum">
               <a:rPr lang="zh-CN" altLang="zh-CN" smtClean="0"/>
-              <a:t>3</a:t>
             </a:fld>
             <a:endParaRPr lang="zh-CN" altLang="zh-CN"/>
           </a:p>
@@ -1091,7 +1236,6 @@
             </a:pPr>
             <a:fld id="{50FA7BE5-9B7D-4F20-881C-9A0B90E6FF72}" type="slidenum">
               <a:rPr lang="zh-CN" altLang="zh-CN" smtClean="0"/>
-              <a:t>4</a:t>
             </a:fld>
             <a:endParaRPr lang="zh-CN" altLang="zh-CN"/>
           </a:p>
@@ -1176,7 +1320,6 @@
             </a:pPr>
             <a:fld id="{50FA7BE5-9B7D-4F20-881C-9A0B90E6FF72}" type="slidenum">
               <a:rPr lang="zh-CN" altLang="zh-CN" smtClean="0"/>
-              <a:t>5</a:t>
             </a:fld>
             <a:endParaRPr lang="zh-CN" altLang="zh-CN"/>
           </a:p>
@@ -1317,7 +1460,6 @@
             </a:pPr>
             <a:fld id="{50FA7BE5-9B7D-4F20-881C-9A0B90E6FF72}" type="slidenum">
               <a:rPr lang="zh-CN" altLang="zh-CN" smtClean="0"/>
-              <a:t>8</a:t>
             </a:fld>
             <a:endParaRPr lang="zh-CN" altLang="zh-CN"/>
           </a:p>
@@ -1355,19 +1497,19 @@
             <a:spLocks noGrp="1" noRot="1" noChangeAspect="1"/>
           </p:cNvSpPr>
           <p:nvPr>
-            <p:ph type="sldImg" idx="2"/>
+            <p:ph type="sldImg"/>
           </p:nvPr>
         </p:nvSpPr>
         <p:spPr/>
       </p:sp>
       <p:sp>
         <p:nvSpPr>
-          <p:cNvPr id="3" name="文本占位符 2"/>
+          <p:cNvPr id="3" name="备注占位符 2"/>
           <p:cNvSpPr>
             <a:spLocks noGrp="1"/>
           </p:cNvSpPr>
           <p:nvPr>
-            <p:ph type="body" idx="3"/>
+            <p:ph type="body" idx="1"/>
           </p:nvPr>
         </p:nvSpPr>
         <p:spPr/>
@@ -1375,7 +1517,35 @@
           <a:bodyPr/>
           <a:lstStyle/>
           <a:p>
-            <a:endParaRPr lang="zh-CN" altLang="en-US"/>
+            <a:endParaRPr lang="zh-CN" altLang="en-US" dirty="0" smtClean="0"/>
+          </a:p>
+          <a:p>
+            <a:endParaRPr lang="zh-CN" altLang="en-US" dirty="0"/>
+          </a:p>
+        </p:txBody>
+      </p:sp>
+      <p:sp>
+        <p:nvSpPr>
+          <p:cNvPr id="4" name="灯片编号占位符 3"/>
+          <p:cNvSpPr>
+            <a:spLocks noGrp="1"/>
+          </p:cNvSpPr>
+          <p:nvPr>
+            <p:ph type="sldNum" sz="quarter" idx="10"/>
+          </p:nvPr>
+        </p:nvSpPr>
+        <p:spPr/>
+        <p:txBody>
+          <a:bodyPr/>
+          <a:lstStyle/>
+          <a:p>
+            <a:pPr>
+              <a:defRPr/>
+            </a:pPr>
+            <a:fld id="{50FA7BE5-9B7D-4F20-881C-9A0B90E6FF72}" type="slidenum">
+              <a:rPr lang="zh-CN" altLang="zh-CN" smtClean="0"/>
+            </a:fld>
+            <a:endParaRPr lang="zh-CN" altLang="zh-CN"/>
           </a:p>
         </p:txBody>
       </p:sp>
@@ -1569,6 +1739,7 @@
               <a:rPr lang="zh-CN" altLang="en-US" dirty="0" smtClean="0"/>
               <a:t>单击此处编辑母版文本样式</a:t>
             </a:r>
+            <a:endParaRPr lang="zh-CN" altLang="en-US" dirty="0" smtClean="0"/>
           </a:p>
           <a:p>
             <a:pPr lvl="1"/>
@@ -1576,6 +1747,7 @@
               <a:rPr lang="zh-CN" altLang="en-US" dirty="0" smtClean="0"/>
               <a:t>第二级</a:t>
             </a:r>
+            <a:endParaRPr lang="zh-CN" altLang="en-US" dirty="0" smtClean="0"/>
           </a:p>
           <a:p>
             <a:pPr lvl="2"/>
@@ -1583,6 +1755,7 @@
               <a:rPr lang="zh-CN" altLang="en-US" dirty="0" smtClean="0"/>
               <a:t>第三级</a:t>
             </a:r>
+            <a:endParaRPr lang="zh-CN" altLang="en-US" dirty="0" smtClean="0"/>
           </a:p>
           <a:p>
             <a:pPr lvl="3"/>
@@ -1590,6 +1763,7 @@
               <a:rPr lang="zh-CN" altLang="en-US" dirty="0" smtClean="0"/>
               <a:t>第四级</a:t>
             </a:r>
+            <a:endParaRPr lang="zh-CN" altLang="en-US" dirty="0" smtClean="0"/>
           </a:p>
         </p:txBody>
       </p:sp>
@@ -1651,6 +1825,7 @@
               <a:rPr lang="zh-CN" altLang="en-US" dirty="0" smtClean="0"/>
               <a:t>单击此处编辑母版文本样式</a:t>
             </a:r>
+            <a:endParaRPr lang="zh-CN" altLang="en-US" dirty="0" smtClean="0"/>
           </a:p>
         </p:txBody>
       </p:sp>
@@ -1707,7 +1882,6 @@
           <a:p>
             <a:fld id="{2030C94F-1E7C-47E3-9C60-176A530B03BF}" type="slidenum">
               <a:rPr lang="en-US" altLang="zh-CN"/>
-              <a:t>‹#›</a:t>
             </a:fld>
             <a:endParaRPr lang="zh-CN" altLang="zh-CN" sz="3200" b="0"/>
           </a:p>
@@ -1798,6 +1972,7 @@
               <a:rPr lang="zh-CN" altLang="en-US" dirty="0" smtClean="0"/>
               <a:t>单击此处编辑母版文本样式</a:t>
             </a:r>
+            <a:endParaRPr lang="zh-CN" altLang="en-US" dirty="0" smtClean="0"/>
           </a:p>
           <a:p>
             <a:pPr lvl="1"/>
@@ -1805,6 +1980,7 @@
               <a:rPr lang="zh-CN" altLang="en-US" dirty="0" smtClean="0"/>
               <a:t>第二级</a:t>
             </a:r>
+            <a:endParaRPr lang="zh-CN" altLang="en-US" dirty="0" smtClean="0"/>
           </a:p>
           <a:p>
             <a:pPr lvl="2"/>
@@ -1812,6 +1988,7 @@
               <a:rPr lang="zh-CN" altLang="en-US" dirty="0" smtClean="0"/>
               <a:t>第三级</a:t>
             </a:r>
+            <a:endParaRPr lang="zh-CN" altLang="en-US" dirty="0" smtClean="0"/>
           </a:p>
           <a:p>
             <a:pPr lvl="3"/>
@@ -1819,6 +1996,7 @@
               <a:rPr lang="zh-CN" altLang="en-US" dirty="0" smtClean="0"/>
               <a:t>第四级</a:t>
             </a:r>
+            <a:endParaRPr lang="zh-CN" altLang="en-US" dirty="0" smtClean="0"/>
           </a:p>
         </p:txBody>
       </p:sp>
@@ -1876,6 +2054,7 @@
               <a:rPr lang="zh-CN" altLang="en-US" dirty="0" smtClean="0"/>
               <a:t>单击此处编辑母版文本样式</a:t>
             </a:r>
+            <a:endParaRPr lang="zh-CN" altLang="en-US" dirty="0" smtClean="0"/>
           </a:p>
         </p:txBody>
       </p:sp>
@@ -1957,6 +2136,7 @@
               <a:rPr lang="zh-CN" altLang="en-US" dirty="0" smtClean="0"/>
               <a:t>单击此处编辑母版文本样式</a:t>
             </a:r>
+            <a:endParaRPr lang="zh-CN" altLang="en-US" dirty="0" smtClean="0"/>
           </a:p>
           <a:p>
             <a:pPr lvl="1"/>
@@ -1964,6 +2144,7 @@
               <a:rPr lang="zh-CN" altLang="en-US" dirty="0" smtClean="0"/>
               <a:t>第二级</a:t>
             </a:r>
+            <a:endParaRPr lang="zh-CN" altLang="en-US" dirty="0" smtClean="0"/>
           </a:p>
           <a:p>
             <a:pPr lvl="2"/>
@@ -1971,6 +2152,7 @@
               <a:rPr lang="zh-CN" altLang="en-US" dirty="0" smtClean="0"/>
               <a:t>第三级</a:t>
             </a:r>
+            <a:endParaRPr lang="zh-CN" altLang="en-US" dirty="0" smtClean="0"/>
           </a:p>
           <a:p>
             <a:pPr lvl="3"/>
@@ -1978,6 +2160,7 @@
               <a:rPr lang="zh-CN" altLang="en-US" dirty="0" smtClean="0"/>
               <a:t>第四级</a:t>
             </a:r>
+            <a:endParaRPr lang="zh-CN" altLang="en-US" dirty="0" smtClean="0"/>
           </a:p>
         </p:txBody>
       </p:sp>
@@ -2035,6 +2218,7 @@
               <a:rPr lang="zh-CN" altLang="en-US" dirty="0" smtClean="0"/>
               <a:t>单击此处编辑母版文本样式</a:t>
             </a:r>
+            <a:endParaRPr lang="zh-CN" altLang="en-US" dirty="0" smtClean="0"/>
           </a:p>
         </p:txBody>
       </p:sp>
@@ -2116,6 +2300,7 @@
               <a:rPr lang="zh-CN" altLang="en-US" dirty="0" smtClean="0"/>
               <a:t>单击此处编辑母版文本样式</a:t>
             </a:r>
+            <a:endParaRPr lang="zh-CN" altLang="en-US" dirty="0" smtClean="0"/>
           </a:p>
           <a:p>
             <a:pPr lvl="1"/>
@@ -2123,6 +2308,7 @@
               <a:rPr lang="zh-CN" altLang="en-US" dirty="0" smtClean="0"/>
               <a:t>第二级</a:t>
             </a:r>
+            <a:endParaRPr lang="zh-CN" altLang="en-US" dirty="0" smtClean="0"/>
           </a:p>
           <a:p>
             <a:pPr lvl="2"/>
@@ -2130,6 +2316,7 @@
               <a:rPr lang="zh-CN" altLang="en-US" dirty="0" smtClean="0"/>
               <a:t>第三级</a:t>
             </a:r>
+            <a:endParaRPr lang="zh-CN" altLang="en-US" dirty="0" smtClean="0"/>
           </a:p>
           <a:p>
             <a:pPr lvl="3"/>
@@ -2137,6 +2324,7 @@
               <a:rPr lang="zh-CN" altLang="en-US" dirty="0" smtClean="0"/>
               <a:t>第四级</a:t>
             </a:r>
+            <a:endParaRPr lang="zh-CN" altLang="en-US" dirty="0" smtClean="0"/>
           </a:p>
         </p:txBody>
       </p:sp>
@@ -2194,6 +2382,7 @@
               <a:rPr lang="zh-CN" altLang="en-US" dirty="0" smtClean="0"/>
               <a:t>单击此处编辑母版文本样式</a:t>
             </a:r>
+            <a:endParaRPr lang="zh-CN" altLang="en-US" dirty="0" smtClean="0"/>
           </a:p>
         </p:txBody>
       </p:sp>
@@ -2275,6 +2464,7 @@
               <a:rPr lang="zh-CN" altLang="en-US" dirty="0" smtClean="0"/>
               <a:t>单击此处编辑母版文本样式</a:t>
             </a:r>
+            <a:endParaRPr lang="zh-CN" altLang="en-US" dirty="0" smtClean="0"/>
           </a:p>
           <a:p>
             <a:pPr lvl="1"/>
@@ -2282,6 +2472,7 @@
               <a:rPr lang="zh-CN" altLang="en-US" dirty="0" smtClean="0"/>
               <a:t>第二级</a:t>
             </a:r>
+            <a:endParaRPr lang="zh-CN" altLang="en-US" dirty="0" smtClean="0"/>
           </a:p>
           <a:p>
             <a:pPr lvl="2"/>
@@ -2289,6 +2480,7 @@
               <a:rPr lang="zh-CN" altLang="en-US" dirty="0" smtClean="0"/>
               <a:t>第三级</a:t>
             </a:r>
+            <a:endParaRPr lang="zh-CN" altLang="en-US" dirty="0" smtClean="0"/>
           </a:p>
           <a:p>
             <a:pPr lvl="3"/>
@@ -2296,6 +2488,7 @@
               <a:rPr lang="zh-CN" altLang="en-US" dirty="0" smtClean="0"/>
               <a:t>第四级</a:t>
             </a:r>
+            <a:endParaRPr lang="zh-CN" altLang="en-US" dirty="0" smtClean="0"/>
           </a:p>
         </p:txBody>
       </p:sp>
@@ -2353,6 +2546,7 @@
               <a:rPr lang="zh-CN" altLang="en-US" dirty="0" smtClean="0"/>
               <a:t>单击此处编辑母版文本样式</a:t>
             </a:r>
+            <a:endParaRPr lang="zh-CN" altLang="en-US" dirty="0" smtClean="0"/>
           </a:p>
         </p:txBody>
       </p:sp>
@@ -2434,6 +2628,7 @@
               <a:rPr lang="zh-CN" altLang="en-US" dirty="0" smtClean="0"/>
               <a:t>单击此处编辑母版文本样式</a:t>
             </a:r>
+            <a:endParaRPr lang="zh-CN" altLang="en-US" dirty="0" smtClean="0"/>
           </a:p>
           <a:p>
             <a:pPr lvl="1"/>
@@ -2441,6 +2636,7 @@
               <a:rPr lang="zh-CN" altLang="en-US" dirty="0" smtClean="0"/>
               <a:t>第二级</a:t>
             </a:r>
+            <a:endParaRPr lang="zh-CN" altLang="en-US" dirty="0" smtClean="0"/>
           </a:p>
           <a:p>
             <a:pPr lvl="2"/>
@@ -2448,6 +2644,7 @@
               <a:rPr lang="zh-CN" altLang="en-US" dirty="0" smtClean="0"/>
               <a:t>第三级</a:t>
             </a:r>
+            <a:endParaRPr lang="zh-CN" altLang="en-US" dirty="0" smtClean="0"/>
           </a:p>
           <a:p>
             <a:pPr lvl="3"/>
@@ -2455,6 +2652,7 @@
               <a:rPr lang="zh-CN" altLang="en-US" dirty="0" smtClean="0"/>
               <a:t>第四级</a:t>
             </a:r>
+            <a:endParaRPr lang="zh-CN" altLang="en-US" dirty="0" smtClean="0"/>
           </a:p>
         </p:txBody>
       </p:sp>
@@ -2512,6 +2710,7 @@
               <a:rPr lang="zh-CN" altLang="en-US" dirty="0" smtClean="0"/>
               <a:t>单击此处编辑母版文本样式</a:t>
             </a:r>
+            <a:endParaRPr lang="zh-CN" altLang="en-US" dirty="0" smtClean="0"/>
           </a:p>
         </p:txBody>
       </p:sp>
@@ -2593,6 +2792,7 @@
               <a:rPr lang="zh-CN" altLang="en-US" dirty="0" smtClean="0"/>
               <a:t>单击此处编辑母版文本样式</a:t>
             </a:r>
+            <a:endParaRPr lang="zh-CN" altLang="en-US" dirty="0" smtClean="0"/>
           </a:p>
           <a:p>
             <a:pPr lvl="1"/>
@@ -2600,6 +2800,7 @@
               <a:rPr lang="zh-CN" altLang="en-US" dirty="0" smtClean="0"/>
               <a:t>第二级</a:t>
             </a:r>
+            <a:endParaRPr lang="zh-CN" altLang="en-US" dirty="0" smtClean="0"/>
           </a:p>
           <a:p>
             <a:pPr lvl="2"/>
@@ -2607,6 +2808,7 @@
               <a:rPr lang="zh-CN" altLang="en-US" dirty="0" smtClean="0"/>
               <a:t>第三级</a:t>
             </a:r>
+            <a:endParaRPr lang="zh-CN" altLang="en-US" dirty="0" smtClean="0"/>
           </a:p>
           <a:p>
             <a:pPr lvl="3"/>
@@ -2614,6 +2816,7 @@
               <a:rPr lang="zh-CN" altLang="en-US" dirty="0" smtClean="0"/>
               <a:t>第四级</a:t>
             </a:r>
+            <a:endParaRPr lang="zh-CN" altLang="en-US" dirty="0" smtClean="0"/>
           </a:p>
         </p:txBody>
       </p:sp>
@@ -2671,6 +2874,7 @@
               <a:rPr lang="zh-CN" altLang="en-US" dirty="0" smtClean="0"/>
               <a:t>单击此处编辑母版文本样式</a:t>
             </a:r>
+            <a:endParaRPr lang="zh-CN" altLang="en-US" dirty="0" smtClean="0"/>
           </a:p>
         </p:txBody>
       </p:sp>
@@ -2764,6 +2968,7 @@
               <a:rPr lang="zh-CN" altLang="en-US" dirty="0" smtClean="0"/>
               <a:t>单击此处编辑母版文本样式</a:t>
             </a:r>
+            <a:endParaRPr lang="zh-CN" altLang="en-US" dirty="0" smtClean="0"/>
           </a:p>
           <a:p>
             <a:pPr lvl="1"/>
@@ -2771,6 +2976,7 @@
               <a:rPr lang="zh-CN" altLang="en-US" dirty="0" smtClean="0"/>
               <a:t>第二级</a:t>
             </a:r>
+            <a:endParaRPr lang="zh-CN" altLang="en-US" dirty="0" smtClean="0"/>
           </a:p>
           <a:p>
             <a:pPr lvl="2"/>
@@ -2778,6 +2984,7 @@
               <a:rPr lang="zh-CN" altLang="en-US" dirty="0" smtClean="0"/>
               <a:t>第三级</a:t>
             </a:r>
+            <a:endParaRPr lang="zh-CN" altLang="en-US" dirty="0" smtClean="0"/>
           </a:p>
           <a:p>
             <a:pPr lvl="3"/>
@@ -2785,6 +2992,7 @@
               <a:rPr lang="zh-CN" altLang="en-US" dirty="0" smtClean="0"/>
               <a:t>第四级</a:t>
             </a:r>
+            <a:endParaRPr lang="zh-CN" altLang="en-US" dirty="0" smtClean="0"/>
           </a:p>
         </p:txBody>
       </p:sp>
@@ -2846,6 +3054,7 @@
               <a:rPr lang="zh-CN" altLang="en-US" dirty="0" smtClean="0"/>
               <a:t>单击此处编辑母版文本样式</a:t>
             </a:r>
+            <a:endParaRPr lang="zh-CN" altLang="en-US" dirty="0" smtClean="0"/>
           </a:p>
         </p:txBody>
       </p:sp>
@@ -2870,7 +3079,7 @@
     <p:bg bwMode="auto">
       <p:bgPr>
         <a:blipFill dpi="0" rotWithShape="0">
-          <a:blip r:embed="rId11"/>
+          <a:blip r:embed="rId10"/>
           <a:srcRect/>
           <a:stretch>
             <a:fillRect/>
@@ -2929,7 +3138,6 @@
           <a:p>
             <a:fld id="{43A45880-9E2A-43E4-955C-AEB11E14255E}" type="slidenum">
               <a:rPr lang="en-US" altLang="zh-CN"/>
-              <a:t>‹#›</a:t>
             </a:fld>
             <a:endParaRPr lang="zh-CN" altLang="zh-CN"/>
           </a:p>
@@ -2944,7 +3152,7 @@
           <p:nvPr/>
         </p:nvPicPr>
         <p:blipFill>
-          <a:blip r:embed="rId12">
+          <a:blip r:embed="rId11">
             <a:extLst>
               <a:ext uri="{28A0092B-C50C-407E-A947-70E740481C1C}">
                 <a14:useLocalDpi xmlns:a14="http://schemas.microsoft.com/office/drawing/2010/main" val="0"/>
@@ -2998,7 +3206,7 @@
           <p:nvPr/>
         </p:nvPicPr>
         <p:blipFill>
-          <a:blip r:embed="rId13">
+          <a:blip r:embed="rId12">
             <a:extLst>
               <a:ext uri="{28A0092B-C50C-407E-A947-70E740481C1C}">
                 <a14:useLocalDpi xmlns:a14="http://schemas.microsoft.com/office/drawing/2010/main" val="0"/>
@@ -3511,7 +3719,7 @@
           <p:nvPr/>
         </p:nvPicPr>
         <p:blipFill>
-          <a:blip r:embed="rId2">
+          <a:blip r:embed="rId1">
             <a:extLst>
               <a:ext uri="{28A0092B-C50C-407E-A947-70E740481C1C}">
                 <a14:useLocalDpi xmlns:a14="http://schemas.microsoft.com/office/drawing/2010/main" val="0"/>
@@ -3625,7 +3833,7 @@
           <p:nvPr/>
         </p:nvPicPr>
         <p:blipFill>
-          <a:blip r:embed="rId3">
+          <a:blip r:embed="rId2">
             <a:extLst>
               <a:ext uri="{28A0092B-C50C-407E-A947-70E740481C1C}">
                 <a14:useLocalDpi xmlns:a14="http://schemas.microsoft.com/office/drawing/2010/main" val="0"/>
@@ -3874,6 +4082,1851 @@
 </file>
 
 <file path=ppt/slides/slide10.xml><?xml version="1.0" encoding="utf-8"?>
+<p:sld xmlns:a="http://schemas.openxmlformats.org/drawingml/2006/main" xmlns:r="http://schemas.openxmlformats.org/officeDocument/2006/relationships" xmlns:p="http://schemas.openxmlformats.org/presentationml/2006/main">
+  <p:cSld>
+    <p:spTree>
+      <p:nvGrpSpPr>
+        <p:cNvPr id="1" name=""/>
+        <p:cNvGrpSpPr/>
+        <p:nvPr/>
+      </p:nvGrpSpPr>
+      <p:grpSpPr>
+        <a:xfrm>
+          <a:off x="0" y="0"/>
+          <a:ext cx="0" cy="0"/>
+          <a:chOff x="0" y="0"/>
+          <a:chExt cx="0" cy="0"/>
+        </a:xfrm>
+      </p:grpSpPr>
+      <p:sp>
+        <p:nvSpPr>
+          <p:cNvPr id="2" name="内容占位符 1"/>
+          <p:cNvSpPr>
+            <a:spLocks noGrp="1"/>
+          </p:cNvSpPr>
+          <p:nvPr>
+            <p:ph sz="quarter" idx="10"/>
+          </p:nvPr>
+        </p:nvSpPr>
+        <p:spPr>
+          <a:xfrm>
+            <a:off x="927735" y="783590"/>
+            <a:ext cx="10396220" cy="5253990"/>
+          </a:xfrm>
+        </p:spPr>
+        <p:txBody>
+          <a:bodyPr/>
+          <a:lstStyle/>
+          <a:p>
+            <a:pPr>
+              <a:lnSpc>
+                <a:spcPct val="140000"/>
+              </a:lnSpc>
+            </a:pPr>
+            <a:r>
+              <a:rPr lang="zh-CN" altLang="en-US" sz="3200" dirty="0">
+                <a:solidFill>
+                  <a:schemeClr val="tx1"/>
+                </a:solidFill>
+                <a:sym typeface="+mn-ea"/>
+              </a:rPr>
+              <a:t>构造函数实现的对象</a:t>
+            </a:r>
+            <a:r>
+              <a:rPr lang="en-US" altLang="zh-CN" sz="3200" dirty="0">
+                <a:solidFill>
+                  <a:schemeClr val="tx1"/>
+                </a:solidFill>
+                <a:sym typeface="+mn-ea"/>
+              </a:rPr>
+              <a:t>-</a:t>
+            </a:r>
+            <a:r>
+              <a:rPr lang="zh-CN" altLang="en-US" sz="3200" dirty="0">
+                <a:solidFill>
+                  <a:schemeClr val="tx1"/>
+                </a:solidFill>
+                <a:sym typeface="+mn-ea"/>
+              </a:rPr>
+              <a:t>对象的原型继承的</a:t>
+            </a:r>
+            <a:r>
+              <a:rPr lang="zh-CN" altLang="en-US" sz="3200" dirty="0">
+                <a:solidFill>
+                  <a:schemeClr val="accent3"/>
+                </a:solidFill>
+                <a:sym typeface="+mn-ea"/>
+              </a:rPr>
+              <a:t>原型共享问题</a:t>
+            </a:r>
+            <a:endParaRPr lang="zh-CN" altLang="en-US" sz="3200" dirty="0">
+              <a:solidFill>
+                <a:schemeClr val="accent3"/>
+              </a:solidFill>
+              <a:sym typeface="+mn-ea"/>
+            </a:endParaRPr>
+          </a:p>
+          <a:p>
+            <a:pPr marL="168275" lvl="1" indent="0">
+              <a:lnSpc>
+                <a:spcPct val="150000"/>
+              </a:lnSpc>
+              <a:buNone/>
+            </a:pPr>
+            <a:endParaRPr lang="zh-CN" altLang="en-US" sz="2200" dirty="0">
+              <a:sym typeface="+mn-ea"/>
+            </a:endParaRPr>
+          </a:p>
+          <a:p>
+            <a:pPr marL="168275" lvl="1" indent="0">
+              <a:lnSpc>
+                <a:spcPct val="150000"/>
+              </a:lnSpc>
+              <a:buNone/>
+            </a:pPr>
+            <a:endParaRPr lang="en-US" altLang="zh-CN" sz="3200" dirty="0">
+              <a:solidFill>
+                <a:srgbClr val="006F53"/>
+              </a:solidFill>
+              <a:cs typeface="+mn-cs"/>
+            </a:endParaRPr>
+          </a:p>
+        </p:txBody>
+      </p:sp>
+      <p:sp>
+        <p:nvSpPr>
+          <p:cNvPr id="3" name="内容占位符 2"/>
+          <p:cNvSpPr>
+            <a:spLocks noGrp="1"/>
+          </p:cNvSpPr>
+          <p:nvPr>
+            <p:ph sz="quarter" idx="11"/>
+          </p:nvPr>
+        </p:nvSpPr>
+        <p:spPr>
+          <a:xfrm>
+            <a:off x="947420" y="236855"/>
+            <a:ext cx="10059670" cy="490220"/>
+          </a:xfrm>
+        </p:spPr>
+        <p:txBody>
+          <a:bodyPr/>
+          <a:lstStyle/>
+          <a:p>
+            <a:r>
+              <a:rPr kumimoji="0" lang="zh-CN" altLang="en-US" dirty="0">
+                <a:sym typeface="+mn-ea"/>
+              </a:rPr>
+              <a:t>模拟类</a:t>
+            </a:r>
+            <a:r>
+              <a:rPr kumimoji="0" lang="en-US" altLang="zh-CN" dirty="0">
+                <a:sym typeface="+mn-ea"/>
+              </a:rPr>
+              <a:t>-</a:t>
+            </a:r>
+            <a:r>
+              <a:rPr kumimoji="0" lang="zh-CN" altLang="en-US" dirty="0">
+                <a:sym typeface="+mn-ea"/>
+              </a:rPr>
+              <a:t>类继承的形式</a:t>
+            </a:r>
+            <a:r>
+              <a:rPr kumimoji="0" lang="en-US" altLang="zh-CN" dirty="0">
+                <a:sym typeface="+mn-ea"/>
+              </a:rPr>
+              <a:t>-</a:t>
+            </a:r>
+            <a:r>
+              <a:rPr kumimoji="0" lang="zh-CN" altLang="en-US" dirty="0">
+                <a:sym typeface="+mn-ea"/>
+              </a:rPr>
+              <a:t>图解</a:t>
+            </a:r>
+            <a:endParaRPr lang="zh-CN" altLang="en-US" dirty="0" smtClean="0">
+              <a:sym typeface="+mn-ea"/>
+            </a:endParaRPr>
+          </a:p>
+        </p:txBody>
+      </p:sp>
+      <p:sp>
+        <p:nvSpPr>
+          <p:cNvPr id="11" name="流程图: 过程 10"/>
+          <p:cNvSpPr/>
+          <p:nvPr/>
+        </p:nvSpPr>
+        <p:spPr>
+          <a:xfrm>
+            <a:off x="3752215" y="1793875"/>
+            <a:ext cx="3385185" cy="412750"/>
+          </a:xfrm>
+          <a:prstGeom prst="flowChartProcess">
+            <a:avLst/>
+          </a:prstGeom>
+          <a:ln>
+            <a:solidFill>
+              <a:srgbClr val="C00000"/>
+            </a:solidFill>
+            <a:headEnd type="none" w="med" len="med"/>
+            <a:tailEnd type="none" w="med" len="med"/>
+          </a:ln>
+        </p:spPr>
+        <p:style>
+          <a:lnRef idx="2">
+            <a:schemeClr val="accent4"/>
+          </a:lnRef>
+          <a:fillRef idx="1">
+            <a:schemeClr val="lt1"/>
+          </a:fillRef>
+          <a:effectRef idx="0">
+            <a:schemeClr val="accent4"/>
+          </a:effectRef>
+          <a:fontRef idx="minor">
+            <a:schemeClr val="dk1"/>
+          </a:fontRef>
+        </p:style>
+        <p:txBody>
+          <a:bodyPr vert="horz" wrap="square" lIns="91440" tIns="45720" rIns="91440" bIns="45720" numCol="1" anchor="t" anchorCtr="0" compatLnSpc="1"/>
+          <a:lstStyle/>
+          <a:p>
+            <a:pPr marL="0" marR="0" indent="0" algn="l" defTabSz="914400" rtl="0" eaLnBrk="0" fontAlgn="base" latinLnBrk="0" hangingPunct="0">
+              <a:lnSpc>
+                <a:spcPct val="100000"/>
+              </a:lnSpc>
+              <a:spcBef>
+                <a:spcPct val="0"/>
+              </a:spcBef>
+              <a:spcAft>
+                <a:spcPct val="0"/>
+              </a:spcAft>
+              <a:buClrTx/>
+              <a:buSzTx/>
+              <a:buFontTx/>
+              <a:buNone/>
+            </a:pPr>
+            <a:endParaRPr kumimoji="0" lang="zh-CN" altLang="en-US" sz="3200" b="0" i="0" u="none" strike="noStrike" cap="none" normalizeH="0" baseline="0" smtClean="0">
+              <a:ln>
+                <a:noFill/>
+              </a:ln>
+              <a:solidFill>
+                <a:schemeClr val="tx1"/>
+              </a:solidFill>
+              <a:effectLst/>
+              <a:latin typeface="Arial" panose="020B0604020202020204" pitchFamily="34" charset="0"/>
+            </a:endParaRPr>
+          </a:p>
+        </p:txBody>
+      </p:sp>
+      <p:sp>
+        <p:nvSpPr>
+          <p:cNvPr id="13" name="流程图: 过程 12"/>
+          <p:cNvSpPr/>
+          <p:nvPr/>
+        </p:nvSpPr>
+        <p:spPr>
+          <a:xfrm>
+            <a:off x="9288780" y="2938145"/>
+            <a:ext cx="2672715" cy="538480"/>
+          </a:xfrm>
+          <a:prstGeom prst="flowChartProcess">
+            <a:avLst/>
+          </a:prstGeom>
+          <a:ln>
+            <a:headEnd type="none" w="med" len="med"/>
+            <a:tailEnd type="none" w="med" len="med"/>
+          </a:ln>
+        </p:spPr>
+        <p:style>
+          <a:lnRef idx="2">
+            <a:schemeClr val="accent4"/>
+          </a:lnRef>
+          <a:fillRef idx="1">
+            <a:schemeClr val="lt1"/>
+          </a:fillRef>
+          <a:effectRef idx="0">
+            <a:schemeClr val="accent4"/>
+          </a:effectRef>
+          <a:fontRef idx="minor">
+            <a:schemeClr val="dk1"/>
+          </a:fontRef>
+        </p:style>
+        <p:txBody>
+          <a:bodyPr vert="horz" wrap="square" lIns="91440" tIns="45720" rIns="91440" bIns="45720" numCol="1" anchor="t" anchorCtr="0" compatLnSpc="1"/>
+          <a:lstStyle/>
+          <a:p>
+            <a:pPr marL="0" marR="0" indent="0" algn="l" defTabSz="914400" rtl="0" eaLnBrk="0" fontAlgn="base" latinLnBrk="0" hangingPunct="0">
+              <a:lnSpc>
+                <a:spcPct val="100000"/>
+              </a:lnSpc>
+              <a:spcBef>
+                <a:spcPct val="0"/>
+              </a:spcBef>
+              <a:spcAft>
+                <a:spcPct val="0"/>
+              </a:spcAft>
+              <a:buClrTx/>
+              <a:buSzTx/>
+              <a:buFontTx/>
+              <a:buNone/>
+            </a:pPr>
+            <a:endParaRPr kumimoji="0" lang="zh-CN" altLang="en-US" sz="3200" b="0" i="0" u="none" strike="noStrike" cap="none" normalizeH="0" baseline="0" smtClean="0">
+              <a:ln>
+                <a:noFill/>
+              </a:ln>
+              <a:solidFill>
+                <a:schemeClr val="tx1"/>
+              </a:solidFill>
+              <a:effectLst/>
+              <a:latin typeface="Arial" panose="020B0604020202020204" pitchFamily="34" charset="0"/>
+            </a:endParaRPr>
+          </a:p>
+        </p:txBody>
+      </p:sp>
+      <p:sp>
+        <p:nvSpPr>
+          <p:cNvPr id="14" name="流程图: 过程 13"/>
+          <p:cNvSpPr/>
+          <p:nvPr/>
+        </p:nvSpPr>
+        <p:spPr>
+          <a:xfrm>
+            <a:off x="1383665" y="4276725"/>
+            <a:ext cx="3385185" cy="1591310"/>
+          </a:xfrm>
+          <a:prstGeom prst="flowChartProcess">
+            <a:avLst/>
+          </a:prstGeom>
+          <a:ln>
+            <a:solidFill>
+              <a:srgbClr val="C00000"/>
+            </a:solidFill>
+            <a:headEnd type="none" w="med" len="med"/>
+            <a:tailEnd type="none" w="med" len="med"/>
+          </a:ln>
+        </p:spPr>
+        <p:style>
+          <a:lnRef idx="2">
+            <a:schemeClr val="accent4"/>
+          </a:lnRef>
+          <a:fillRef idx="1">
+            <a:schemeClr val="lt1"/>
+          </a:fillRef>
+          <a:effectRef idx="0">
+            <a:schemeClr val="accent4"/>
+          </a:effectRef>
+          <a:fontRef idx="minor">
+            <a:schemeClr val="dk1"/>
+          </a:fontRef>
+        </p:style>
+        <p:txBody>
+          <a:bodyPr vert="horz" wrap="square" lIns="91440" tIns="45720" rIns="91440" bIns="45720" numCol="1" anchor="t" anchorCtr="0" compatLnSpc="1"/>
+          <a:lstStyle/>
+          <a:p>
+            <a:pPr marL="0" marR="0" indent="0" algn="l" defTabSz="914400" rtl="0" eaLnBrk="0" fontAlgn="base" latinLnBrk="0" hangingPunct="0">
+              <a:lnSpc>
+                <a:spcPct val="100000"/>
+              </a:lnSpc>
+              <a:spcBef>
+                <a:spcPct val="0"/>
+              </a:spcBef>
+              <a:spcAft>
+                <a:spcPct val="0"/>
+              </a:spcAft>
+              <a:buClrTx/>
+              <a:buSzTx/>
+              <a:buFontTx/>
+              <a:buNone/>
+            </a:pPr>
+            <a:endParaRPr kumimoji="0" lang="zh-CN" altLang="en-US" sz="3200" b="0" i="0" u="none" strike="noStrike" cap="none" normalizeH="0" baseline="0" smtClean="0">
+              <a:ln>
+                <a:noFill/>
+              </a:ln>
+              <a:solidFill>
+                <a:schemeClr val="tx1"/>
+              </a:solidFill>
+              <a:effectLst/>
+              <a:latin typeface="Arial" panose="020B0604020202020204" pitchFamily="34" charset="0"/>
+            </a:endParaRPr>
+          </a:p>
+        </p:txBody>
+      </p:sp>
+      <p:sp>
+        <p:nvSpPr>
+          <p:cNvPr id="15" name="流程图: 过程 14"/>
+          <p:cNvSpPr/>
+          <p:nvPr/>
+        </p:nvSpPr>
+        <p:spPr>
+          <a:xfrm>
+            <a:off x="6174740" y="4277360"/>
+            <a:ext cx="3385185" cy="1574165"/>
+          </a:xfrm>
+          <a:prstGeom prst="flowChartProcess">
+            <a:avLst/>
+          </a:prstGeom>
+          <a:ln>
+            <a:solidFill>
+              <a:srgbClr val="C00000"/>
+            </a:solidFill>
+            <a:headEnd type="none" w="med" len="med"/>
+            <a:tailEnd type="none" w="med" len="med"/>
+          </a:ln>
+        </p:spPr>
+        <p:style>
+          <a:lnRef idx="2">
+            <a:schemeClr val="accent4"/>
+          </a:lnRef>
+          <a:fillRef idx="1">
+            <a:schemeClr val="lt1"/>
+          </a:fillRef>
+          <a:effectRef idx="0">
+            <a:schemeClr val="accent4"/>
+          </a:effectRef>
+          <a:fontRef idx="minor">
+            <a:schemeClr val="dk1"/>
+          </a:fontRef>
+        </p:style>
+        <p:txBody>
+          <a:bodyPr vert="horz" wrap="square" lIns="91440" tIns="45720" rIns="91440" bIns="45720" numCol="1" anchor="t" anchorCtr="0" compatLnSpc="1"/>
+          <a:lstStyle/>
+          <a:p>
+            <a:pPr marL="0" marR="0" indent="0" algn="l" defTabSz="914400" rtl="0" eaLnBrk="0" fontAlgn="base" latinLnBrk="0" hangingPunct="0">
+              <a:lnSpc>
+                <a:spcPct val="100000"/>
+              </a:lnSpc>
+              <a:spcBef>
+                <a:spcPct val="0"/>
+              </a:spcBef>
+              <a:spcAft>
+                <a:spcPct val="0"/>
+              </a:spcAft>
+              <a:buClrTx/>
+              <a:buSzTx/>
+              <a:buFontTx/>
+              <a:buNone/>
+            </a:pPr>
+            <a:endParaRPr kumimoji="0" lang="zh-CN" altLang="en-US" sz="3200" b="0" i="0" u="none" strike="noStrike" cap="none" normalizeH="0" baseline="0" smtClean="0">
+              <a:ln>
+                <a:noFill/>
+              </a:ln>
+              <a:solidFill>
+                <a:schemeClr val="tx1"/>
+              </a:solidFill>
+              <a:effectLst/>
+              <a:latin typeface="Arial" panose="020B0604020202020204" pitchFamily="34" charset="0"/>
+            </a:endParaRPr>
+          </a:p>
+        </p:txBody>
+      </p:sp>
+      <p:cxnSp>
+        <p:nvCxnSpPr>
+          <p:cNvPr id="19" name="肘形连接符 18"/>
+          <p:cNvCxnSpPr>
+            <a:stCxn id="14" idx="0"/>
+            <a:endCxn id="32" idx="1"/>
+          </p:cNvCxnSpPr>
+          <p:nvPr/>
+        </p:nvCxnSpPr>
+        <p:spPr>
+          <a:xfrm rot="16200000">
+            <a:off x="2980690" y="3505835"/>
+            <a:ext cx="866775" cy="675005"/>
+          </a:xfrm>
+          <a:prstGeom prst="bentConnector2">
+            <a:avLst/>
+          </a:prstGeom>
+          <a:solidFill>
+            <a:schemeClr val="accent1"/>
+          </a:solidFill>
+          <a:ln w="9525" cap="flat" cmpd="sng" algn="ctr">
+            <a:solidFill>
+              <a:schemeClr val="tx1"/>
+            </a:solidFill>
+            <a:prstDash val="solid"/>
+            <a:round/>
+            <a:headEnd type="none" w="med" len="med"/>
+            <a:tailEnd type="arrow" w="med" len="med"/>
+          </a:ln>
+        </p:spPr>
+      </p:cxnSp>
+      <p:sp>
+        <p:nvSpPr>
+          <p:cNvPr id="22" name="文本框 21"/>
+          <p:cNvSpPr txBox="1"/>
+          <p:nvPr/>
+        </p:nvSpPr>
+        <p:spPr>
+          <a:xfrm>
+            <a:off x="3709035" y="1777365"/>
+            <a:ext cx="3569970" cy="429895"/>
+          </a:xfrm>
+          <a:prstGeom prst="rect">
+            <a:avLst/>
+          </a:prstGeom>
+          <a:noFill/>
+          <a:ln>
+            <a:solidFill>
+              <a:schemeClr val="tx1"/>
+            </a:solidFill>
+          </a:ln>
+        </p:spPr>
+        <p:txBody>
+          <a:bodyPr wrap="square" rtlCol="0">
+            <a:spAutoFit/>
+          </a:bodyPr>
+          <a:lstStyle/>
+          <a:p>
+            <a:pPr algn="l"/>
+            <a:r>
+              <a:rPr lang="en-US" altLang="zh-CN" sz="2200">
+                <a:solidFill>
+                  <a:schemeClr val="tx1"/>
+                </a:solidFill>
+                <a:latin typeface="+mn-ea"/>
+                <a:ea typeface="+mn-ea"/>
+              </a:rPr>
+              <a:t>showName</a:t>
+            </a:r>
+            <a:r>
+              <a:rPr lang="zh-CN" altLang="en-US" sz="2200">
+                <a:solidFill>
+                  <a:schemeClr val="tx1"/>
+                </a:solidFill>
+                <a:latin typeface="+mn-ea"/>
+                <a:ea typeface="+mn-ea"/>
+              </a:rPr>
+              <a:t>：</a:t>
+            </a:r>
+            <a:r>
+              <a:rPr lang="en-US" altLang="zh-CN" sz="2200">
+                <a:solidFill>
+                  <a:schemeClr val="tx1"/>
+                </a:solidFill>
+                <a:latin typeface="+mn-ea"/>
+                <a:ea typeface="+mn-ea"/>
+              </a:rPr>
+              <a:t>function(){}</a:t>
+            </a:r>
+            <a:endParaRPr lang="en-US" altLang="zh-CN" sz="2200">
+              <a:solidFill>
+                <a:schemeClr val="tx1"/>
+              </a:solidFill>
+              <a:latin typeface="+mn-ea"/>
+              <a:ea typeface="+mn-ea"/>
+            </a:endParaRPr>
+          </a:p>
+        </p:txBody>
+      </p:sp>
+      <p:sp>
+        <p:nvSpPr>
+          <p:cNvPr id="23" name="文本框 22"/>
+          <p:cNvSpPr txBox="1"/>
+          <p:nvPr/>
+        </p:nvSpPr>
+        <p:spPr>
+          <a:xfrm>
+            <a:off x="9333865" y="2992755"/>
+            <a:ext cx="2399030" cy="429895"/>
+          </a:xfrm>
+          <a:prstGeom prst="rect">
+            <a:avLst/>
+          </a:prstGeom>
+          <a:noFill/>
+        </p:spPr>
+        <p:txBody>
+          <a:bodyPr wrap="square" rtlCol="0">
+            <a:spAutoFit/>
+          </a:bodyPr>
+          <a:lstStyle/>
+          <a:p>
+            <a:pPr algn="l"/>
+            <a:r>
+              <a:rPr lang="en-US" sz="2200">
+                <a:solidFill>
+                  <a:schemeClr val="tx1"/>
+                </a:solidFill>
+                <a:latin typeface="+mn-ea"/>
+                <a:ea typeface="+mn-ea"/>
+              </a:rPr>
+              <a:t>Student</a:t>
+            </a:r>
+            <a:r>
+              <a:rPr lang="zh-CN" altLang="en-US" sz="2200">
+                <a:solidFill>
+                  <a:schemeClr val="tx1"/>
+                </a:solidFill>
+                <a:latin typeface="+mn-ea"/>
+                <a:ea typeface="+mn-ea"/>
+              </a:rPr>
+              <a:t>构造函数</a:t>
+            </a:r>
+            <a:endParaRPr lang="zh-CN" altLang="en-US" sz="2200">
+              <a:solidFill>
+                <a:schemeClr val="tx1"/>
+              </a:solidFill>
+              <a:latin typeface="+mn-ea"/>
+              <a:ea typeface="+mn-ea"/>
+            </a:endParaRPr>
+          </a:p>
+        </p:txBody>
+      </p:sp>
+      <p:sp>
+        <p:nvSpPr>
+          <p:cNvPr id="25" name="文本框 24"/>
+          <p:cNvSpPr txBox="1"/>
+          <p:nvPr/>
+        </p:nvSpPr>
+        <p:spPr>
+          <a:xfrm>
+            <a:off x="1383665" y="4360545"/>
+            <a:ext cx="3456305" cy="429895"/>
+          </a:xfrm>
+          <a:prstGeom prst="rect">
+            <a:avLst/>
+          </a:prstGeom>
+          <a:noFill/>
+        </p:spPr>
+        <p:txBody>
+          <a:bodyPr wrap="square" rtlCol="0">
+            <a:spAutoFit/>
+          </a:bodyPr>
+          <a:lstStyle/>
+          <a:p>
+            <a:pPr algn="l"/>
+            <a:r>
+              <a:rPr lang="en-US" altLang="zh-CN" sz="2200">
+                <a:solidFill>
+                  <a:schemeClr val="tx1"/>
+                </a:solidFill>
+                <a:latin typeface="+mn-ea"/>
+                <a:ea typeface="+mn-ea"/>
+              </a:rPr>
+              <a:t>id</a:t>
+            </a:r>
+            <a:r>
+              <a:rPr lang="zh-CN" altLang="en-US" sz="2200">
+                <a:solidFill>
+                  <a:schemeClr val="tx1"/>
+                </a:solidFill>
+                <a:latin typeface="+mn-ea"/>
+                <a:ea typeface="+mn-ea"/>
+              </a:rPr>
+              <a:t>：</a:t>
+            </a:r>
+            <a:r>
+              <a:rPr lang="en-US" altLang="zh-CN" sz="2200">
+                <a:solidFill>
+                  <a:schemeClr val="tx1"/>
+                </a:solidFill>
+                <a:latin typeface="+mn-ea"/>
+                <a:ea typeface="+mn-ea"/>
+              </a:rPr>
+              <a:t>2017001</a:t>
+            </a:r>
+            <a:endParaRPr lang="en-US" altLang="zh-CN" sz="2200">
+              <a:solidFill>
+                <a:schemeClr val="tx1"/>
+              </a:solidFill>
+              <a:latin typeface="+mn-ea"/>
+              <a:ea typeface="+mn-ea"/>
+            </a:endParaRPr>
+          </a:p>
+        </p:txBody>
+      </p:sp>
+      <p:sp>
+        <p:nvSpPr>
+          <p:cNvPr id="26" name="文本框 25"/>
+          <p:cNvSpPr txBox="1"/>
+          <p:nvPr/>
+        </p:nvSpPr>
+        <p:spPr>
+          <a:xfrm>
+            <a:off x="1377950" y="4846320"/>
+            <a:ext cx="3373755" cy="429895"/>
+          </a:xfrm>
+          <a:prstGeom prst="rect">
+            <a:avLst/>
+          </a:prstGeom>
+          <a:noFill/>
+        </p:spPr>
+        <p:txBody>
+          <a:bodyPr wrap="square" rtlCol="0">
+            <a:spAutoFit/>
+          </a:bodyPr>
+          <a:lstStyle/>
+          <a:p>
+            <a:pPr algn="l"/>
+            <a:r>
+              <a:rPr lang="en-US" sz="2200">
+                <a:solidFill>
+                  <a:schemeClr val="tx1"/>
+                </a:solidFill>
+                <a:latin typeface="+mn-ea"/>
+                <a:ea typeface="+mn-ea"/>
+              </a:rPr>
+              <a:t>age</a:t>
+            </a:r>
+            <a:r>
+              <a:rPr lang="zh-CN" altLang="en-US" sz="2200">
+                <a:solidFill>
+                  <a:schemeClr val="tx1"/>
+                </a:solidFill>
+                <a:latin typeface="+mn-ea"/>
+                <a:ea typeface="+mn-ea"/>
+              </a:rPr>
+              <a:t>：</a:t>
+            </a:r>
+            <a:r>
+              <a:rPr lang="en-US" altLang="zh-CN" sz="2200">
+                <a:solidFill>
+                  <a:schemeClr val="tx1"/>
+                </a:solidFill>
+                <a:latin typeface="+mn-ea"/>
+                <a:ea typeface="+mn-ea"/>
+              </a:rPr>
+              <a:t>22</a:t>
+            </a:r>
+            <a:endParaRPr lang="en-US" altLang="zh-CN" sz="2200">
+              <a:solidFill>
+                <a:schemeClr val="tx1"/>
+              </a:solidFill>
+              <a:latin typeface="+mn-ea"/>
+              <a:ea typeface="+mn-ea"/>
+            </a:endParaRPr>
+          </a:p>
+        </p:txBody>
+      </p:sp>
+      <p:sp>
+        <p:nvSpPr>
+          <p:cNvPr id="27" name="文本框 26"/>
+          <p:cNvSpPr txBox="1"/>
+          <p:nvPr/>
+        </p:nvSpPr>
+        <p:spPr>
+          <a:xfrm>
+            <a:off x="6169025" y="4360545"/>
+            <a:ext cx="3406775" cy="429895"/>
+          </a:xfrm>
+          <a:prstGeom prst="rect">
+            <a:avLst/>
+          </a:prstGeom>
+          <a:noFill/>
+        </p:spPr>
+        <p:txBody>
+          <a:bodyPr wrap="square" rtlCol="0">
+            <a:spAutoFit/>
+          </a:bodyPr>
+          <a:lstStyle/>
+          <a:p>
+            <a:pPr algn="l"/>
+            <a:r>
+              <a:rPr lang="en-US" altLang="zh-CN" sz="2200">
+                <a:solidFill>
+                  <a:schemeClr val="tx1"/>
+                </a:solidFill>
+                <a:latin typeface="+mn-ea"/>
+                <a:ea typeface="+mn-ea"/>
+              </a:rPr>
+              <a:t>id</a:t>
+            </a:r>
+            <a:r>
+              <a:rPr lang="zh-CN" altLang="en-US" sz="2200">
+                <a:solidFill>
+                  <a:schemeClr val="tx1"/>
+                </a:solidFill>
+                <a:latin typeface="+mn-ea"/>
+                <a:ea typeface="+mn-ea"/>
+              </a:rPr>
+              <a:t>：</a:t>
+            </a:r>
+            <a:r>
+              <a:rPr lang="en-US" altLang="zh-CN" sz="2200">
+                <a:solidFill>
+                  <a:schemeClr val="tx1"/>
+                </a:solidFill>
+                <a:latin typeface="+mn-ea"/>
+                <a:ea typeface="+mn-ea"/>
+              </a:rPr>
+              <a:t>2017002</a:t>
+            </a:r>
+            <a:endParaRPr lang="en-US" altLang="zh-CN" sz="2200">
+              <a:solidFill>
+                <a:schemeClr val="tx1"/>
+              </a:solidFill>
+              <a:latin typeface="+mn-ea"/>
+              <a:ea typeface="+mn-ea"/>
+            </a:endParaRPr>
+          </a:p>
+        </p:txBody>
+      </p:sp>
+      <p:sp>
+        <p:nvSpPr>
+          <p:cNvPr id="28" name="文本框 27"/>
+          <p:cNvSpPr txBox="1"/>
+          <p:nvPr/>
+        </p:nvSpPr>
+        <p:spPr>
+          <a:xfrm>
+            <a:off x="6185535" y="4846320"/>
+            <a:ext cx="3373755" cy="429895"/>
+          </a:xfrm>
+          <a:prstGeom prst="rect">
+            <a:avLst/>
+          </a:prstGeom>
+          <a:noFill/>
+        </p:spPr>
+        <p:txBody>
+          <a:bodyPr wrap="square" rtlCol="0">
+            <a:spAutoFit/>
+          </a:bodyPr>
+          <a:lstStyle/>
+          <a:p>
+            <a:pPr algn="l"/>
+            <a:r>
+              <a:rPr lang="en-US" sz="2200">
+                <a:solidFill>
+                  <a:schemeClr val="tx1"/>
+                </a:solidFill>
+                <a:latin typeface="+mn-ea"/>
+                <a:ea typeface="+mn-ea"/>
+              </a:rPr>
+              <a:t>age</a:t>
+            </a:r>
+            <a:r>
+              <a:rPr lang="zh-CN" altLang="en-US" sz="2200">
+                <a:solidFill>
+                  <a:schemeClr val="tx1"/>
+                </a:solidFill>
+                <a:latin typeface="+mn-ea"/>
+                <a:ea typeface="+mn-ea"/>
+              </a:rPr>
+              <a:t>：</a:t>
+            </a:r>
+            <a:r>
+              <a:rPr lang="en-US" altLang="zh-CN" sz="2200">
+                <a:solidFill>
+                  <a:schemeClr val="tx1"/>
+                </a:solidFill>
+                <a:latin typeface="+mn-ea"/>
+                <a:ea typeface="+mn-ea"/>
+              </a:rPr>
+              <a:t>23</a:t>
+            </a:r>
+            <a:endParaRPr lang="en-US" altLang="zh-CN" sz="2200">
+              <a:solidFill>
+                <a:schemeClr val="tx1"/>
+              </a:solidFill>
+              <a:latin typeface="+mn-ea"/>
+              <a:ea typeface="+mn-ea"/>
+            </a:endParaRPr>
+          </a:p>
+        </p:txBody>
+      </p:sp>
+      <p:sp>
+        <p:nvSpPr>
+          <p:cNvPr id="29" name="文本框 28"/>
+          <p:cNvSpPr txBox="1"/>
+          <p:nvPr/>
+        </p:nvSpPr>
+        <p:spPr>
+          <a:xfrm>
+            <a:off x="1383665" y="5332095"/>
+            <a:ext cx="3423285" cy="429895"/>
+          </a:xfrm>
+          <a:prstGeom prst="rect">
+            <a:avLst/>
+          </a:prstGeom>
+          <a:noFill/>
+        </p:spPr>
+        <p:txBody>
+          <a:bodyPr wrap="square" rtlCol="0">
+            <a:spAutoFit/>
+          </a:bodyPr>
+          <a:lstStyle/>
+          <a:p>
+            <a:pPr algn="l"/>
+            <a:r>
+              <a:rPr lang="en-US" sz="2200">
+                <a:solidFill>
+                  <a:schemeClr val="tx1"/>
+                </a:solidFill>
+                <a:latin typeface="+mn-ea"/>
+                <a:ea typeface="+mn-ea"/>
+              </a:rPr>
+              <a:t>name</a:t>
+            </a:r>
+            <a:r>
+              <a:rPr lang="zh-CN" altLang="en-US" sz="2200">
+                <a:solidFill>
+                  <a:schemeClr val="tx1"/>
+                </a:solidFill>
+                <a:latin typeface="+mn-ea"/>
+                <a:ea typeface="+mn-ea"/>
+              </a:rPr>
+              <a:t>：</a:t>
+            </a:r>
+            <a:r>
+              <a:rPr lang="en-US" altLang="zh-CN" sz="2200">
+                <a:solidFill>
+                  <a:schemeClr val="tx1"/>
+                </a:solidFill>
+                <a:latin typeface="+mn-ea"/>
+                <a:ea typeface="+mn-ea"/>
+              </a:rPr>
+              <a:t>“xxx”</a:t>
+            </a:r>
+            <a:endParaRPr lang="en-US" altLang="zh-CN" sz="2200">
+              <a:solidFill>
+                <a:schemeClr val="tx1"/>
+              </a:solidFill>
+              <a:latin typeface="+mn-ea"/>
+              <a:ea typeface="+mn-ea"/>
+            </a:endParaRPr>
+          </a:p>
+        </p:txBody>
+      </p:sp>
+      <p:sp>
+        <p:nvSpPr>
+          <p:cNvPr id="30" name="文本框 29"/>
+          <p:cNvSpPr txBox="1"/>
+          <p:nvPr/>
+        </p:nvSpPr>
+        <p:spPr>
+          <a:xfrm>
+            <a:off x="6169025" y="5332095"/>
+            <a:ext cx="3373755" cy="429895"/>
+          </a:xfrm>
+          <a:prstGeom prst="rect">
+            <a:avLst/>
+          </a:prstGeom>
+          <a:noFill/>
+        </p:spPr>
+        <p:txBody>
+          <a:bodyPr wrap="square" rtlCol="0">
+            <a:spAutoFit/>
+          </a:bodyPr>
+          <a:lstStyle/>
+          <a:p>
+            <a:pPr algn="l"/>
+            <a:r>
+              <a:rPr lang="en-US" sz="2200">
+                <a:solidFill>
+                  <a:schemeClr val="tx1"/>
+                </a:solidFill>
+                <a:latin typeface="+mn-ea"/>
+                <a:ea typeface="+mn-ea"/>
+              </a:rPr>
+              <a:t>name</a:t>
+            </a:r>
+            <a:r>
+              <a:rPr lang="zh-CN" altLang="en-US" sz="2200">
+                <a:solidFill>
+                  <a:schemeClr val="tx1"/>
+                </a:solidFill>
+                <a:latin typeface="+mn-ea"/>
+                <a:ea typeface="+mn-ea"/>
+              </a:rPr>
+              <a:t>：</a:t>
+            </a:r>
+            <a:r>
+              <a:rPr lang="en-US" altLang="zh-CN" sz="2200">
+                <a:solidFill>
+                  <a:schemeClr val="tx1"/>
+                </a:solidFill>
+                <a:latin typeface="+mn-ea"/>
+                <a:ea typeface="+mn-ea"/>
+              </a:rPr>
+              <a:t>“www”</a:t>
+            </a:r>
+            <a:endParaRPr lang="en-US" altLang="zh-CN" sz="2200">
+              <a:solidFill>
+                <a:schemeClr val="tx1"/>
+              </a:solidFill>
+              <a:latin typeface="+mn-ea"/>
+              <a:ea typeface="+mn-ea"/>
+            </a:endParaRPr>
+          </a:p>
+        </p:txBody>
+      </p:sp>
+      <p:sp>
+        <p:nvSpPr>
+          <p:cNvPr id="31" name="文本框 30"/>
+          <p:cNvSpPr txBox="1"/>
+          <p:nvPr/>
+        </p:nvSpPr>
+        <p:spPr>
+          <a:xfrm>
+            <a:off x="3276600" y="1425575"/>
+            <a:ext cx="2539365" cy="368300"/>
+          </a:xfrm>
+          <a:prstGeom prst="rect">
+            <a:avLst/>
+          </a:prstGeom>
+          <a:noFill/>
+        </p:spPr>
+        <p:txBody>
+          <a:bodyPr wrap="square" rtlCol="0">
+            <a:spAutoFit/>
+          </a:bodyPr>
+          <a:lstStyle/>
+          <a:p>
+            <a:pPr algn="l"/>
+            <a:r>
+              <a:rPr lang="en-US" sz="1800">
+                <a:solidFill>
+                  <a:srgbClr val="FF0000"/>
+                </a:solidFill>
+                <a:latin typeface="+mn-ea"/>
+                <a:ea typeface="+mn-ea"/>
+                <a:sym typeface="+mn-ea"/>
+              </a:rPr>
+              <a:t>Person.prototype</a:t>
+            </a:r>
+            <a:endParaRPr lang="en-US" altLang="en-US" sz="1800">
+              <a:solidFill>
+                <a:srgbClr val="FF0000"/>
+              </a:solidFill>
+              <a:latin typeface="+mn-ea"/>
+              <a:ea typeface="+mn-ea"/>
+            </a:endParaRPr>
+          </a:p>
+        </p:txBody>
+      </p:sp>
+      <p:sp>
+        <p:nvSpPr>
+          <p:cNvPr id="33" name="文本框 32"/>
+          <p:cNvSpPr txBox="1"/>
+          <p:nvPr/>
+        </p:nvSpPr>
+        <p:spPr>
+          <a:xfrm>
+            <a:off x="1383665" y="3909060"/>
+            <a:ext cx="615950" cy="368300"/>
+          </a:xfrm>
+          <a:prstGeom prst="rect">
+            <a:avLst/>
+          </a:prstGeom>
+          <a:noFill/>
+        </p:spPr>
+        <p:txBody>
+          <a:bodyPr wrap="square" rtlCol="0">
+            <a:spAutoFit/>
+          </a:bodyPr>
+          <a:lstStyle/>
+          <a:p>
+            <a:pPr algn="l"/>
+            <a:r>
+              <a:rPr lang="en-US" altLang="en-US" sz="1800">
+                <a:solidFill>
+                  <a:srgbClr val="FF0000"/>
+                </a:solidFill>
+                <a:latin typeface="+mn-ea"/>
+                <a:ea typeface="+mn-ea"/>
+              </a:rPr>
+              <a:t>s1</a:t>
+            </a:r>
+            <a:endParaRPr lang="en-US" altLang="en-US" sz="1800">
+              <a:solidFill>
+                <a:srgbClr val="FF0000"/>
+              </a:solidFill>
+              <a:latin typeface="+mn-ea"/>
+              <a:ea typeface="+mn-ea"/>
+            </a:endParaRPr>
+          </a:p>
+        </p:txBody>
+      </p:sp>
+      <p:sp>
+        <p:nvSpPr>
+          <p:cNvPr id="34" name="文本框 33"/>
+          <p:cNvSpPr txBox="1"/>
+          <p:nvPr/>
+        </p:nvSpPr>
+        <p:spPr>
+          <a:xfrm>
+            <a:off x="8959850" y="3909060"/>
+            <a:ext cx="615950" cy="368300"/>
+          </a:xfrm>
+          <a:prstGeom prst="rect">
+            <a:avLst/>
+          </a:prstGeom>
+          <a:noFill/>
+        </p:spPr>
+        <p:txBody>
+          <a:bodyPr wrap="square" rtlCol="0">
+            <a:spAutoFit/>
+          </a:bodyPr>
+          <a:lstStyle/>
+          <a:p>
+            <a:pPr algn="l"/>
+            <a:r>
+              <a:rPr lang="en-US" altLang="en-US" sz="1800">
+                <a:solidFill>
+                  <a:srgbClr val="FF0000"/>
+                </a:solidFill>
+                <a:latin typeface="+mn-ea"/>
+                <a:ea typeface="+mn-ea"/>
+              </a:rPr>
+              <a:t>s2</a:t>
+            </a:r>
+            <a:endParaRPr lang="en-US" altLang="en-US" sz="1800">
+              <a:solidFill>
+                <a:srgbClr val="FF0000"/>
+              </a:solidFill>
+              <a:latin typeface="+mn-ea"/>
+              <a:ea typeface="+mn-ea"/>
+            </a:endParaRPr>
+          </a:p>
+        </p:txBody>
+      </p:sp>
+      <p:sp>
+        <p:nvSpPr>
+          <p:cNvPr id="5" name="流程图: 过程 4"/>
+          <p:cNvSpPr/>
+          <p:nvPr/>
+        </p:nvSpPr>
+        <p:spPr>
+          <a:xfrm>
+            <a:off x="9288780" y="1845310"/>
+            <a:ext cx="2689225" cy="538480"/>
+          </a:xfrm>
+          <a:prstGeom prst="flowChartProcess">
+            <a:avLst/>
+          </a:prstGeom>
+          <a:ln>
+            <a:headEnd type="none" w="med" len="med"/>
+            <a:tailEnd type="none" w="med" len="med"/>
+          </a:ln>
+        </p:spPr>
+        <p:style>
+          <a:lnRef idx="2">
+            <a:schemeClr val="accent4"/>
+          </a:lnRef>
+          <a:fillRef idx="1">
+            <a:schemeClr val="lt1"/>
+          </a:fillRef>
+          <a:effectRef idx="0">
+            <a:schemeClr val="accent4"/>
+          </a:effectRef>
+          <a:fontRef idx="minor">
+            <a:schemeClr val="dk1"/>
+          </a:fontRef>
+        </p:style>
+        <p:txBody>
+          <a:bodyPr vert="horz" wrap="square" lIns="91440" tIns="45720" rIns="91440" bIns="45720" numCol="1" anchor="t" anchorCtr="0" compatLnSpc="1"/>
+          <a:lstStyle/>
+          <a:p>
+            <a:pPr marL="0" marR="0" indent="0" algn="l" defTabSz="914400" rtl="0" eaLnBrk="0" fontAlgn="base" latinLnBrk="0" hangingPunct="0">
+              <a:lnSpc>
+                <a:spcPct val="100000"/>
+              </a:lnSpc>
+              <a:spcBef>
+                <a:spcPct val="0"/>
+              </a:spcBef>
+              <a:spcAft>
+                <a:spcPct val="0"/>
+              </a:spcAft>
+              <a:buClrTx/>
+              <a:buSzTx/>
+              <a:buFontTx/>
+              <a:buNone/>
+            </a:pPr>
+            <a:endParaRPr kumimoji="0" lang="zh-CN" altLang="en-US" sz="3200" b="0" i="0" u="none" strike="noStrike" cap="none" normalizeH="0" baseline="0" smtClean="0">
+              <a:ln>
+                <a:noFill/>
+              </a:ln>
+              <a:solidFill>
+                <a:schemeClr val="tx1"/>
+              </a:solidFill>
+              <a:effectLst/>
+              <a:latin typeface="Arial" panose="020B0604020202020204" pitchFamily="34" charset="0"/>
+            </a:endParaRPr>
+          </a:p>
+        </p:txBody>
+      </p:sp>
+      <p:sp>
+        <p:nvSpPr>
+          <p:cNvPr id="32" name="流程图: 过程 31"/>
+          <p:cNvSpPr/>
+          <p:nvPr/>
+        </p:nvSpPr>
+        <p:spPr>
+          <a:xfrm>
+            <a:off x="3751580" y="3140710"/>
+            <a:ext cx="3385185" cy="538480"/>
+          </a:xfrm>
+          <a:prstGeom prst="flowChartProcess">
+            <a:avLst/>
+          </a:prstGeom>
+          <a:ln>
+            <a:solidFill>
+              <a:srgbClr val="C00000"/>
+            </a:solidFill>
+            <a:headEnd type="none" w="med" len="med"/>
+            <a:tailEnd type="none" w="med" len="med"/>
+          </a:ln>
+        </p:spPr>
+        <p:style>
+          <a:lnRef idx="2">
+            <a:schemeClr val="accent4"/>
+          </a:lnRef>
+          <a:fillRef idx="1">
+            <a:schemeClr val="lt1"/>
+          </a:fillRef>
+          <a:effectRef idx="0">
+            <a:schemeClr val="accent4"/>
+          </a:effectRef>
+          <a:fontRef idx="minor">
+            <a:schemeClr val="dk1"/>
+          </a:fontRef>
+        </p:style>
+        <p:txBody>
+          <a:bodyPr vert="horz" wrap="square" lIns="91440" tIns="45720" rIns="91440" bIns="45720" numCol="1" anchor="t" anchorCtr="0" compatLnSpc="1"/>
+          <a:lstStyle/>
+          <a:p>
+            <a:pPr marL="0" marR="0" indent="0" algn="l" defTabSz="914400" rtl="0" eaLnBrk="0" fontAlgn="base" latinLnBrk="0" hangingPunct="0">
+              <a:lnSpc>
+                <a:spcPct val="100000"/>
+              </a:lnSpc>
+              <a:spcBef>
+                <a:spcPct val="0"/>
+              </a:spcBef>
+              <a:spcAft>
+                <a:spcPct val="0"/>
+              </a:spcAft>
+              <a:buClrTx/>
+              <a:buSzTx/>
+              <a:buFontTx/>
+              <a:buNone/>
+            </a:pPr>
+            <a:endParaRPr kumimoji="0" lang="zh-CN" altLang="en-US" sz="3200" b="0" i="0" u="none" strike="noStrike" cap="none" normalizeH="0" baseline="0" smtClean="0">
+              <a:ln>
+                <a:noFill/>
+              </a:ln>
+              <a:solidFill>
+                <a:schemeClr val="tx1"/>
+              </a:solidFill>
+              <a:effectLst/>
+              <a:latin typeface="Arial" panose="020B0604020202020204" pitchFamily="34" charset="0"/>
+            </a:endParaRPr>
+          </a:p>
+        </p:txBody>
+      </p:sp>
+      <p:sp>
+        <p:nvSpPr>
+          <p:cNvPr id="4" name="文本框 3"/>
+          <p:cNvSpPr txBox="1"/>
+          <p:nvPr/>
+        </p:nvSpPr>
+        <p:spPr>
+          <a:xfrm>
+            <a:off x="9317355" y="1899920"/>
+            <a:ext cx="2221865" cy="429895"/>
+          </a:xfrm>
+          <a:prstGeom prst="rect">
+            <a:avLst/>
+          </a:prstGeom>
+          <a:noFill/>
+        </p:spPr>
+        <p:txBody>
+          <a:bodyPr wrap="square" rtlCol="0">
+            <a:spAutoFit/>
+          </a:bodyPr>
+          <a:lstStyle/>
+          <a:p>
+            <a:pPr algn="l"/>
+            <a:r>
+              <a:rPr lang="en-US" altLang="zh-CN" sz="2200">
+                <a:solidFill>
+                  <a:schemeClr val="tx1"/>
+                </a:solidFill>
+                <a:latin typeface="+mn-ea"/>
+                <a:ea typeface="+mn-ea"/>
+              </a:rPr>
+              <a:t>Person</a:t>
+            </a:r>
+            <a:r>
+              <a:rPr lang="zh-CN" altLang="en-US" sz="2200">
+                <a:solidFill>
+                  <a:schemeClr val="tx1"/>
+                </a:solidFill>
+                <a:latin typeface="+mn-ea"/>
+                <a:ea typeface="+mn-ea"/>
+              </a:rPr>
+              <a:t>构造函数</a:t>
+            </a:r>
+            <a:endParaRPr lang="zh-CN" altLang="en-US" sz="2200">
+              <a:solidFill>
+                <a:schemeClr val="tx1"/>
+              </a:solidFill>
+              <a:latin typeface="+mn-ea"/>
+              <a:ea typeface="+mn-ea"/>
+            </a:endParaRPr>
+          </a:p>
+        </p:txBody>
+      </p:sp>
+      <p:cxnSp>
+        <p:nvCxnSpPr>
+          <p:cNvPr id="7" name="直接箭头连接符 6"/>
+          <p:cNvCxnSpPr>
+            <a:stCxn id="5" idx="1"/>
+          </p:cNvCxnSpPr>
+          <p:nvPr/>
+        </p:nvCxnSpPr>
+        <p:spPr>
+          <a:xfrm flipH="1">
+            <a:off x="3709035" y="2114550"/>
+            <a:ext cx="5579745" cy="2162175"/>
+          </a:xfrm>
+          <a:prstGeom prst="straightConnector1">
+            <a:avLst/>
+          </a:prstGeom>
+          <a:solidFill>
+            <a:schemeClr val="accent1"/>
+          </a:solidFill>
+          <a:ln w="9525" cap="flat" cmpd="sng" algn="ctr">
+            <a:solidFill>
+              <a:schemeClr val="tx1"/>
+            </a:solidFill>
+            <a:prstDash val="solid"/>
+            <a:round/>
+            <a:headEnd type="none" w="med" len="med"/>
+            <a:tailEnd type="arrow" w="med" len="med"/>
+          </a:ln>
+        </p:spPr>
+      </p:cxnSp>
+      <p:cxnSp>
+        <p:nvCxnSpPr>
+          <p:cNvPr id="8" name="直接箭头连接符 7"/>
+          <p:cNvCxnSpPr/>
+          <p:nvPr/>
+        </p:nvCxnSpPr>
+        <p:spPr>
+          <a:xfrm flipH="1">
+            <a:off x="8185150" y="2206625"/>
+            <a:ext cx="1103630" cy="2070100"/>
+          </a:xfrm>
+          <a:prstGeom prst="straightConnector1">
+            <a:avLst/>
+          </a:prstGeom>
+          <a:solidFill>
+            <a:schemeClr val="accent1"/>
+          </a:solidFill>
+          <a:ln w="9525" cap="flat" cmpd="sng" algn="ctr">
+            <a:solidFill>
+              <a:schemeClr val="tx1"/>
+            </a:solidFill>
+            <a:prstDash val="solid"/>
+            <a:round/>
+            <a:headEnd type="none" w="med" len="med"/>
+            <a:tailEnd type="arrow" w="med" len="med"/>
+          </a:ln>
+        </p:spPr>
+      </p:cxnSp>
+      <p:cxnSp>
+        <p:nvCxnSpPr>
+          <p:cNvPr id="9" name="直接箭头连接符 8"/>
+          <p:cNvCxnSpPr/>
+          <p:nvPr/>
+        </p:nvCxnSpPr>
+        <p:spPr>
+          <a:xfrm flipH="1">
+            <a:off x="4583430" y="3213100"/>
+            <a:ext cx="4750435" cy="1068705"/>
+          </a:xfrm>
+          <a:prstGeom prst="straightConnector1">
+            <a:avLst/>
+          </a:prstGeom>
+          <a:solidFill>
+            <a:schemeClr val="accent1"/>
+          </a:solidFill>
+          <a:ln w="9525" cap="flat" cmpd="sng" algn="ctr">
+            <a:solidFill>
+              <a:schemeClr val="tx1"/>
+            </a:solidFill>
+            <a:prstDash val="solid"/>
+            <a:round/>
+            <a:headEnd type="none" w="med" len="med"/>
+            <a:tailEnd type="arrow" w="med" len="med"/>
+          </a:ln>
+        </p:spPr>
+      </p:cxnSp>
+      <p:cxnSp>
+        <p:nvCxnSpPr>
+          <p:cNvPr id="10" name="直接箭头连接符 9"/>
+          <p:cNvCxnSpPr/>
+          <p:nvPr/>
+        </p:nvCxnSpPr>
+        <p:spPr>
+          <a:xfrm flipH="1">
+            <a:off x="8616950" y="3213100"/>
+            <a:ext cx="716915" cy="1063625"/>
+          </a:xfrm>
+          <a:prstGeom prst="straightConnector1">
+            <a:avLst/>
+          </a:prstGeom>
+          <a:solidFill>
+            <a:schemeClr val="accent1"/>
+          </a:solidFill>
+          <a:ln w="9525" cap="flat" cmpd="sng" algn="ctr">
+            <a:solidFill>
+              <a:schemeClr val="tx1"/>
+            </a:solidFill>
+            <a:prstDash val="solid"/>
+            <a:round/>
+            <a:headEnd type="none" w="med" len="med"/>
+            <a:tailEnd type="arrow" w="med" len="med"/>
+          </a:ln>
+        </p:spPr>
+      </p:cxnSp>
+      <p:sp>
+        <p:nvSpPr>
+          <p:cNvPr id="21" name="文本框 20"/>
+          <p:cNvSpPr txBox="1"/>
+          <p:nvPr/>
+        </p:nvSpPr>
+        <p:spPr>
+          <a:xfrm>
+            <a:off x="2519045" y="2772410"/>
+            <a:ext cx="2287905" cy="368300"/>
+          </a:xfrm>
+          <a:prstGeom prst="rect">
+            <a:avLst/>
+          </a:prstGeom>
+          <a:noFill/>
+        </p:spPr>
+        <p:txBody>
+          <a:bodyPr wrap="square" rtlCol="0">
+            <a:spAutoFit/>
+          </a:bodyPr>
+          <a:lstStyle/>
+          <a:p>
+            <a:pPr algn="l"/>
+            <a:r>
+              <a:rPr lang="en-US" sz="1800">
+                <a:solidFill>
+                  <a:srgbClr val="FF0000"/>
+                </a:solidFill>
+                <a:latin typeface="+mn-ea"/>
+                <a:ea typeface="+mn-ea"/>
+                <a:sym typeface="+mn-ea"/>
+              </a:rPr>
+              <a:t>Student.prototype</a:t>
+            </a:r>
+            <a:endParaRPr lang="en-US" altLang="en-US" sz="1800">
+              <a:solidFill>
+                <a:srgbClr val="FF0000"/>
+              </a:solidFill>
+              <a:latin typeface="+mn-ea"/>
+              <a:ea typeface="+mn-ea"/>
+            </a:endParaRPr>
+          </a:p>
+        </p:txBody>
+      </p:sp>
+      <p:cxnSp>
+        <p:nvCxnSpPr>
+          <p:cNvPr id="35" name="肘形连接符 34"/>
+          <p:cNvCxnSpPr>
+            <a:stCxn id="15" idx="0"/>
+            <a:endCxn id="32" idx="3"/>
+          </p:cNvCxnSpPr>
+          <p:nvPr/>
+        </p:nvCxnSpPr>
+        <p:spPr>
+          <a:xfrm rot="16200000" flipV="1">
+            <a:off x="7068503" y="3478213"/>
+            <a:ext cx="867410" cy="730885"/>
+          </a:xfrm>
+          <a:prstGeom prst="bentConnector2">
+            <a:avLst/>
+          </a:prstGeom>
+          <a:solidFill>
+            <a:schemeClr val="accent1"/>
+          </a:solidFill>
+          <a:ln w="9525" cap="flat" cmpd="sng" algn="ctr">
+            <a:solidFill>
+              <a:schemeClr val="tx1"/>
+            </a:solidFill>
+            <a:prstDash val="solid"/>
+            <a:round/>
+            <a:headEnd type="none" w="med" len="med"/>
+            <a:tailEnd type="arrow" w="med" len="med"/>
+          </a:ln>
+        </p:spPr>
+      </p:cxnSp>
+      <p:sp>
+        <p:nvSpPr>
+          <p:cNvPr id="12" name="流程图: 过程 11"/>
+          <p:cNvSpPr/>
+          <p:nvPr/>
+        </p:nvSpPr>
+        <p:spPr>
+          <a:xfrm>
+            <a:off x="4839970" y="2513330"/>
+            <a:ext cx="1212215" cy="321310"/>
+          </a:xfrm>
+          <a:prstGeom prst="flowChartProcess">
+            <a:avLst/>
+          </a:prstGeom>
+          <a:ln>
+            <a:solidFill>
+              <a:srgbClr val="C00000"/>
+            </a:solidFill>
+            <a:headEnd type="none" w="med" len="med"/>
+            <a:tailEnd type="none" w="med" len="med"/>
+          </a:ln>
+        </p:spPr>
+        <p:style>
+          <a:lnRef idx="2">
+            <a:schemeClr val="accent4"/>
+          </a:lnRef>
+          <a:fillRef idx="1">
+            <a:schemeClr val="lt1"/>
+          </a:fillRef>
+          <a:effectRef idx="0">
+            <a:schemeClr val="accent4"/>
+          </a:effectRef>
+          <a:fontRef idx="minor">
+            <a:schemeClr val="dk1"/>
+          </a:fontRef>
+        </p:style>
+        <p:txBody>
+          <a:bodyPr vert="horz" wrap="square" lIns="91440" tIns="45720" rIns="91440" bIns="45720" numCol="1" anchor="t" anchorCtr="0" compatLnSpc="1"/>
+          <a:p>
+            <a:pPr marL="0" marR="0" indent="0" algn="l" defTabSz="914400" rtl="0" eaLnBrk="0" fontAlgn="base" latinLnBrk="0" hangingPunct="0">
+              <a:lnSpc>
+                <a:spcPct val="100000"/>
+              </a:lnSpc>
+              <a:spcBef>
+                <a:spcPct val="0"/>
+              </a:spcBef>
+              <a:spcAft>
+                <a:spcPct val="0"/>
+              </a:spcAft>
+              <a:buClrTx/>
+              <a:buSzTx/>
+              <a:buFontTx/>
+              <a:buNone/>
+            </a:pPr>
+            <a:endParaRPr kumimoji="0" lang="zh-CN" altLang="en-US" sz="3200" b="0" i="0" u="none" strike="noStrike" cap="none" normalizeH="0" baseline="0" smtClean="0">
+              <a:ln>
+                <a:noFill/>
+              </a:ln>
+              <a:solidFill>
+                <a:schemeClr val="tx1"/>
+              </a:solidFill>
+              <a:effectLst/>
+              <a:latin typeface="Arial" panose="020B0604020202020204" pitchFamily="34" charset="0"/>
+            </a:endParaRPr>
+          </a:p>
+        </p:txBody>
+      </p:sp>
+      <p:cxnSp>
+        <p:nvCxnSpPr>
+          <p:cNvPr id="36" name="直接箭头连接符 35"/>
+          <p:cNvCxnSpPr>
+            <a:stCxn id="32" idx="0"/>
+          </p:cNvCxnSpPr>
+          <p:nvPr/>
+        </p:nvCxnSpPr>
+        <p:spPr>
+          <a:xfrm flipV="1">
+            <a:off x="5444490" y="2834640"/>
+            <a:ext cx="0" cy="306070"/>
+          </a:xfrm>
+          <a:prstGeom prst="straightConnector1">
+            <a:avLst/>
+          </a:prstGeom>
+          <a:solidFill>
+            <a:schemeClr val="accent1"/>
+          </a:solidFill>
+          <a:ln w="9525" cap="flat" cmpd="sng" algn="ctr">
+            <a:solidFill>
+              <a:schemeClr val="tx1"/>
+            </a:solidFill>
+            <a:prstDash val="solid"/>
+            <a:round/>
+            <a:headEnd type="none" w="med" len="med"/>
+            <a:tailEnd type="arrow" w="med" len="med"/>
+          </a:ln>
+        </p:spPr>
+      </p:cxnSp>
+      <p:sp>
+        <p:nvSpPr>
+          <p:cNvPr id="37" name="文本框 36"/>
+          <p:cNvSpPr txBox="1"/>
+          <p:nvPr/>
+        </p:nvSpPr>
+        <p:spPr>
+          <a:xfrm>
+            <a:off x="4046220" y="3194685"/>
+            <a:ext cx="2795270" cy="429895"/>
+          </a:xfrm>
+          <a:prstGeom prst="rect">
+            <a:avLst/>
+          </a:prstGeom>
+          <a:noFill/>
+        </p:spPr>
+        <p:txBody>
+          <a:bodyPr wrap="square" rtlCol="0">
+            <a:spAutoFit/>
+          </a:bodyPr>
+          <a:lstStyle/>
+          <a:p>
+            <a:pPr algn="l"/>
+            <a:r>
+              <a:rPr lang="zh-CN" sz="2200">
+                <a:solidFill>
+                  <a:schemeClr val="tx1"/>
+                </a:solidFill>
+                <a:latin typeface="+mn-ea"/>
+                <a:ea typeface="+mn-ea"/>
+              </a:rPr>
+              <a:t>没有自身属性和方法</a:t>
+            </a:r>
+            <a:endParaRPr lang="zh-CN" sz="2200">
+              <a:solidFill>
+                <a:schemeClr val="tx1"/>
+              </a:solidFill>
+              <a:latin typeface="+mn-ea"/>
+              <a:ea typeface="+mn-ea"/>
+            </a:endParaRPr>
+          </a:p>
+        </p:txBody>
+      </p:sp>
+      <p:cxnSp>
+        <p:nvCxnSpPr>
+          <p:cNvPr id="16" name="直接箭头连接符 15"/>
+          <p:cNvCxnSpPr/>
+          <p:nvPr/>
+        </p:nvCxnSpPr>
+        <p:spPr>
+          <a:xfrm flipV="1">
+            <a:off x="5461000" y="2206625"/>
+            <a:ext cx="0" cy="306705"/>
+          </a:xfrm>
+          <a:prstGeom prst="straightConnector1">
+            <a:avLst/>
+          </a:prstGeom>
+          <a:solidFill>
+            <a:schemeClr val="accent1"/>
+          </a:solidFill>
+          <a:ln w="9525" cap="flat" cmpd="sng" algn="ctr">
+            <a:solidFill>
+              <a:schemeClr val="tx1"/>
+            </a:solidFill>
+            <a:prstDash val="solid"/>
+            <a:round/>
+            <a:headEnd type="none" w="med" len="med"/>
+            <a:tailEnd type="arrow" w="med" len="med"/>
+          </a:ln>
+        </p:spPr>
+      </p:cxnSp>
+    </p:spTree>
+  </p:cSld>
+  <p:clrMapOvr>
+    <a:masterClrMapping/>
+  </p:clrMapOvr>
+  <p:timing>
+    <p:tnLst>
+      <p:par>
+        <p:cTn id="1" dur="indefinite" restart="never" fill="hold" nodeType="tmRoot">
+          <p:childTnLst>
+            <p:seq concurrent="1" nextAc="seek">
+              <p:cTn id="2" dur="indefinite" nodeType="mainSeq">
+                <p:childTnLst>
+                  <p:par>
+                    <p:cTn id="3" fill="hold">
+                      <p:stCondLst>
+                        <p:cond delay="indefinite"/>
+                      </p:stCondLst>
+                      <p:childTnLst>
+                        <p:par>
+                          <p:cTn id="4" fill="hold">
+                            <p:stCondLst>
+                              <p:cond delay="0"/>
+                            </p:stCondLst>
+                            <p:childTnLst>
+                              <p:par>
+                                <p:cTn id="5" presetID="3" presetClass="entr" presetSubtype="10" fill="hold" nodeType="clickEffect">
+                                  <p:stCondLst>
+                                    <p:cond delay="0"/>
+                                  </p:stCondLst>
+                                  <p:childTnLst>
+                                    <p:set>
+                                      <p:cBhvr>
+                                        <p:cTn id="6" dur="1" fill="hold">
+                                          <p:stCondLst>
+                                            <p:cond delay="0"/>
+                                          </p:stCondLst>
+                                        </p:cTn>
+                                        <p:tgtEl>
+                                          <p:spTgt spid="7"/>
+                                        </p:tgtEl>
+                                        <p:attrNameLst>
+                                          <p:attrName>style.visibility</p:attrName>
+                                        </p:attrNameLst>
+                                      </p:cBhvr>
+                                      <p:to>
+                                        <p:strVal val="visible"/>
+                                      </p:to>
+                                    </p:set>
+                                    <p:animEffect transition="in" filter="blinds(horizontal)">
+                                      <p:cBhvr>
+                                        <p:cTn id="7" dur="500"/>
+                                        <p:tgtEl>
+                                          <p:spTgt spid="7"/>
+                                        </p:tgtEl>
+                                      </p:cBhvr>
+                                    </p:animEffect>
+                                  </p:childTnLst>
+                                </p:cTn>
+                              </p:par>
+                              <p:par>
+                                <p:cTn id="8" presetID="3" presetClass="entr" presetSubtype="10" fill="hold" nodeType="withEffect">
+                                  <p:stCondLst>
+                                    <p:cond delay="0"/>
+                                  </p:stCondLst>
+                                  <p:childTnLst>
+                                    <p:set>
+                                      <p:cBhvr>
+                                        <p:cTn id="9" dur="1" fill="hold">
+                                          <p:stCondLst>
+                                            <p:cond delay="0"/>
+                                          </p:stCondLst>
+                                        </p:cTn>
+                                        <p:tgtEl>
+                                          <p:spTgt spid="8"/>
+                                        </p:tgtEl>
+                                        <p:attrNameLst>
+                                          <p:attrName>style.visibility</p:attrName>
+                                        </p:attrNameLst>
+                                      </p:cBhvr>
+                                      <p:to>
+                                        <p:strVal val="visible"/>
+                                      </p:to>
+                                    </p:set>
+                                    <p:animEffect transition="in" filter="blinds(horizontal)">
+                                      <p:cBhvr>
+                                        <p:cTn id="10" dur="500"/>
+                                        <p:tgtEl>
+                                          <p:spTgt spid="8"/>
+                                        </p:tgtEl>
+                                      </p:cBhvr>
+                                    </p:animEffect>
+                                  </p:childTnLst>
+                                </p:cTn>
+                              </p:par>
+                            </p:childTnLst>
+                          </p:cTn>
+                        </p:par>
+                        <p:par>
+                          <p:cTn id="11" fill="hold">
+                            <p:stCondLst>
+                              <p:cond delay="500"/>
+                            </p:stCondLst>
+                            <p:childTnLst>
+                              <p:par>
+                                <p:cTn id="12" presetID="3" presetClass="entr" presetSubtype="10" fill="hold" nodeType="afterEffect">
+                                  <p:stCondLst>
+                                    <p:cond delay="0"/>
+                                  </p:stCondLst>
+                                  <p:childTnLst>
+                                    <p:set>
+                                      <p:cBhvr>
+                                        <p:cTn id="13" dur="1" fill="hold">
+                                          <p:stCondLst>
+                                            <p:cond delay="0"/>
+                                          </p:stCondLst>
+                                        </p:cTn>
+                                        <p:tgtEl>
+                                          <p:spTgt spid="9"/>
+                                        </p:tgtEl>
+                                        <p:attrNameLst>
+                                          <p:attrName>style.visibility</p:attrName>
+                                        </p:attrNameLst>
+                                      </p:cBhvr>
+                                      <p:to>
+                                        <p:strVal val="visible"/>
+                                      </p:to>
+                                    </p:set>
+                                    <p:animEffect transition="in" filter="blinds(horizontal)">
+                                      <p:cBhvr>
+                                        <p:cTn id="14" dur="500"/>
+                                        <p:tgtEl>
+                                          <p:spTgt spid="9"/>
+                                        </p:tgtEl>
+                                      </p:cBhvr>
+                                    </p:animEffect>
+                                  </p:childTnLst>
+                                </p:cTn>
+                              </p:par>
+                              <p:par>
+                                <p:cTn id="15" presetID="3" presetClass="entr" presetSubtype="10" fill="hold" nodeType="withEffect">
+                                  <p:stCondLst>
+                                    <p:cond delay="0"/>
+                                  </p:stCondLst>
+                                  <p:childTnLst>
+                                    <p:set>
+                                      <p:cBhvr>
+                                        <p:cTn id="16" dur="1" fill="hold">
+                                          <p:stCondLst>
+                                            <p:cond delay="0"/>
+                                          </p:stCondLst>
+                                        </p:cTn>
+                                        <p:tgtEl>
+                                          <p:spTgt spid="10"/>
+                                        </p:tgtEl>
+                                        <p:attrNameLst>
+                                          <p:attrName>style.visibility</p:attrName>
+                                        </p:attrNameLst>
+                                      </p:cBhvr>
+                                      <p:to>
+                                        <p:strVal val="visible"/>
+                                      </p:to>
+                                    </p:set>
+                                    <p:animEffect transition="in" filter="blinds(horizontal)">
+                                      <p:cBhvr>
+                                        <p:cTn id="17" dur="500"/>
+                                        <p:tgtEl>
+                                          <p:spTgt spid="10"/>
+                                        </p:tgtEl>
+                                      </p:cBhvr>
+                                    </p:animEffect>
+                                  </p:childTnLst>
+                                </p:cTn>
+                              </p:par>
+                            </p:childTnLst>
+                          </p:cTn>
+                        </p:par>
+                      </p:childTnLst>
+                    </p:cTn>
+                  </p:par>
+                </p:childTnLst>
+              </p:cTn>
+              <p:prevCondLst>
+                <p:cond evt="onPrev" delay="0">
+                  <p:tgtEl>
+                    <p:sldTgt/>
+                  </p:tgtEl>
+                </p:cond>
+              </p:prevCondLst>
+              <p:nextCondLst>
+                <p:cond evt="onNext" delay="0">
+                  <p:tgtEl>
+                    <p:sldTgt/>
+                  </p:tgtEl>
+                </p:cond>
+              </p:nextCondLst>
+            </p:seq>
+          </p:childTnLst>
+        </p:cTn>
+      </p:par>
+    </p:tnLst>
+  </p:timing>
+</p:sld>
+</file>
+
+<file path=ppt/slides/slide11.xml><?xml version="1.0" encoding="utf-8"?>
 <p:sld xmlns:a="http://schemas.openxmlformats.org/drawingml/2006/main" xmlns:r="http://schemas.openxmlformats.org/officeDocument/2006/relationships" xmlns:p="http://schemas.openxmlformats.org/presentationml/2006/main">
   <p:cSld>
     <p:spTree>
@@ -4088,6 +6141,12 @@
               </a:rPr>
               <a:t>对象原型继承</a:t>
             </a:r>
+            <a:endParaRPr lang="zh-CN" altLang="en-US" sz="2800" b="1">
+              <a:solidFill>
+                <a:schemeClr val="tx1"/>
+              </a:solidFill>
+              <a:sym typeface="+mn-ea"/>
+            </a:endParaRPr>
           </a:p>
           <a:p>
             <a:pPr algn="l">
@@ -4133,6 +6192,12 @@
               </a:rPr>
               <a:t>类的继承</a:t>
             </a:r>
+            <a:endParaRPr lang="zh-CN" altLang="en-US" sz="2800" b="1">
+              <a:solidFill>
+                <a:schemeClr val="tx1"/>
+              </a:solidFill>
+              <a:sym typeface="+mn-ea"/>
+            </a:endParaRPr>
           </a:p>
           <a:p>
             <a:pPr algn="l">
@@ -4169,6 +6234,12 @@
               </a:rPr>
               <a:t>继承补充部分</a:t>
             </a:r>
+            <a:endParaRPr lang="zh-CN" altLang="en-US" sz="2800" b="1">
+              <a:solidFill>
+                <a:srgbClr val="FF0000"/>
+              </a:solidFill>
+              <a:sym typeface="+mn-ea"/>
+            </a:endParaRPr>
           </a:p>
         </p:txBody>
       </p:sp>
@@ -4405,7 +6476,7 @@
 </p:sld>
 </file>
 
-<file path=ppt/slides/slide11.xml><?xml version="1.0" encoding="utf-8"?>
+<file path=ppt/slides/slide12.xml><?xml version="1.0" encoding="utf-8"?>
 <p:sld xmlns:a="http://schemas.openxmlformats.org/drawingml/2006/main" xmlns:r="http://schemas.openxmlformats.org/officeDocument/2006/relationships" xmlns:p="http://schemas.openxmlformats.org/presentationml/2006/main">
   <p:cSld>
     <p:spTree>
@@ -4456,15 +6527,6 @@
               </a:rPr>
               <a:t>静态方法与原型方法的区别</a:t>
             </a:r>
-            <a:r>
-              <a:rPr lang="zh-CN" altLang="en-US" sz="1800" dirty="0">
-                <a:solidFill>
-                  <a:schemeClr val="tx1"/>
-                </a:solidFill>
-                <a:sym typeface="+mn-ea"/>
-              </a:rPr>
-              <a:t/>
-            </a:r>
             <a:br>
               <a:rPr lang="zh-CN" altLang="en-US" sz="1800" dirty="0">
                 <a:solidFill>
@@ -4553,15 +6615,6 @@
               </a:rPr>
               <a:t>使用形式有什么不同，区别在哪里？（属性共享）</a:t>
             </a:r>
-            <a:r>
-              <a:rPr lang="zh-CN" altLang="en-US" sz="1800" dirty="0">
-                <a:solidFill>
-                  <a:schemeClr val="accent3"/>
-                </a:solidFill>
-                <a:sym typeface="+mn-ea"/>
-              </a:rPr>
-              <a:t/>
-            </a:r>
             <a:br>
               <a:rPr lang="zh-CN" altLang="en-US" sz="1800" dirty="0">
                 <a:solidFill>
@@ -4614,15 +6667,6 @@
                 <a:sym typeface="+mn-ea"/>
               </a:rPr>
               <a:t>Object.prototype.isPrototypeOf(...)</a:t>
-            </a:r>
-            <a:r>
-              <a:rPr lang="en-US" altLang="zh-CN" sz="1800" dirty="0">
-                <a:solidFill>
-                  <a:schemeClr val="tx1"/>
-                </a:solidFill>
-                <a:sym typeface="+mn-ea"/>
-              </a:rPr>
-              <a:t/>
             </a:r>
             <a:br>
               <a:rPr lang="en-US" altLang="zh-CN" sz="1800" dirty="0">
@@ -4689,7 +6733,7 @@
           <p:nvPr/>
         </p:nvPicPr>
         <p:blipFill>
-          <a:blip r:embed="rId3"/>
+          <a:blip r:embed="rId1"/>
           <a:stretch>
             <a:fillRect/>
           </a:stretch>
@@ -4757,6 +6801,13 @@
               </a:rPr>
               <a:t>静态方法与原型方法</a:t>
             </a:r>
+            <a:endParaRPr lang="zh-CN" altLang="en-US" sz="2200">
+              <a:solidFill>
+                <a:srgbClr val="FF0000"/>
+              </a:solidFill>
+              <a:latin typeface="+mn-ea"/>
+              <a:ea typeface="+mn-ea"/>
+            </a:endParaRPr>
           </a:p>
         </p:txBody>
       </p:sp>
@@ -5077,7 +7128,7 @@
 </p:sld>
 </file>
 
-<file path=ppt/slides/slide12.xml><?xml version="1.0" encoding="utf-8"?>
+<file path=ppt/slides/slide13.xml><?xml version="1.0" encoding="utf-8"?>
 <p:sld xmlns:a="http://schemas.openxmlformats.org/drawingml/2006/main" xmlns:r="http://schemas.openxmlformats.org/officeDocument/2006/relationships" xmlns:p="http://schemas.openxmlformats.org/presentationml/2006/main">
   <p:cSld>
     <p:spTree>
@@ -5146,15 +7197,6 @@
               </a:rPr>
               <a:t>属性</a:t>
             </a:r>
-            <a:r>
-              <a:rPr lang="en-US" altLang="zh-CN" sz="1800" dirty="0">
-                <a:solidFill>
-                  <a:schemeClr val="tx1"/>
-                </a:solidFill>
-                <a:sym typeface="+mn-ea"/>
-              </a:rPr>
-              <a:t/>
-            </a:r>
             <a:br>
               <a:rPr lang="en-US" altLang="zh-CN" sz="1800" dirty="0">
                 <a:solidFill>
@@ -5217,15 +7259,6 @@
               </a:rPr>
               <a:t>得到实例的构造函数</a:t>
             </a:r>
-            <a:r>
-              <a:rPr lang="en-US" altLang="zh-CN" sz="1800" dirty="0">
-                <a:solidFill>
-                  <a:schemeClr val="accent3"/>
-                </a:solidFill>
-                <a:sym typeface="+mn-ea"/>
-              </a:rPr>
-              <a:t/>
-            </a:r>
             <a:br>
               <a:rPr lang="en-US" altLang="zh-CN" sz="1800" dirty="0">
                 <a:solidFill>
@@ -5270,6 +7303,12 @@
               </a:rPr>
               <a:t>可用于指定构造函数</a:t>
             </a:r>
+            <a:endParaRPr lang="zh-CN" altLang="en-US" sz="1800" dirty="0">
+              <a:solidFill>
+                <a:schemeClr val="tx1"/>
+              </a:solidFill>
+              <a:sym typeface="+mn-ea"/>
+            </a:endParaRPr>
           </a:p>
           <a:p>
             <a:pPr algn="l">
@@ -5386,7 +7425,7 @@
           <p:nvPr/>
         </p:nvPicPr>
         <p:blipFill>
-          <a:blip r:embed="rId3"/>
+          <a:blip r:embed="rId1"/>
           <a:stretch>
             <a:fillRect/>
           </a:stretch>
@@ -5410,7 +7449,7 @@
           <p:nvPr/>
         </p:nvPicPr>
         <p:blipFill>
-          <a:blip r:embed="rId4"/>
+          <a:blip r:embed="rId2"/>
           <a:stretch>
             <a:fillRect/>
           </a:stretch>
@@ -5478,6 +7517,13 @@
               </a:rPr>
               <a:t>应用</a:t>
             </a:r>
+            <a:endParaRPr lang="zh-CN" altLang="en-US" sz="2200">
+              <a:solidFill>
+                <a:srgbClr val="FF0000"/>
+              </a:solidFill>
+              <a:latin typeface="+mn-ea"/>
+              <a:ea typeface="+mn-ea"/>
+            </a:endParaRPr>
           </a:p>
         </p:txBody>
       </p:sp>
@@ -5889,7 +7935,7 @@
 </p:sld>
 </file>
 
-<file path=ppt/slides/slide13.xml><?xml version="1.0" encoding="utf-8"?>
+<file path=ppt/slides/slide14.xml><?xml version="1.0" encoding="utf-8"?>
 <p:sld xmlns:a="http://schemas.openxmlformats.org/drawingml/2006/main" xmlns:r="http://schemas.openxmlformats.org/officeDocument/2006/relationships" xmlns:p="http://schemas.openxmlformats.org/presentationml/2006/main">
   <p:cSld>
     <p:spTree>
@@ -5940,6 +7986,12 @@
               </a:rPr>
               <a:t>对象的公有属性、私有属性（回顾闭包）</a:t>
             </a:r>
+            <a:endParaRPr lang="zh-CN" altLang="en-US" sz="3200" dirty="0">
+              <a:solidFill>
+                <a:schemeClr val="tx1"/>
+              </a:solidFill>
+              <a:sym typeface="+mn-ea"/>
+            </a:endParaRPr>
           </a:p>
           <a:p>
             <a:pPr marL="0" indent="0">
@@ -6064,7 +8116,7 @@
           <p:nvPr/>
         </p:nvPicPr>
         <p:blipFill>
-          <a:blip r:embed="rId3"/>
+          <a:blip r:embed="rId1"/>
           <a:stretch>
             <a:fillRect/>
           </a:stretch>
@@ -6112,6 +8164,13 @@
               </a:rPr>
               <a:t>涉及到访问私有属性时，需将间接访问私有变量的函数定义在构造函数中</a:t>
             </a:r>
+            <a:endParaRPr lang="zh-CN" altLang="en-US" sz="2200">
+              <a:solidFill>
+                <a:srgbClr val="FF0000"/>
+              </a:solidFill>
+              <a:latin typeface="+mn-ea"/>
+              <a:ea typeface="+mn-ea"/>
+            </a:endParaRPr>
           </a:p>
         </p:txBody>
       </p:sp>
@@ -6515,7 +8574,7 @@
 </p:sld>
 </file>
 
-<file path=ppt/slides/slide14.xml><?xml version="1.0" encoding="utf-8"?>
+<file path=ppt/slides/slide15.xml><?xml version="1.0" encoding="utf-8"?>
 <p:sld xmlns:a="http://schemas.openxmlformats.org/drawingml/2006/main" xmlns:r="http://schemas.openxmlformats.org/officeDocument/2006/relationships" xmlns:p="http://schemas.openxmlformats.org/presentationml/2006/main">
   <p:cSld>
     <p:spTree>
@@ -6541,7 +8600,7 @@
           <p:nvPr/>
         </p:nvPicPr>
         <p:blipFill>
-          <a:blip r:embed="rId2">
+          <a:blip r:embed="rId1">
             <a:extLst>
               <a:ext uri="{28A0092B-C50C-407E-A947-70E740481C1C}">
                 <a14:useLocalDpi xmlns:a14="http://schemas.microsoft.com/office/drawing/2010/main" val="0"/>
@@ -6659,7 +8718,7 @@
           <p:nvPr/>
         </p:nvPicPr>
         <p:blipFill>
-          <a:blip r:embed="rId3">
+          <a:blip r:embed="rId2">
             <a:extLst>
               <a:ext uri="{28A0092B-C50C-407E-A947-70E740481C1C}">
                 <a14:useLocalDpi xmlns:a14="http://schemas.microsoft.com/office/drawing/2010/main" val="0"/>
@@ -6704,198 +8763,6 @@
           </a:extLst>
         </p:spPr>
       </p:pic>
-    </p:spTree>
-  </p:cSld>
-  <p:clrMapOvr>
-    <a:masterClrMapping/>
-  </p:clrMapOvr>
-  <p:timing>
-    <p:tnLst>
-      <p:par>
-        <p:cTn id="1" dur="indefinite" restart="never" nodeType="tmRoot"/>
-      </p:par>
-    </p:tnLst>
-  </p:timing>
-</p:sld>
-</file>
-
-<file path=ppt/slides/slide15.xml><?xml version="1.0" encoding="utf-8"?>
-<p:sld xmlns:a="http://schemas.openxmlformats.org/drawingml/2006/main" xmlns:r="http://schemas.openxmlformats.org/officeDocument/2006/relationships" xmlns:p="http://schemas.openxmlformats.org/presentationml/2006/main">
-  <p:cSld>
-    <p:spTree>
-      <p:nvGrpSpPr>
-        <p:cNvPr id="1" name=""/>
-        <p:cNvGrpSpPr/>
-        <p:nvPr/>
-      </p:nvGrpSpPr>
-      <p:grpSpPr>
-        <a:xfrm>
-          <a:off x="0" y="0"/>
-          <a:ext cx="0" cy="0"/>
-          <a:chOff x="0" y="0"/>
-          <a:chExt cx="0" cy="0"/>
-        </a:xfrm>
-      </p:grpSpPr>
-      <p:sp>
-        <p:nvSpPr>
-          <p:cNvPr id="2" name="内容占位符 1"/>
-          <p:cNvSpPr>
-            <a:spLocks noGrp="1"/>
-          </p:cNvSpPr>
-          <p:nvPr>
-            <p:ph sz="quarter" idx="10"/>
-          </p:nvPr>
-        </p:nvSpPr>
-        <p:spPr>
-          <a:xfrm>
-            <a:off x="927735" y="783590"/>
-            <a:ext cx="9776460" cy="4918710"/>
-          </a:xfrm>
-        </p:spPr>
-        <p:txBody>
-          <a:bodyPr/>
-          <a:lstStyle/>
-          <a:p>
-            <a:pPr algn="l">
-              <a:lnSpc>
-                <a:spcPct val="160000"/>
-              </a:lnSpc>
-            </a:pPr>
-            <a:r>
-              <a:rPr lang="zh-CN" altLang="en-US" sz="3200" dirty="0">
-                <a:solidFill>
-                  <a:schemeClr val="tx1"/>
-                </a:solidFill>
-                <a:sym typeface="+mn-ea"/>
-              </a:rPr>
-              <a:t>阅读《深入理解</a:t>
-            </a:r>
-            <a:r>
-              <a:rPr lang="en-US" altLang="zh-CN" sz="3200" dirty="0">
-                <a:solidFill>
-                  <a:schemeClr val="tx1"/>
-                </a:solidFill>
-                <a:sym typeface="+mn-ea"/>
-              </a:rPr>
-              <a:t>JavaScript</a:t>
-            </a:r>
-            <a:r>
-              <a:rPr lang="zh-CN" altLang="en-US" sz="3200" dirty="0">
-                <a:solidFill>
-                  <a:schemeClr val="tx1"/>
-                </a:solidFill>
-                <a:sym typeface="+mn-ea"/>
-              </a:rPr>
-              <a:t>》的第</a:t>
-            </a:r>
-            <a:r>
-              <a:rPr lang="en-US" altLang="zh-CN" sz="3200" dirty="0">
-                <a:solidFill>
-                  <a:schemeClr val="tx1"/>
-                </a:solidFill>
-                <a:sym typeface="+mn-ea"/>
-              </a:rPr>
-              <a:t>17</a:t>
-            </a:r>
-            <a:r>
-              <a:rPr lang="zh-CN" altLang="en-US" sz="3200" dirty="0">
-                <a:solidFill>
-                  <a:schemeClr val="tx1"/>
-                </a:solidFill>
-                <a:sym typeface="+mn-ea"/>
-              </a:rPr>
-              <a:t>章</a:t>
-            </a:r>
-          </a:p>
-          <a:p>
-            <a:pPr algn="l">
-              <a:lnSpc>
-                <a:spcPct val="160000"/>
-              </a:lnSpc>
-            </a:pPr>
-            <a:r>
-              <a:rPr lang="zh-CN" altLang="en-US" sz="3200" dirty="0">
-                <a:solidFill>
-                  <a:schemeClr val="tx1"/>
-                </a:solidFill>
-                <a:sym typeface="+mn-ea"/>
-              </a:rPr>
-              <a:t>学习并重写</a:t>
-            </a:r>
-            <a:r>
-              <a:rPr lang="en-US" altLang="zh-CN" sz="3200" dirty="0">
-                <a:solidFill>
-                  <a:schemeClr val="tx1"/>
-                </a:solidFill>
-                <a:sym typeface="+mn-ea"/>
-              </a:rPr>
-              <a:t>FlappyBird</a:t>
-            </a:r>
-            <a:r>
-              <a:rPr lang="zh-CN" altLang="en-US" sz="3200" dirty="0">
-                <a:solidFill>
-                  <a:schemeClr val="tx1"/>
-                </a:solidFill>
-                <a:sym typeface="+mn-ea"/>
-              </a:rPr>
-              <a:t>案例</a:t>
-            </a:r>
-            <a:br>
-              <a:rPr lang="zh-CN" altLang="en-US" sz="3200" dirty="0">
-                <a:solidFill>
-                  <a:schemeClr val="tx1"/>
-                </a:solidFill>
-                <a:sym typeface="+mn-ea"/>
-              </a:rPr>
-            </a:br>
-            <a:r>
-              <a:rPr lang="zh-CN" altLang="en-US" sz="3200" dirty="0">
-                <a:solidFill>
-                  <a:schemeClr val="tx1"/>
-                </a:solidFill>
-                <a:sym typeface="+mn-ea"/>
-              </a:rPr>
-              <a:t>http://pan.baidu.com/s/1ge3H8YJ</a:t>
-            </a:r>
-          </a:p>
-          <a:p>
-            <a:pPr marL="0" indent="0">
-              <a:lnSpc>
-                <a:spcPct val="160000"/>
-              </a:lnSpc>
-              <a:buNone/>
-            </a:pPr>
-            <a:endParaRPr lang="en-US" altLang="zh-CN" sz="1800" dirty="0">
-              <a:solidFill>
-                <a:schemeClr val="tx1"/>
-              </a:solidFill>
-              <a:sym typeface="+mn-ea"/>
-            </a:endParaRPr>
-          </a:p>
-        </p:txBody>
-      </p:sp>
-      <p:sp>
-        <p:nvSpPr>
-          <p:cNvPr id="3" name="内容占位符 2"/>
-          <p:cNvSpPr>
-            <a:spLocks noGrp="1"/>
-          </p:cNvSpPr>
-          <p:nvPr>
-            <p:ph sz="quarter" idx="11"/>
-          </p:nvPr>
-        </p:nvSpPr>
-        <p:spPr/>
-        <p:txBody>
-          <a:bodyPr/>
-          <a:lstStyle/>
-          <a:p>
-            <a:r>
-              <a:rPr lang="zh-CN" altLang="en-US" dirty="0"/>
-              <a:t>作业</a:t>
-            </a:r>
-          </a:p>
-        </p:txBody>
-      </p:sp>
     </p:spTree>
   </p:cSld>
   <p:clrMapOvr>
@@ -6940,7 +8807,7 @@
         </p:nvSpPr>
         <p:spPr>
           <a:xfrm>
-            <a:off x="927735" y="855345"/>
+            <a:off x="927735" y="783590"/>
             <a:ext cx="9776460" cy="4918710"/>
           </a:xfrm>
         </p:spPr>
@@ -6948,13 +8815,128 @@
           <a:bodyPr/>
           <a:lstStyle/>
           <a:p>
+            <a:pPr algn="l">
+              <a:lnSpc>
+                <a:spcPct val="160000"/>
+              </a:lnSpc>
+            </a:pPr>
+            <a:r>
+              <a:rPr lang="zh-CN" altLang="en-US" sz="3200" dirty="0">
+                <a:solidFill>
+                  <a:schemeClr val="tx1"/>
+                </a:solidFill>
+                <a:sym typeface="+mn-ea"/>
+              </a:rPr>
+              <a:t>阅读《深入理解</a:t>
+            </a:r>
+            <a:r>
+              <a:rPr lang="en-US" altLang="zh-CN" sz="3200" dirty="0">
+                <a:solidFill>
+                  <a:schemeClr val="tx1"/>
+                </a:solidFill>
+                <a:sym typeface="+mn-ea"/>
+              </a:rPr>
+              <a:t>JavaScript</a:t>
+            </a:r>
+            <a:r>
+              <a:rPr lang="zh-CN" altLang="en-US" sz="3200" dirty="0">
+                <a:solidFill>
+                  <a:schemeClr val="tx1"/>
+                </a:solidFill>
+                <a:sym typeface="+mn-ea"/>
+              </a:rPr>
+              <a:t>》的第</a:t>
+            </a:r>
+            <a:r>
+              <a:rPr lang="en-US" altLang="zh-CN" sz="3200" dirty="0">
+                <a:solidFill>
+                  <a:schemeClr val="tx1"/>
+                </a:solidFill>
+                <a:sym typeface="+mn-ea"/>
+              </a:rPr>
+              <a:t>17</a:t>
+            </a:r>
+            <a:r>
+              <a:rPr lang="zh-CN" altLang="en-US" sz="3200" dirty="0">
+                <a:solidFill>
+                  <a:schemeClr val="tx1"/>
+                </a:solidFill>
+                <a:sym typeface="+mn-ea"/>
+              </a:rPr>
+              <a:t>章</a:t>
+            </a:r>
+            <a:endParaRPr lang="zh-CN" altLang="en-US" sz="3200" dirty="0">
+              <a:solidFill>
+                <a:schemeClr val="tx1"/>
+              </a:solidFill>
+              <a:sym typeface="+mn-ea"/>
+            </a:endParaRPr>
+          </a:p>
+          <a:p>
+            <a:pPr algn="l">
+              <a:lnSpc>
+                <a:spcPct val="160000"/>
+              </a:lnSpc>
+            </a:pPr>
+            <a:r>
+              <a:rPr lang="zh-CN" altLang="en-US" sz="3200" dirty="0">
+                <a:solidFill>
+                  <a:schemeClr val="tx1"/>
+                </a:solidFill>
+                <a:sym typeface="+mn-ea"/>
+              </a:rPr>
+              <a:t>学习并重写</a:t>
+            </a:r>
+            <a:r>
+              <a:rPr lang="en-US" altLang="zh-CN" sz="3200" dirty="0">
+                <a:solidFill>
+                  <a:schemeClr val="tx1"/>
+                </a:solidFill>
+                <a:sym typeface="+mn-ea"/>
+              </a:rPr>
+              <a:t>FlappyBird</a:t>
+            </a:r>
+            <a:r>
+              <a:rPr lang="zh-CN" altLang="en-US" sz="3200" dirty="0">
+                <a:solidFill>
+                  <a:schemeClr val="tx1"/>
+                </a:solidFill>
+                <a:sym typeface="+mn-ea"/>
+              </a:rPr>
+              <a:t>案例</a:t>
+            </a:r>
+            <a:br>
+              <a:rPr lang="zh-CN" altLang="en-US" sz="3200" dirty="0">
+                <a:solidFill>
+                  <a:schemeClr val="tx1"/>
+                </a:solidFill>
+                <a:sym typeface="+mn-ea"/>
+              </a:rPr>
+            </a:br>
+            <a:r>
+              <a:rPr lang="zh-CN" altLang="en-US" sz="3200" dirty="0">
+                <a:solidFill>
+                  <a:schemeClr val="tx1"/>
+                </a:solidFill>
+                <a:sym typeface="+mn-ea"/>
+              </a:rPr>
+              <a:t>http://pan.baidu.com/s/1ge3H8YJ</a:t>
+            </a:r>
+            <a:endParaRPr lang="zh-CN" altLang="en-US" sz="3200" dirty="0">
+              <a:solidFill>
+                <a:schemeClr val="tx1"/>
+              </a:solidFill>
+              <a:sym typeface="+mn-ea"/>
+            </a:endParaRPr>
+          </a:p>
+          <a:p>
             <a:pPr marL="0" indent="0">
               <a:lnSpc>
                 <a:spcPct val="160000"/>
               </a:lnSpc>
               <a:buNone/>
             </a:pPr>
-            <a:endParaRPr lang="en-US" altLang="zh-CN" sz="1600" dirty="0">
+            <a:endParaRPr lang="en-US" altLang="zh-CN" sz="1800" dirty="0">
               <a:solidFill>
                 <a:schemeClr val="tx1"/>
               </a:solidFill>
@@ -6980,36 +8962,12 @@
           <a:p>
             <a:r>
               <a:rPr lang="zh-CN" altLang="en-US" dirty="0"/>
-              <a:t>原型链图解</a:t>
-            </a:r>
-            <a:endParaRPr lang="en-US" altLang="zh-CN" dirty="0"/>
+              <a:t>作业</a:t>
+            </a:r>
+            <a:endParaRPr lang="zh-CN" altLang="en-US" dirty="0"/>
           </a:p>
         </p:txBody>
       </p:sp>
-      <p:pic>
-        <p:nvPicPr>
-          <p:cNvPr id="5" name="图片 4"/>
-          <p:cNvPicPr>
-            <a:picLocks noChangeAspect="1"/>
-          </p:cNvPicPr>
-          <p:nvPr/>
-        </p:nvPicPr>
-        <p:blipFill>
-          <a:blip r:embed="rId3"/>
-          <a:stretch>
-            <a:fillRect/>
-          </a:stretch>
-        </p:blipFill>
-        <p:spPr>
-          <a:xfrm>
-            <a:off x="927735" y="998855"/>
-            <a:ext cx="8023860" cy="4918710"/>
-          </a:xfrm>
-          <a:prstGeom prst="rect">
-            <a:avLst/>
-          </a:prstGeom>
-        </p:spPr>
-      </p:pic>
     </p:spTree>
   </p:cSld>
   <p:clrMapOvr>
@@ -7044,6 +9002,120 @@
       </p:grpSpPr>
       <p:sp>
         <p:nvSpPr>
+          <p:cNvPr id="2" name="内容占位符 1"/>
+          <p:cNvSpPr>
+            <a:spLocks noGrp="1"/>
+          </p:cNvSpPr>
+          <p:nvPr>
+            <p:ph sz="quarter" idx="10"/>
+          </p:nvPr>
+        </p:nvSpPr>
+        <p:spPr>
+          <a:xfrm>
+            <a:off x="927735" y="855345"/>
+            <a:ext cx="9776460" cy="4918710"/>
+          </a:xfrm>
+        </p:spPr>
+        <p:txBody>
+          <a:bodyPr/>
+          <a:lstStyle/>
+          <a:p>
+            <a:pPr marL="0" indent="0">
+              <a:lnSpc>
+                <a:spcPct val="160000"/>
+              </a:lnSpc>
+              <a:buNone/>
+            </a:pPr>
+            <a:endParaRPr lang="en-US" altLang="zh-CN" sz="1600" dirty="0">
+              <a:solidFill>
+                <a:schemeClr val="tx1"/>
+              </a:solidFill>
+              <a:sym typeface="+mn-ea"/>
+            </a:endParaRPr>
+          </a:p>
+        </p:txBody>
+      </p:sp>
+      <p:sp>
+        <p:nvSpPr>
+          <p:cNvPr id="3" name="内容占位符 2"/>
+          <p:cNvSpPr>
+            <a:spLocks noGrp="1"/>
+          </p:cNvSpPr>
+          <p:nvPr>
+            <p:ph sz="quarter" idx="11"/>
+          </p:nvPr>
+        </p:nvSpPr>
+        <p:spPr/>
+        <p:txBody>
+          <a:bodyPr/>
+          <a:lstStyle/>
+          <a:p>
+            <a:r>
+              <a:rPr lang="zh-CN" altLang="en-US" dirty="0"/>
+              <a:t>原型链图解</a:t>
+            </a:r>
+            <a:endParaRPr lang="en-US" altLang="zh-CN" dirty="0"/>
+          </a:p>
+        </p:txBody>
+      </p:sp>
+      <p:pic>
+        <p:nvPicPr>
+          <p:cNvPr id="5" name="图片 4"/>
+          <p:cNvPicPr>
+            <a:picLocks noChangeAspect="1"/>
+          </p:cNvPicPr>
+          <p:nvPr/>
+        </p:nvPicPr>
+        <p:blipFill>
+          <a:blip r:embed="rId1"/>
+          <a:stretch>
+            <a:fillRect/>
+          </a:stretch>
+        </p:blipFill>
+        <p:spPr>
+          <a:xfrm>
+            <a:off x="927735" y="998855"/>
+            <a:ext cx="8023860" cy="4918710"/>
+          </a:xfrm>
+          <a:prstGeom prst="rect">
+            <a:avLst/>
+          </a:prstGeom>
+        </p:spPr>
+      </p:pic>
+    </p:spTree>
+  </p:cSld>
+  <p:clrMapOvr>
+    <a:masterClrMapping/>
+  </p:clrMapOvr>
+  <p:timing>
+    <p:tnLst>
+      <p:par>
+        <p:cTn id="1" dur="indefinite" restart="never" nodeType="tmRoot"/>
+      </p:par>
+    </p:tnLst>
+  </p:timing>
+</p:sld>
+</file>
+
+<file path=ppt/slides/slide18.xml><?xml version="1.0" encoding="utf-8"?>
+<p:sld xmlns:a="http://schemas.openxmlformats.org/drawingml/2006/main" xmlns:r="http://schemas.openxmlformats.org/officeDocument/2006/relationships" xmlns:p="http://schemas.openxmlformats.org/presentationml/2006/main">
+  <p:cSld>
+    <p:spTree>
+      <p:nvGrpSpPr>
+        <p:cNvPr id="1" name=""/>
+        <p:cNvGrpSpPr/>
+        <p:nvPr/>
+      </p:nvGrpSpPr>
+      <p:grpSpPr>
+        <a:xfrm>
+          <a:off x="0" y="0"/>
+          <a:ext cx="0" cy="0"/>
+          <a:chOff x="0" y="0"/>
+          <a:chExt cx="0" cy="0"/>
+        </a:xfrm>
+      </p:grpSpPr>
+      <p:sp>
+        <p:nvSpPr>
           <p:cNvPr id="3" name="内容占位符 2"/>
           <p:cNvSpPr>
             <a:spLocks noGrp="1"/>
@@ -7076,7 +9148,7 @@
           </p:nvPr>
         </p:nvPicPr>
         <p:blipFill>
-          <a:blip r:embed="rId3"/>
+          <a:blip r:embed="rId1"/>
           <a:stretch>
             <a:fillRect/>
           </a:stretch>
@@ -7085,6 +9157,446 @@
           <a:xfrm>
             <a:off x="694690" y="819150"/>
             <a:ext cx="7990205" cy="6005195"/>
+          </a:xfrm>
+          <a:prstGeom prst="rect">
+            <a:avLst/>
+          </a:prstGeom>
+        </p:spPr>
+      </p:pic>
+      <p:sp>
+        <p:nvSpPr>
+          <p:cNvPr id="2" name="文本框 1"/>
+          <p:cNvSpPr txBox="1"/>
+          <p:nvPr/>
+        </p:nvSpPr>
+        <p:spPr>
+          <a:xfrm>
+            <a:off x="7038340" y="4479290"/>
+            <a:ext cx="4719955" cy="768350"/>
+          </a:xfrm>
+          <a:prstGeom prst="rect">
+            <a:avLst/>
+          </a:prstGeom>
+          <a:noFill/>
+        </p:spPr>
+        <p:txBody>
+          <a:bodyPr wrap="square" rtlCol="0">
+            <a:spAutoFit/>
+          </a:bodyPr>
+          <a:p>
+            <a:pPr algn="l"/>
+            <a:r>
+              <a:rPr lang="zh-CN" altLang="en-US" sz="2200">
+                <a:solidFill>
+                  <a:srgbClr val="FF0000"/>
+                </a:solidFill>
+                <a:latin typeface="+mn-ea"/>
+                <a:ea typeface="+mn-ea"/>
+              </a:rPr>
+              <a:t>思考</a:t>
+            </a:r>
+            <a:r>
+              <a:rPr lang="en-US" altLang="zh-CN" sz="2200">
+                <a:solidFill>
+                  <a:srgbClr val="FF0000"/>
+                </a:solidFill>
+                <a:latin typeface="+mn-ea"/>
+                <a:ea typeface="+mn-ea"/>
+              </a:rPr>
+              <a:t>1</a:t>
+            </a:r>
+            <a:r>
+              <a:rPr lang="zh-CN" altLang="en-US" sz="2200">
+                <a:solidFill>
+                  <a:srgbClr val="FF0000"/>
+                </a:solidFill>
+                <a:latin typeface="+mn-ea"/>
+                <a:ea typeface="+mn-ea"/>
+              </a:rPr>
+              <a:t>：</a:t>
+            </a:r>
+            <a:r>
+              <a:rPr lang="en-US" altLang="zh-CN" sz="2200">
+                <a:solidFill>
+                  <a:srgbClr val="FF0000"/>
+                </a:solidFill>
+                <a:latin typeface="+mn-ea"/>
+                <a:ea typeface="+mn-ea"/>
+              </a:rPr>
+              <a:t>f2</a:t>
+            </a:r>
+            <a:r>
+              <a:rPr lang="zh-CN" altLang="en-US" sz="2200">
+                <a:solidFill>
+                  <a:srgbClr val="FF0000"/>
+                </a:solidFill>
+                <a:latin typeface="+mn-ea"/>
+                <a:ea typeface="+mn-ea"/>
+              </a:rPr>
+              <a:t>的</a:t>
+            </a:r>
+            <a:r>
+              <a:rPr lang="en-US" altLang="zh-CN" sz="2200">
+                <a:solidFill>
+                  <a:srgbClr val="FF0000"/>
+                </a:solidFill>
+                <a:latin typeface="+mn-ea"/>
+                <a:ea typeface="+mn-ea"/>
+                <a:sym typeface="+mn-ea"/>
+              </a:rPr>
+              <a:t>prototype</a:t>
+            </a:r>
+            <a:r>
+              <a:rPr lang="zh-CN" altLang="en-US" sz="2200">
+                <a:solidFill>
+                  <a:srgbClr val="FF0000"/>
+                </a:solidFill>
+                <a:latin typeface="+mn-ea"/>
+                <a:ea typeface="+mn-ea"/>
+              </a:rPr>
+              <a:t>是谁</a:t>
+            </a:r>
+            <a:endParaRPr lang="zh-CN" altLang="en-US" sz="2200">
+              <a:solidFill>
+                <a:srgbClr val="FF0000"/>
+              </a:solidFill>
+              <a:latin typeface="+mn-ea"/>
+              <a:ea typeface="+mn-ea"/>
+            </a:endParaRPr>
+          </a:p>
+          <a:p>
+            <a:pPr algn="l"/>
+            <a:r>
+              <a:rPr lang="zh-CN" altLang="en-US" sz="2200">
+                <a:solidFill>
+                  <a:srgbClr val="FF0000"/>
+                </a:solidFill>
+                <a:latin typeface="+mn-ea"/>
+                <a:ea typeface="+mn-ea"/>
+              </a:rPr>
+              <a:t>思考</a:t>
+            </a:r>
+            <a:r>
+              <a:rPr lang="en-US" altLang="zh-CN" sz="2200">
+                <a:solidFill>
+                  <a:srgbClr val="FF0000"/>
+                </a:solidFill>
+                <a:latin typeface="+mn-ea"/>
+                <a:ea typeface="+mn-ea"/>
+              </a:rPr>
+              <a:t>2</a:t>
+            </a:r>
+            <a:r>
+              <a:rPr lang="zh-CN" altLang="en-US" sz="2200">
+                <a:solidFill>
+                  <a:srgbClr val="FF0000"/>
+                </a:solidFill>
+                <a:latin typeface="+mn-ea"/>
+                <a:ea typeface="+mn-ea"/>
+              </a:rPr>
+              <a:t>：</a:t>
+            </a:r>
+            <a:r>
+              <a:rPr lang="en-US" altLang="zh-CN" sz="2200">
+                <a:solidFill>
+                  <a:srgbClr val="FF0000"/>
+                </a:solidFill>
+                <a:latin typeface="+mn-ea"/>
+                <a:ea typeface="+mn-ea"/>
+              </a:rPr>
+              <a:t>Function.prototype</a:t>
+            </a:r>
+            <a:r>
+              <a:rPr lang="zh-CN" altLang="en-US" sz="2200">
+                <a:solidFill>
+                  <a:srgbClr val="FF0000"/>
+                </a:solidFill>
+                <a:latin typeface="+mn-ea"/>
+                <a:ea typeface="+mn-ea"/>
+              </a:rPr>
+              <a:t>是谁</a:t>
+            </a:r>
+            <a:endParaRPr lang="zh-CN" altLang="en-US" sz="2200">
+              <a:solidFill>
+                <a:srgbClr val="FF0000"/>
+              </a:solidFill>
+              <a:latin typeface="+mn-ea"/>
+              <a:ea typeface="+mn-ea"/>
+            </a:endParaRPr>
+          </a:p>
+        </p:txBody>
+      </p:sp>
+    </p:spTree>
+  </p:cSld>
+  <p:clrMapOvr>
+    <a:masterClrMapping/>
+  </p:clrMapOvr>
+  <p:timing>
+    <p:tnLst>
+      <p:par>
+        <p:cTn id="1" dur="indefinite" restart="never" nodeType="tmRoot">
+          <p:childTnLst>
+            <p:seq concurrent="1" nextAc="seek">
+              <p:cTn id="2" dur="indefinite" nodeType="mainSeq">
+                <p:childTnLst>
+                  <p:par>
+                    <p:cTn id="3" fill="hold">
+                      <p:stCondLst>
+                        <p:cond delay="indefinite"/>
+                        <p:cond evt="onBegin" delay="0">
+                          <p:tn val="2"/>
+                        </p:cond>
+                      </p:stCondLst>
+                      <p:childTnLst>
+                        <p:par>
+                          <p:cTn id="4" fill="hold">
+                            <p:stCondLst>
+                              <p:cond delay="0"/>
+                            </p:stCondLst>
+                            <p:childTnLst>
+                              <p:par>
+                                <p:cTn id="5" presetID="2" presetClass="entr" presetSubtype="4" fill="hold" grpId="0" nodeType="afterEffect">
+                                  <p:stCondLst>
+                                    <p:cond delay="0"/>
+                                  </p:stCondLst>
+                                  <p:childTnLst>
+                                    <p:set>
+                                      <p:cBhvr>
+                                        <p:cTn id="6" dur="1" fill="hold">
+                                          <p:stCondLst>
+                                            <p:cond delay="0"/>
+                                          </p:stCondLst>
+                                        </p:cTn>
+                                        <p:tgtEl>
+                                          <p:spTgt spid="2"/>
+                                        </p:tgtEl>
+                                        <p:attrNameLst>
+                                          <p:attrName>style.visibility</p:attrName>
+                                        </p:attrNameLst>
+                                      </p:cBhvr>
+                                      <p:to>
+                                        <p:strVal val="visible"/>
+                                      </p:to>
+                                    </p:set>
+                                    <p:anim calcmode="lin" valueType="num">
+                                      <p:cBhvr additive="base">
+                                        <p:cTn id="7" dur="500" fill="hold"/>
+                                        <p:tgtEl>
+                                          <p:spTgt spid="2"/>
+                                        </p:tgtEl>
+                                        <p:attrNameLst>
+                                          <p:attrName>ppt_x</p:attrName>
+                                        </p:attrNameLst>
+                                      </p:cBhvr>
+                                      <p:tavLst>
+                                        <p:tav tm="0">
+                                          <p:val>
+                                            <p:strVal val="#ppt_x"/>
+                                          </p:val>
+                                        </p:tav>
+                                        <p:tav tm="100000">
+                                          <p:val>
+                                            <p:strVal val="#ppt_x"/>
+                                          </p:val>
+                                        </p:tav>
+                                      </p:tavLst>
+                                    </p:anim>
+                                    <p:anim calcmode="lin" valueType="num">
+                                      <p:cBhvr additive="base">
+                                        <p:cTn id="8" dur="500" fill="hold"/>
+                                        <p:tgtEl>
+                                          <p:spTgt spid="2"/>
+                                        </p:tgtEl>
+                                        <p:attrNameLst>
+                                          <p:attrName>ppt_y</p:attrName>
+                                        </p:attrNameLst>
+                                      </p:cBhvr>
+                                      <p:tavLst>
+                                        <p:tav tm="0">
+                                          <p:val>
+                                            <p:strVal val="1+#ppt_h/2"/>
+                                          </p:val>
+                                        </p:tav>
+                                        <p:tav tm="100000">
+                                          <p:val>
+                                            <p:strVal val="#ppt_y"/>
+                                          </p:val>
+                                        </p:tav>
+                                      </p:tavLst>
+                                    </p:anim>
+                                  </p:childTnLst>
+                                </p:cTn>
+                              </p:par>
+                            </p:childTnLst>
+                          </p:cTn>
+                        </p:par>
+                      </p:childTnLst>
+                    </p:cTn>
+                  </p:par>
+                </p:childTnLst>
+              </p:cTn>
+              <p:prevCondLst>
+                <p:cond evt="onPrev" delay="0">
+                  <p:tgtEl>
+                    <p:sldTgt/>
+                  </p:tgtEl>
+                </p:cond>
+              </p:prevCondLst>
+              <p:nextCondLst>
+                <p:cond evt="onNext" delay="0">
+                  <p:tgtEl>
+                    <p:sldTgt/>
+                  </p:tgtEl>
+                </p:cond>
+              </p:nextCondLst>
+            </p:seq>
+          </p:childTnLst>
+        </p:cTn>
+      </p:par>
+    </p:tnLst>
+    <p:bldLst>
+      <p:bldP spid="2" grpId="0"/>
+    </p:bldLst>
+  </p:timing>
+</p:sld>
+</file>
+
+<file path=ppt/slides/slide19.xml><?xml version="1.0" encoding="utf-8"?>
+<p:sld xmlns:a="http://schemas.openxmlformats.org/drawingml/2006/main" xmlns:r="http://schemas.openxmlformats.org/officeDocument/2006/relationships" xmlns:p="http://schemas.openxmlformats.org/presentationml/2006/main">
+  <p:cSld>
+    <p:spTree>
+      <p:nvGrpSpPr>
+        <p:cNvPr id="1" name=""/>
+        <p:cNvGrpSpPr/>
+        <p:nvPr/>
+      </p:nvGrpSpPr>
+      <p:grpSpPr>
+        <a:xfrm>
+          <a:off x="0" y="0"/>
+          <a:ext cx="0" cy="0"/>
+          <a:chOff x="0" y="0"/>
+          <a:chExt cx="0" cy="0"/>
+        </a:xfrm>
+      </p:grpSpPr>
+      <p:sp>
+        <p:nvSpPr>
+          <p:cNvPr id="2" name="内容占位符 1"/>
+          <p:cNvSpPr>
+            <a:spLocks noGrp="1"/>
+          </p:cNvSpPr>
+          <p:nvPr>
+            <p:ph sz="quarter" idx="10"/>
+          </p:nvPr>
+        </p:nvSpPr>
+        <p:spPr>
+          <a:xfrm>
+            <a:off x="927735" y="783590"/>
+            <a:ext cx="9776460" cy="4918710"/>
+          </a:xfrm>
+        </p:spPr>
+        <p:txBody>
+          <a:bodyPr/>
+          <a:lstStyle/>
+          <a:p>
+            <a:pPr algn="l">
+              <a:lnSpc>
+                <a:spcPct val="160000"/>
+              </a:lnSpc>
+            </a:pPr>
+            <a:r>
+              <a:rPr sz="3200" dirty="0">
+                <a:solidFill>
+                  <a:schemeClr val="tx1"/>
+                </a:solidFill>
+                <a:sym typeface="+mn-ea"/>
+              </a:rPr>
+              <a:t>http://web.jobbole.com/88493/</a:t>
+            </a:r>
+            <a:endParaRPr sz="3200" dirty="0">
+              <a:solidFill>
+                <a:schemeClr val="tx1"/>
+              </a:solidFill>
+              <a:sym typeface="+mn-ea"/>
+            </a:endParaRPr>
+          </a:p>
+          <a:p>
+            <a:pPr algn="l">
+              <a:lnSpc>
+                <a:spcPct val="160000"/>
+              </a:lnSpc>
+            </a:pPr>
+            <a:endParaRPr lang="zh-CN" altLang="en-US" sz="3200" dirty="0">
+              <a:solidFill>
+                <a:schemeClr val="tx1"/>
+              </a:solidFill>
+              <a:sym typeface="+mn-ea"/>
+            </a:endParaRPr>
+          </a:p>
+          <a:p>
+            <a:pPr marL="0" indent="0">
+              <a:lnSpc>
+                <a:spcPct val="160000"/>
+              </a:lnSpc>
+              <a:buNone/>
+            </a:pPr>
+            <a:endParaRPr lang="en-US" altLang="zh-CN" sz="1800" dirty="0">
+              <a:solidFill>
+                <a:schemeClr val="tx1"/>
+              </a:solidFill>
+              <a:sym typeface="+mn-ea"/>
+            </a:endParaRPr>
+          </a:p>
+        </p:txBody>
+      </p:sp>
+      <p:sp>
+        <p:nvSpPr>
+          <p:cNvPr id="3" name="内容占位符 2"/>
+          <p:cNvSpPr>
+            <a:spLocks noGrp="1"/>
+          </p:cNvSpPr>
+          <p:nvPr>
+            <p:ph sz="quarter" idx="11"/>
+          </p:nvPr>
+        </p:nvSpPr>
+        <p:spPr/>
+        <p:txBody>
+          <a:bodyPr/>
+          <a:lstStyle/>
+          <a:p>
+            <a:r>
+              <a:rPr lang="zh-CN" altLang="en-US" dirty="0"/>
+              <a:t>阅读下述文章</a:t>
+            </a:r>
+            <a:r>
+              <a:rPr lang="en-US" altLang="zh-CN" dirty="0"/>
+              <a:t>-JavaScript</a:t>
+            </a:r>
+            <a:r>
+              <a:rPr lang="zh-CN" altLang="en-US" dirty="0"/>
+              <a:t>万物诞生记</a:t>
+            </a:r>
+            <a:endParaRPr lang="zh-CN" altLang="en-US" dirty="0"/>
+          </a:p>
+        </p:txBody>
+      </p:sp>
+      <p:pic>
+        <p:nvPicPr>
+          <p:cNvPr id="4" name="图片 3" descr="TRPY93PBQEY3~9BQ6@KE]67"/>
+          <p:cNvPicPr>
+            <a:picLocks noChangeAspect="1"/>
+          </p:cNvPicPr>
+          <p:nvPr/>
+        </p:nvPicPr>
+        <p:blipFill>
+          <a:blip r:embed="rId1"/>
+          <a:stretch>
+            <a:fillRect/>
+          </a:stretch>
+        </p:blipFill>
+        <p:spPr>
+          <a:xfrm>
+            <a:off x="1501140" y="1711960"/>
+            <a:ext cx="7308215" cy="4954905"/>
           </a:xfrm>
           <a:prstGeom prst="rect">
             <a:avLst/>
@@ -7321,6 +9833,12 @@
               </a:rPr>
               <a:t>对象原型继承</a:t>
             </a:r>
+            <a:endParaRPr lang="zh-CN" altLang="en-US" sz="2800" b="1">
+              <a:solidFill>
+                <a:srgbClr val="FF0000"/>
+              </a:solidFill>
+              <a:sym typeface="+mn-ea"/>
+            </a:endParaRPr>
           </a:p>
           <a:p>
             <a:pPr algn="l">
@@ -7366,6 +9884,12 @@
               </a:rPr>
               <a:t>类的继承</a:t>
             </a:r>
+            <a:endParaRPr lang="zh-CN" altLang="en-US" sz="2800" b="1">
+              <a:solidFill>
+                <a:schemeClr val="tx1"/>
+              </a:solidFill>
+              <a:sym typeface="+mn-ea"/>
+            </a:endParaRPr>
           </a:p>
           <a:p>
             <a:pPr algn="l">
@@ -7402,6 +9926,12 @@
               </a:rPr>
               <a:t>继承补充部分</a:t>
             </a:r>
+            <a:endParaRPr lang="zh-CN" altLang="en-US" sz="2800" b="1">
+              <a:solidFill>
+                <a:schemeClr val="tx1"/>
+              </a:solidFill>
+              <a:sym typeface="+mn-ea"/>
+            </a:endParaRPr>
           </a:p>
         </p:txBody>
       </p:sp>
@@ -7734,14 +10264,6 @@
               </a:rPr>
               <a:t>的继承</a:t>
             </a:r>
-            <a:r>
-              <a:rPr lang="zh-CN" altLang="en-US" sz="3200" dirty="0">
-                <a:solidFill>
-                  <a:schemeClr val="tx1"/>
-                </a:solidFill>
-              </a:rPr>
-              <a:t/>
-            </a:r>
             <a:br>
               <a:rPr lang="zh-CN" altLang="en-US" sz="3200" dirty="0">
                 <a:solidFill>
@@ -7780,14 +10302,6 @@
                 </a:solidFill>
               </a:rPr>
               <a:t>）</a:t>
-            </a:r>
-            <a:r>
-              <a:rPr lang="en-US" altLang="zh-CN" sz="2000" dirty="0">
-                <a:solidFill>
-                  <a:schemeClr val="tx1"/>
-                </a:solidFill>
-              </a:rPr>
-              <a:t/>
             </a:r>
             <a:br>
               <a:rPr lang="en-US" altLang="zh-CN" sz="2000" dirty="0">
@@ -7982,7 +10496,7 @@
           <p:nvPr/>
         </p:nvPicPr>
         <p:blipFill>
-          <a:blip r:embed="rId3"/>
+          <a:blip r:embed="rId1"/>
           <a:srcRect b="14179"/>
           <a:stretch>
             <a:fillRect/>
@@ -8006,8 +10520,8 @@
         </p:nvSpPr>
         <p:spPr>
           <a:xfrm>
-            <a:off x="5638800" y="3365500"/>
-            <a:ext cx="4947920" cy="768350"/>
+            <a:off x="5983605" y="5109210"/>
+            <a:ext cx="5514340" cy="398780"/>
           </a:xfrm>
           <a:prstGeom prst="rect">
             <a:avLst/>
@@ -8022,17 +10536,17 @@
           <a:p>
             <a:pPr algn="l"/>
             <a:r>
-              <a:rPr lang="zh-CN" altLang="en-US" sz="2200">
+              <a:rPr lang="zh-CN" altLang="en-US" sz="2000">
                 <a:solidFill>
                   <a:srgbClr val="FF0000"/>
                 </a:solidFill>
                 <a:latin typeface="+mn-ea"/>
                 <a:ea typeface="+mn-ea"/>
               </a:rPr>
-              <a:t>思考：若此行写为</a:t>
-            </a:r>
-            <a:r>
-              <a:rPr lang="en-US" altLang="zh-CN" sz="2200">
+              <a:t>若此行写为</a:t>
+            </a:r>
+            <a:r>
+              <a:rPr lang="en-US" altLang="zh-CN" sz="2000">
                 <a:solidFill>
                   <a:srgbClr val="FF0000"/>
                 </a:solidFill>
@@ -8042,7 +10556,7 @@
               <a:t>subObj_First.x = 5;</a:t>
             </a:r>
             <a:r>
-              <a:rPr lang="zh-CN" altLang="en-US" sz="2200">
+              <a:rPr lang="zh-CN" altLang="en-US" sz="2000">
                 <a:solidFill>
                   <a:srgbClr val="FF0000"/>
                 </a:solidFill>
@@ -8051,6 +10565,13 @@
               </a:rPr>
               <a:t>结果又是如何？</a:t>
             </a:r>
+            <a:endParaRPr lang="zh-CN" altLang="en-US" sz="2000">
+              <a:solidFill>
+                <a:srgbClr val="FF0000"/>
+              </a:solidFill>
+              <a:latin typeface="+mn-ea"/>
+              <a:ea typeface="+mn-ea"/>
+            </a:endParaRPr>
           </a:p>
         </p:txBody>
       </p:sp>
@@ -8532,6 +11053,12 @@
               </a:rPr>
               <a:t>原型共享问题</a:t>
             </a:r>
+            <a:endParaRPr lang="zh-CN" altLang="en-US" sz="3200" dirty="0">
+              <a:solidFill>
+                <a:schemeClr val="accent3"/>
+              </a:solidFill>
+              <a:sym typeface="+mn-ea"/>
+            </a:endParaRPr>
           </a:p>
           <a:p>
             <a:pPr marL="168275" lvl="1" indent="0">
@@ -8601,7 +11128,7 @@
           <p:nvPr/>
         </p:nvPicPr>
         <p:blipFill>
-          <a:blip r:embed="rId3"/>
+          <a:blip r:embed="rId1"/>
           <a:stretch>
             <a:fillRect/>
           </a:stretch>
@@ -8678,7 +11205,7 @@
         <p:spPr>
           <a:xfrm>
             <a:off x="7285355" y="2993390"/>
-            <a:ext cx="4503420" cy="2122805"/>
+            <a:ext cx="4503420" cy="2461260"/>
           </a:xfrm>
           <a:prstGeom prst="rect">
             <a:avLst/>
@@ -8690,6 +11217,26 @@
             <a:spAutoFit/>
           </a:bodyPr>
           <a:lstStyle/>
+          <a:p>
+            <a:pPr algn="l"/>
+            <a:r>
+              <a:rPr lang="zh-CN" sz="2200">
+                <a:solidFill>
+                  <a:schemeClr val="tx1"/>
+                </a:solidFill>
+                <a:latin typeface="+mn-ea"/>
+                <a:ea typeface="+mn-ea"/>
+              </a:rPr>
+              <a:t>左侧的代码有什么问题</a:t>
+            </a:r>
+            <a:endParaRPr lang="zh-CN" sz="2200">
+              <a:solidFill>
+                <a:schemeClr val="tx1"/>
+              </a:solidFill>
+              <a:latin typeface="+mn-ea"/>
+              <a:ea typeface="+mn-ea"/>
+            </a:endParaRPr>
+          </a:p>
           <a:p>
             <a:pPr algn="l"/>
             <a:r>
@@ -9263,6 +11810,12 @@
               </a:rPr>
               <a:t>上页代码图解（原型共享问题）</a:t>
             </a:r>
+            <a:endParaRPr lang="zh-CN" altLang="en-US" sz="3200" dirty="0">
+              <a:solidFill>
+                <a:schemeClr val="tx1"/>
+              </a:solidFill>
+              <a:sym typeface="+mn-ea"/>
+            </a:endParaRPr>
           </a:p>
           <a:p>
             <a:pPr marL="168275" lvl="1" indent="0">
@@ -9412,13 +11965,16 @@
         </p:nvSpPr>
         <p:spPr>
           <a:xfrm>
-            <a:off x="3768090" y="1793875"/>
+            <a:off x="3766185" y="1793875"/>
             <a:ext cx="3385185" cy="1076960"/>
           </a:xfrm>
           <a:prstGeom prst="flowChartProcess">
             <a:avLst/>
           </a:prstGeom>
           <a:ln>
+            <a:solidFill>
+              <a:srgbClr val="C00000"/>
+            </a:solidFill>
             <a:headEnd type="none" w="med" len="med"/>
             <a:tailEnd type="none" w="med" len="med"/>
           </a:ln>
@@ -9484,6 +12040,9 @@
             <a:avLst/>
           </a:prstGeom>
           <a:ln>
+            <a:solidFill>
+              <a:srgbClr val="C00000"/>
+            </a:solidFill>
             <a:headEnd type="none" w="med" len="med"/>
             <a:tailEnd type="none" w="med" len="med"/>
           </a:ln>
@@ -9549,6 +12108,9 @@
             <a:avLst/>
           </a:prstGeom>
           <a:ln>
+            <a:solidFill>
+              <a:srgbClr val="C00000"/>
+            </a:solidFill>
             <a:headEnd type="none" w="med" len="med"/>
             <a:tailEnd type="none" w="med" len="med"/>
           </a:ln>
@@ -9614,6 +12176,9 @@
             <a:avLst/>
           </a:prstGeom>
           <a:ln>
+            <a:solidFill>
+              <a:srgbClr val="C00000"/>
+            </a:solidFill>
             <a:headEnd type="none" w="med" len="med"/>
             <a:tailEnd type="none" w="med" len="med"/>
           </a:ln>
@@ -9764,8 +12329,8 @@
         </p:nvSpPr>
         <p:spPr>
           <a:xfrm>
-            <a:off x="3778885" y="1865630"/>
-            <a:ext cx="3373755" cy="429895"/>
+            <a:off x="3779520" y="1845310"/>
+            <a:ext cx="2294255" cy="429895"/>
           </a:xfrm>
           <a:prstGeom prst="rect">
             <a:avLst/>
@@ -9809,6 +12374,13 @@
               </a:rPr>
               <a:t>22</a:t>
             </a:r>
+            <a:endParaRPr lang="en-US" altLang="zh-CN" sz="2200">
+              <a:solidFill>
+                <a:schemeClr val="tx1"/>
+              </a:solidFill>
+              <a:latin typeface="+mn-ea"/>
+              <a:ea typeface="+mn-ea"/>
+            </a:endParaRPr>
           </a:p>
         </p:txBody>
       </p:sp>
@@ -9865,6 +12437,13 @@
               </a:rPr>
               <a:t>function(){}</a:t>
             </a:r>
+            <a:endParaRPr lang="en-US" altLang="zh-CN" sz="2200">
+              <a:solidFill>
+                <a:schemeClr val="tx1"/>
+              </a:solidFill>
+              <a:latin typeface="+mn-ea"/>
+              <a:ea typeface="+mn-ea"/>
+            </a:endParaRPr>
           </a:p>
         </p:txBody>
       </p:sp>
@@ -9877,7 +12456,7 @@
         <p:spPr>
           <a:xfrm>
             <a:off x="3834130" y="3355975"/>
-            <a:ext cx="3373755" cy="429895"/>
+            <a:ext cx="2722880" cy="429895"/>
           </a:xfrm>
           <a:prstGeom prst="rect">
             <a:avLst/>
@@ -9921,6 +12500,13 @@
               </a:rPr>
               <a:t>“Mike”</a:t>
             </a:r>
+            <a:endParaRPr lang="en-US" altLang="zh-CN" sz="2200">
+              <a:solidFill>
+                <a:schemeClr val="tx1"/>
+              </a:solidFill>
+              <a:latin typeface="+mn-ea"/>
+              <a:ea typeface="+mn-ea"/>
+            </a:endParaRPr>
           </a:p>
         </p:txBody>
       </p:sp>
@@ -9977,6 +12563,13 @@
               </a:rPr>
               <a:t>2017001</a:t>
             </a:r>
+            <a:endParaRPr lang="en-US" altLang="zh-CN" sz="2200">
+              <a:solidFill>
+                <a:schemeClr val="tx1"/>
+              </a:solidFill>
+              <a:latin typeface="+mn-ea"/>
+              <a:ea typeface="+mn-ea"/>
+            </a:endParaRPr>
           </a:p>
         </p:txBody>
       </p:sp>
@@ -10042,6 +12635,16 @@
               </a:rPr>
               <a:t>23</a:t>
             </a:r>
+            <a:endParaRPr lang="en-US" altLang="zh-CN" sz="2200">
+              <a:solidFill>
+                <a:schemeClr val="accent1">
+                  <a:lumMod val="90000"/>
+                  <a:lumOff val="10000"/>
+                </a:schemeClr>
+              </a:solidFill>
+              <a:latin typeface="+mn-ea"/>
+              <a:ea typeface="+mn-ea"/>
+            </a:endParaRPr>
           </a:p>
         </p:txBody>
       </p:sp>
@@ -10053,7 +12656,7 @@
         </p:nvSpPr>
         <p:spPr>
           <a:xfrm>
-            <a:off x="6169025" y="4360545"/>
+            <a:off x="6153150" y="4360545"/>
             <a:ext cx="3406775" cy="429895"/>
           </a:xfrm>
           <a:prstGeom prst="rect">
@@ -10098,6 +12701,13 @@
               </a:rPr>
               <a:t>2017002</a:t>
             </a:r>
+            <a:endParaRPr lang="en-US" altLang="zh-CN" sz="2200">
+              <a:solidFill>
+                <a:schemeClr val="tx1"/>
+              </a:solidFill>
+              <a:latin typeface="+mn-ea"/>
+              <a:ea typeface="+mn-ea"/>
+            </a:endParaRPr>
           </a:p>
         </p:txBody>
       </p:sp>
@@ -10163,6 +12773,16 @@
               </a:rPr>
               <a:t>24</a:t>
             </a:r>
+            <a:endParaRPr lang="en-US" altLang="zh-CN" sz="2200">
+              <a:solidFill>
+                <a:schemeClr val="accent1">
+                  <a:lumMod val="90000"/>
+                  <a:lumOff val="10000"/>
+                </a:schemeClr>
+              </a:solidFill>
+              <a:latin typeface="+mn-ea"/>
+              <a:ea typeface="+mn-ea"/>
+            </a:endParaRPr>
           </a:p>
         </p:txBody>
       </p:sp>
@@ -10228,6 +12848,16 @@
               </a:rPr>
               <a:t>“ABC”</a:t>
             </a:r>
+            <a:endParaRPr lang="en-US" altLang="zh-CN" sz="2200">
+              <a:solidFill>
+                <a:schemeClr val="accent1">
+                  <a:lumMod val="90000"/>
+                  <a:lumOff val="10000"/>
+                </a:schemeClr>
+              </a:solidFill>
+              <a:latin typeface="+mn-ea"/>
+              <a:ea typeface="+mn-ea"/>
+            </a:endParaRPr>
           </a:p>
         </p:txBody>
       </p:sp>
@@ -10293,6 +12923,16 @@
               </a:rPr>
               <a:t>“DEF”</a:t>
             </a:r>
+            <a:endParaRPr lang="en-US" altLang="zh-CN" sz="2200">
+              <a:solidFill>
+                <a:schemeClr val="accent1">
+                  <a:lumMod val="90000"/>
+                  <a:lumOff val="10000"/>
+                </a:schemeClr>
+              </a:solidFill>
+              <a:latin typeface="+mn-ea"/>
+              <a:ea typeface="+mn-ea"/>
+            </a:endParaRPr>
           </a:p>
         </p:txBody>
       </p:sp>
@@ -10383,6 +13023,13 @@
               </a:rPr>
               <a:t>即</a:t>
             </a:r>
+            <a:endParaRPr lang="zh-CN" altLang="en-US" sz="1800">
+              <a:solidFill>
+                <a:srgbClr val="FF0000"/>
+              </a:solidFill>
+              <a:latin typeface="+mn-ea"/>
+              <a:ea typeface="+mn-ea"/>
+            </a:endParaRPr>
           </a:p>
           <a:p>
             <a:pPr algn="l"/>
@@ -10416,6 +13063,13 @@
               </a:rPr>
               <a:t>对象</a:t>
             </a:r>
+            <a:endParaRPr lang="zh-CN" altLang="en-US" sz="1800">
+              <a:solidFill>
+                <a:srgbClr val="FF0000"/>
+              </a:solidFill>
+              <a:latin typeface="+mn-ea"/>
+              <a:ea typeface="+mn-ea"/>
+            </a:endParaRPr>
           </a:p>
         </p:txBody>
       </p:sp>
@@ -10452,6 +13106,13 @@
               </a:rPr>
               <a:t>s1</a:t>
             </a:r>
+            <a:endParaRPr lang="en-US" altLang="en-US" sz="1800">
+              <a:solidFill>
+                <a:srgbClr val="FF0000"/>
+              </a:solidFill>
+              <a:latin typeface="+mn-ea"/>
+              <a:ea typeface="+mn-ea"/>
+            </a:endParaRPr>
           </a:p>
         </p:txBody>
       </p:sp>
@@ -10488,6 +13149,13 @@
               </a:rPr>
               <a:t>s2</a:t>
             </a:r>
+            <a:endParaRPr lang="en-US" altLang="en-US" sz="1800">
+              <a:solidFill>
+                <a:srgbClr val="FF0000"/>
+              </a:solidFill>
+              <a:latin typeface="+mn-ea"/>
+              <a:ea typeface="+mn-ea"/>
+            </a:endParaRPr>
           </a:p>
         </p:txBody>
       </p:sp>
@@ -10599,6 +13267,13 @@
               </a:rPr>
               <a:t>构造函数</a:t>
             </a:r>
+            <a:endParaRPr lang="zh-CN" altLang="en-US" sz="2200">
+              <a:solidFill>
+                <a:schemeClr val="tx1"/>
+              </a:solidFill>
+              <a:latin typeface="+mn-ea"/>
+              <a:ea typeface="+mn-ea"/>
+            </a:endParaRPr>
           </a:p>
         </p:txBody>
       </p:sp>
@@ -10710,6 +13385,13 @@
               </a:rPr>
               <a:t>构造函数</a:t>
             </a:r>
+            <a:endParaRPr lang="zh-CN" altLang="en-US" sz="2200">
+              <a:solidFill>
+                <a:schemeClr val="tx1"/>
+              </a:solidFill>
+              <a:latin typeface="+mn-ea"/>
+              <a:ea typeface="+mn-ea"/>
+            </a:endParaRPr>
           </a:p>
         </p:txBody>
       </p:sp>
@@ -11606,6 +14288,12 @@
               </a:rPr>
               <a:t>对象原型继承</a:t>
             </a:r>
+            <a:endParaRPr lang="zh-CN" altLang="en-US" sz="2800" b="1">
+              <a:solidFill>
+                <a:schemeClr val="tx1"/>
+              </a:solidFill>
+              <a:sym typeface="+mn-ea"/>
+            </a:endParaRPr>
           </a:p>
           <a:p>
             <a:pPr algn="l">
@@ -11651,6 +14339,12 @@
               </a:rPr>
               <a:t>类的继承</a:t>
             </a:r>
+            <a:endParaRPr lang="zh-CN" altLang="en-US" sz="2800" b="1">
+              <a:solidFill>
+                <a:schemeClr val="accent3"/>
+              </a:solidFill>
+              <a:sym typeface="+mn-ea"/>
+            </a:endParaRPr>
           </a:p>
           <a:p>
             <a:pPr algn="l">
@@ -11687,6 +14381,12 @@
               </a:rPr>
               <a:t>继承补充部分</a:t>
             </a:r>
+            <a:endParaRPr lang="zh-CN" altLang="en-US" sz="2800" b="1">
+              <a:solidFill>
+                <a:schemeClr val="tx1"/>
+              </a:solidFill>
+              <a:sym typeface="+mn-ea"/>
+            </a:endParaRPr>
           </a:p>
         </p:txBody>
       </p:sp>
@@ -12017,7 +14717,7 @@
           <p:nvPr/>
         </p:nvPicPr>
         <p:blipFill>
-          <a:blip r:embed="rId2"/>
+          <a:blip r:embed="rId1"/>
           <a:stretch>
             <a:fillRect/>
           </a:stretch>
@@ -12125,6 +14825,13 @@
               </a:rPr>
               <a:t>还是实例化的对象上？</a:t>
             </a:r>
+            <a:endParaRPr lang="zh-CN" altLang="en-US" sz="2200">
+              <a:solidFill>
+                <a:srgbClr val="FF0000"/>
+              </a:solidFill>
+              <a:latin typeface="+mn-ea"/>
+              <a:ea typeface="+mn-ea"/>
+            </a:endParaRPr>
           </a:p>
           <a:p>
             <a:pPr algn="l"/>
@@ -12640,6 +15347,12 @@
               </a:rPr>
               <a:t>原型共享问题</a:t>
             </a:r>
+            <a:endParaRPr lang="zh-CN" altLang="en-US" sz="3200" dirty="0">
+              <a:solidFill>
+                <a:schemeClr val="accent3"/>
+              </a:solidFill>
+              <a:sym typeface="+mn-ea"/>
+            </a:endParaRPr>
           </a:p>
           <a:p>
             <a:pPr marL="168275" lvl="1" indent="0">
@@ -12820,6 +15533,9 @@
             <a:avLst/>
           </a:prstGeom>
           <a:ln>
+            <a:solidFill>
+              <a:srgbClr val="C00000"/>
+            </a:solidFill>
             <a:headEnd type="none" w="med" len="med"/>
             <a:tailEnd type="none" w="med" len="med"/>
           </a:ln>
@@ -12950,6 +15666,9 @@
             <a:avLst/>
           </a:prstGeom>
           <a:ln>
+            <a:solidFill>
+              <a:srgbClr val="C00000"/>
+            </a:solidFill>
             <a:headEnd type="none" w="med" len="med"/>
             <a:tailEnd type="none" w="med" len="med"/>
           </a:ln>
@@ -13015,6 +15734,9 @@
             <a:avLst/>
           </a:prstGeom>
           <a:ln>
+            <a:solidFill>
+              <a:srgbClr val="C00000"/>
+            </a:solidFill>
             <a:headEnd type="none" w="med" len="med"/>
             <a:tailEnd type="none" w="med" len="med"/>
           </a:ln>
@@ -13149,6 +15871,13 @@
               </a:rPr>
               <a:t>function(){}</a:t>
             </a:r>
+            <a:endParaRPr lang="en-US" altLang="zh-CN" sz="2200">
+              <a:solidFill>
+                <a:schemeClr val="tx1"/>
+              </a:solidFill>
+              <a:latin typeface="+mn-ea"/>
+              <a:ea typeface="+mn-ea"/>
+            </a:endParaRPr>
           </a:p>
         </p:txBody>
       </p:sp>
@@ -13195,6 +15924,13 @@
               </a:rPr>
               <a:t>构造函数</a:t>
             </a:r>
+            <a:endParaRPr lang="zh-CN" altLang="en-US" sz="2200">
+              <a:solidFill>
+                <a:schemeClr val="tx1"/>
+              </a:solidFill>
+              <a:latin typeface="+mn-ea"/>
+              <a:ea typeface="+mn-ea"/>
+            </a:endParaRPr>
           </a:p>
         </p:txBody>
       </p:sp>
@@ -13251,6 +15987,13 @@
               </a:rPr>
               <a:t>2017001</a:t>
             </a:r>
+            <a:endParaRPr lang="en-US" altLang="zh-CN" sz="2200">
+              <a:solidFill>
+                <a:schemeClr val="tx1"/>
+              </a:solidFill>
+              <a:latin typeface="+mn-ea"/>
+              <a:ea typeface="+mn-ea"/>
+            </a:endParaRPr>
           </a:p>
         </p:txBody>
       </p:sp>
@@ -13307,6 +16050,13 @@
               </a:rPr>
               <a:t>22</a:t>
             </a:r>
+            <a:endParaRPr lang="en-US" altLang="zh-CN" sz="2200">
+              <a:solidFill>
+                <a:schemeClr val="tx1"/>
+              </a:solidFill>
+              <a:latin typeface="+mn-ea"/>
+              <a:ea typeface="+mn-ea"/>
+            </a:endParaRPr>
           </a:p>
         </p:txBody>
       </p:sp>
@@ -13363,6 +16113,13 @@
               </a:rPr>
               <a:t>2017002</a:t>
             </a:r>
+            <a:endParaRPr lang="en-US" altLang="zh-CN" sz="2200">
+              <a:solidFill>
+                <a:schemeClr val="tx1"/>
+              </a:solidFill>
+              <a:latin typeface="+mn-ea"/>
+              <a:ea typeface="+mn-ea"/>
+            </a:endParaRPr>
           </a:p>
         </p:txBody>
       </p:sp>
@@ -13419,6 +16176,13 @@
               </a:rPr>
               <a:t>23</a:t>
             </a:r>
+            <a:endParaRPr lang="en-US" altLang="zh-CN" sz="2200">
+              <a:solidFill>
+                <a:schemeClr val="tx1"/>
+              </a:solidFill>
+              <a:latin typeface="+mn-ea"/>
+              <a:ea typeface="+mn-ea"/>
+            </a:endParaRPr>
           </a:p>
         </p:txBody>
       </p:sp>
@@ -13475,6 +16239,13 @@
               </a:rPr>
               <a:t>“xxx”</a:t>
             </a:r>
+            <a:endParaRPr lang="en-US" altLang="zh-CN" sz="2200">
+              <a:solidFill>
+                <a:schemeClr val="tx1"/>
+              </a:solidFill>
+              <a:latin typeface="+mn-ea"/>
+              <a:ea typeface="+mn-ea"/>
+            </a:endParaRPr>
           </a:p>
         </p:txBody>
       </p:sp>
@@ -13531,6 +16302,13 @@
               </a:rPr>
               <a:t>“www”</a:t>
             </a:r>
+            <a:endParaRPr lang="en-US" altLang="zh-CN" sz="2200">
+              <a:solidFill>
+                <a:schemeClr val="tx1"/>
+              </a:solidFill>
+              <a:latin typeface="+mn-ea"/>
+              <a:ea typeface="+mn-ea"/>
+            </a:endParaRPr>
           </a:p>
         </p:txBody>
       </p:sp>
@@ -13611,6 +16389,13 @@
               </a:rPr>
               <a:t>s1</a:t>
             </a:r>
+            <a:endParaRPr lang="en-US" altLang="en-US" sz="1800">
+              <a:solidFill>
+                <a:srgbClr val="FF0000"/>
+              </a:solidFill>
+              <a:latin typeface="+mn-ea"/>
+              <a:ea typeface="+mn-ea"/>
+            </a:endParaRPr>
           </a:p>
         </p:txBody>
       </p:sp>
@@ -13647,6 +16432,13 @@
               </a:rPr>
               <a:t>s2</a:t>
             </a:r>
+            <a:endParaRPr lang="en-US" altLang="en-US" sz="1800">
+              <a:solidFill>
+                <a:srgbClr val="FF0000"/>
+              </a:solidFill>
+              <a:latin typeface="+mn-ea"/>
+              <a:ea typeface="+mn-ea"/>
+            </a:endParaRPr>
           </a:p>
         </p:txBody>
       </p:sp>
@@ -13730,6 +16522,9 @@
             <a:avLst/>
           </a:prstGeom>
           <a:ln>
+            <a:solidFill>
+              <a:srgbClr val="C00000"/>
+            </a:solidFill>
             <a:headEnd type="none" w="med" len="med"/>
             <a:tailEnd type="none" w="med" len="med"/>
           </a:ln>
@@ -13823,6 +16618,13 @@
               </a:rPr>
               <a:t>构造函数</a:t>
             </a:r>
+            <a:endParaRPr lang="zh-CN" altLang="en-US" sz="2200">
+              <a:solidFill>
+                <a:schemeClr val="tx1"/>
+              </a:solidFill>
+              <a:latin typeface="+mn-ea"/>
+              <a:ea typeface="+mn-ea"/>
+            </a:endParaRPr>
           </a:p>
         </p:txBody>
       </p:sp>
@@ -14019,15 +16821,14 @@
         <p:nvCxnSpPr>
           <p:cNvPr id="36" name="直接箭头连接符 35"/>
           <p:cNvCxnSpPr>
-            <a:stCxn id="32" idx="0"/>
             <a:endCxn id="22" idx="2"/>
           </p:cNvCxnSpPr>
           <p:nvPr/>
         </p:nvCxnSpPr>
         <p:spPr>
           <a:xfrm flipV="1">
-            <a:off x="5444490" y="2207260"/>
-            <a:ext cx="13970" cy="502920"/>
+            <a:off x="5458460" y="2207260"/>
+            <a:ext cx="0" cy="502920"/>
           </a:xfrm>
           <a:prstGeom prst="straightConnector1">
             <a:avLst/>
@@ -14055,7 +16856,7 @@
         <p:spPr>
           <a:xfrm>
             <a:off x="3764280" y="2765425"/>
-            <a:ext cx="3498850" cy="429895"/>
+            <a:ext cx="2895600" cy="429895"/>
           </a:xfrm>
           <a:prstGeom prst="rect">
             <a:avLst/>
@@ -14079,6 +16880,13 @@
               </a:rPr>
               <a:t>没有自身属性和方法</a:t>
             </a:r>
+            <a:endParaRPr lang="zh-CN" sz="2200">
+              <a:solidFill>
+                <a:schemeClr val="tx1"/>
+              </a:solidFill>
+              <a:latin typeface="+mn-ea"/>
+              <a:ea typeface="+mn-ea"/>
+            </a:endParaRPr>
           </a:p>
         </p:txBody>
       </p:sp>
@@ -14180,30 +16988,21 @@
                             </p:childTnLst>
                           </p:cTn>
                         </p:par>
-                      </p:childTnLst>
-                    </p:cTn>
-                  </p:par>
-                  <p:par>
-                    <p:cTn id="11" fill="hold">
-                      <p:stCondLst>
-                        <p:cond delay="indefinite"/>
-                      </p:stCondLst>
-                      <p:childTnLst>
                         <p:par>
-                          <p:cTn id="12" fill="hold">
+                          <p:cTn id="11" fill="hold">
                             <p:stCondLst>
-                              <p:cond delay="0"/>
+                              <p:cond delay="500"/>
                             </p:stCondLst>
                             <p:childTnLst>
                               <p:par>
-                                <p:cTn id="13" presetID="3" presetClass="entr" presetSubtype="10" fill="hold" nodeType="clickEffect">
+                                <p:cTn id="12" presetID="3" presetClass="entr" presetSubtype="10" fill="hold" nodeType="afterEffect">
                                   <p:stCondLst>
                                     <p:cond delay="0"/>
                                   </p:stCondLst>
                                   <p:childTnLst>
                                     <p:set>
                                       <p:cBhvr>
-                                        <p:cTn id="14" dur="1" fill="hold">
+                                        <p:cTn id="13" dur="1" fill="hold">
                                           <p:stCondLst>
                                             <p:cond delay="0"/>
                                           </p:stCondLst>
@@ -14221,7 +17020,7 @@
                                     </p:set>
                                     <p:animEffect transition="in" filter="blinds(horizontal)">
                                       <p:cBhvr>
-                                        <p:cTn id="15" dur="500"/>
+                                        <p:cTn id="14" dur="500"/>
                                         <p:tgtEl>
                                           <p:spTgt spid="9"/>
                                         </p:tgtEl>
@@ -14231,14 +17030,14 @@
                                 </p:cTn>
                               </p:par>
                               <p:par>
-                                <p:cTn id="16" presetID="3" presetClass="entr" presetSubtype="10" fill="hold" nodeType="withEffect">
+                                <p:cTn id="15" presetID="3" presetClass="entr" presetSubtype="10" fill="hold" nodeType="withEffect">
                                   <p:stCondLst>
                                     <p:cond delay="0"/>
                                   </p:stCondLst>
                                   <p:childTnLst>
                                     <p:set>
                                       <p:cBhvr>
-                                        <p:cTn id="17" dur="1" fill="hold">
+                                        <p:cTn id="16" dur="1" fill="hold">
                                           <p:stCondLst>
                                             <p:cond delay="0"/>
                                           </p:stCondLst>
@@ -14256,7 +17055,7 @@
                                     </p:set>
                                     <p:animEffect transition="in" filter="blinds(horizontal)">
                                       <p:cBhvr>
-                                        <p:cTn id="18" dur="500"/>
+                                        <p:cTn id="17" dur="500"/>
                                         <p:tgtEl>
                                           <p:spTgt spid="10"/>
                                         </p:tgtEl>
@@ -14272,26 +17071,26 @@
                     </p:cTn>
                   </p:par>
                   <p:par>
-                    <p:cTn id="19" fill="hold">
+                    <p:cTn id="18" fill="hold">
                       <p:stCondLst>
                         <p:cond delay="indefinite"/>
                       </p:stCondLst>
                       <p:childTnLst>
                         <p:par>
-                          <p:cTn id="20" fill="hold">
+                          <p:cTn id="19" fill="hold">
                             <p:stCondLst>
                               <p:cond delay="0"/>
                             </p:stCondLst>
                             <p:childTnLst>
                               <p:par>
-                                <p:cTn id="21" presetID="2" presetClass="entr" presetSubtype="4" fill="hold" grpId="0" nodeType="clickEffect">
+                                <p:cTn id="20" presetID="2" presetClass="entr" presetSubtype="4" fill="hold" grpId="0" nodeType="clickEffect">
                                   <p:stCondLst>
                                     <p:cond delay="0"/>
                                   </p:stCondLst>
                                   <p:childTnLst>
                                     <p:set>
                                       <p:cBhvr>
-                                        <p:cTn id="22" dur="1" fill="hold">
+                                        <p:cTn id="21" dur="1" fill="hold">
                                           <p:stCondLst>
                                             <p:cond delay="0"/>
                                           </p:stCondLst>
@@ -14309,7 +17108,7 @@
                                     </p:set>
                                     <p:anim calcmode="lin" valueType="num">
                                       <p:cBhvr additive="base">
-                                        <p:cTn id="23" dur="500" fill="hold"/>
+                                        <p:cTn id="22" dur="500" fill="hold"/>
                                         <p:tgtEl>
                                           <p:spTgt spid="6"/>
                                         </p:tgtEl>
@@ -14332,7 +17131,7 @@
                                     </p:anim>
                                     <p:anim calcmode="lin" valueType="num">
                                       <p:cBhvr additive="base">
-                                        <p:cTn id="24" dur="500" fill="hold"/>
+                                        <p:cTn id="23" dur="500" fill="hold"/>
                                         <p:tgtEl>
                                           <p:spTgt spid="6"/>
                                         </p:tgtEl>
@@ -14559,7 +17358,7 @@
           <p:nvPr/>
         </p:nvPicPr>
         <p:blipFill>
-          <a:blip r:embed="rId2"/>
+          <a:blip r:embed="rId1"/>
           <a:stretch>
             <a:fillRect/>
           </a:stretch>
@@ -14607,6 +17406,13 @@
               </a:rPr>
               <a:t>如果不把</a:t>
             </a:r>
+            <a:endParaRPr lang="zh-CN" sz="2200">
+              <a:solidFill>
+                <a:srgbClr val="FF0000"/>
+              </a:solidFill>
+              <a:latin typeface="+mn-ea"/>
+              <a:ea typeface="+mn-ea"/>
+            </a:endParaRPr>
           </a:p>
           <a:p>
             <a:pPr algn="l"/>
@@ -14620,6 +17426,13 @@
               </a:rPr>
               <a:t>Student.prototype.constructor</a:t>
             </a:r>
+            <a:endParaRPr lang="en-US" altLang="zh-CN" sz="2200">
+              <a:solidFill>
+                <a:srgbClr val="FF0000"/>
+              </a:solidFill>
+              <a:latin typeface="+mn-ea"/>
+              <a:ea typeface="+mn-ea"/>
+            </a:endParaRPr>
           </a:p>
           <a:p>
             <a:pPr algn="l"/>
@@ -14653,6 +17466,13 @@
               </a:rPr>
               <a:t>，那它将指向谁？</a:t>
             </a:r>
+            <a:endParaRPr lang="zh-CN" altLang="en-US" sz="2200">
+              <a:solidFill>
+                <a:srgbClr val="FF0000"/>
+              </a:solidFill>
+              <a:latin typeface="+mn-ea"/>
+              <a:ea typeface="+mn-ea"/>
+            </a:endParaRPr>
           </a:p>
         </p:txBody>
       </p:sp>
@@ -15287,10 +18107,9 @@
       </a:lstStyle>
     </a:lnDef>
   </a:objectDefaults>
-  <a:extraClrSchemeLst/>
   <a:extLst>
     <a:ext uri="{05A4C25C-085E-4340-85A3-A5531E510DB2}">
-      <thm15:themeFamily xmlns="" xmlns:thm15="http://schemas.microsoft.com/office/thememl/2012/main" name="Office Theme" id="{62F939B6-93AF-4DB8-9C6B-D6C7DFDC589F}" vid="{4A3C46E8-61CC-4603-A589-7422A47A8E4A}"/>
+      <thm15:themeFamily xmlns:thm15="http://schemas.microsoft.com/office/thememl/2012/main" name="Office Theme" id="{62F939B6-93AF-4DB8-9C6B-D6C7DFDC589F}" vid="{4A3C46E8-61CC-4603-A589-7422A47A8E4A}"/>
     </a:ext>
   </a:extLst>
 </a:theme>
@@ -15574,11 +18393,9 @@
       </a:bgFillStyleLst>
     </a:fmtScheme>
   </a:themeElements>
-  <a:objectDefaults/>
-  <a:extraClrSchemeLst/>
   <a:extLst>
     <a:ext uri="{05A4C25C-085E-4340-85A3-A5531E510DB2}">
-      <thm15:themeFamily xmlns="" xmlns:thm15="http://schemas.microsoft.com/office/thememl/2012/main" name="Office Theme" id="{62F939B6-93AF-4DB8-9C6B-D6C7DFDC589F}" vid="{4A3C46E8-61CC-4603-A589-7422A47A8E4A}"/>
+      <thm15:themeFamily xmlns:thm15="http://schemas.microsoft.com/office/thememl/2012/main" name="Office Theme" id="{62F939B6-93AF-4DB8-9C6B-D6C7DFDC589F}" vid="{4A3C46E8-61CC-4603-A589-7422A47A8E4A}"/>
     </a:ext>
   </a:extLst>
 </a:theme>

--- a/课程PPT/17.深入理解JS的继承方式.pptx
+++ b/课程PPT/17.深入理解JS的继承方式.pptx
@@ -4332,6 +4332,9 @@
             <a:avLst/>
           </a:prstGeom>
           <a:ln>
+            <a:solidFill>
+              <a:schemeClr val="tx2"/>
+            </a:solidFill>
             <a:headEnd type="none" w="med" len="med"/>
             <a:tailEnd type="none" w="med" len="med"/>
           </a:ln>
@@ -4529,8 +4532,8 @@
         </p:nvCxnSpPr>
         <p:spPr>
           <a:xfrm rot="16200000">
-            <a:off x="2980690" y="3505835"/>
-            <a:ext cx="866775" cy="675005"/>
+            <a:off x="3016568" y="3541713"/>
+            <a:ext cx="795020" cy="675005"/>
           </a:xfrm>
           <a:prstGeom prst="bentConnector2">
             <a:avLst/>
@@ -5193,6 +5196,9 @@
             <a:avLst/>
           </a:prstGeom>
           <a:ln>
+            <a:solidFill>
+              <a:schemeClr val="tx2"/>
+            </a:solidFill>
             <a:headEnd type="none" w="med" len="med"/>
             <a:tailEnd type="none" w="med" len="med"/>
           </a:ln>
@@ -5251,7 +5257,7 @@
         </p:nvSpPr>
         <p:spPr>
           <a:xfrm>
-            <a:off x="3751580" y="3140710"/>
+            <a:off x="3751580" y="3212465"/>
             <a:ext cx="3385185" cy="538480"/>
           </a:xfrm>
           <a:prstGeom prst="flowChartProcess">
@@ -5486,7 +5492,7 @@
         </p:nvSpPr>
         <p:spPr>
           <a:xfrm>
-            <a:off x="2519045" y="2772410"/>
+            <a:off x="2295525" y="2844165"/>
             <a:ext cx="2287905" cy="368300"/>
           </a:xfrm>
           <a:prstGeom prst="rect">
@@ -5533,8 +5539,8 @@
         </p:nvCxnSpPr>
         <p:spPr>
           <a:xfrm rot="16200000" flipV="1">
-            <a:off x="7068503" y="3478213"/>
-            <a:ext cx="867410" cy="730885"/>
+            <a:off x="7104380" y="3514090"/>
+            <a:ext cx="795655" cy="730885"/>
           </a:xfrm>
           <a:prstGeom prst="bentConnector2">
             <a:avLst/>
@@ -5561,8 +5567,8 @@
         </p:nvSpPr>
         <p:spPr>
           <a:xfrm>
-            <a:off x="4839970" y="2513330"/>
-            <a:ext cx="1212215" cy="321310"/>
+            <a:off x="3764280" y="2513330"/>
+            <a:ext cx="3514725" cy="321310"/>
           </a:xfrm>
           <a:prstGeom prst="flowChartProcess">
             <a:avLst/>
@@ -5630,7 +5636,7 @@
         </p:nvCxnSpPr>
         <p:spPr>
           <a:xfrm flipV="1">
-            <a:off x="5444490" y="2834640"/>
+            <a:off x="5444490" y="2906395"/>
             <a:ext cx="0" cy="306070"/>
           </a:xfrm>
           <a:prstGeom prst="straightConnector1">
@@ -5658,7 +5664,7 @@
         </p:nvSpPr>
         <p:spPr>
           <a:xfrm>
-            <a:off x="4046220" y="3194685"/>
+            <a:off x="4046220" y="3266440"/>
             <a:ext cx="2795270" cy="429895"/>
           </a:xfrm>
           <a:prstGeom prst="rect">
@@ -5721,6 +5727,134 @@
           </a:ln>
         </p:spPr>
       </p:cxnSp>
+      <p:sp>
+        <p:nvSpPr>
+          <p:cNvPr id="18" name="文本框 17"/>
+          <p:cNvSpPr txBox="1"/>
+          <p:nvPr/>
+        </p:nvSpPr>
+        <p:spPr>
+          <a:xfrm>
+            <a:off x="1022350" y="1674495"/>
+            <a:ext cx="1775460" cy="1014730"/>
+          </a:xfrm>
+          <a:prstGeom prst="rect">
+            <a:avLst/>
+          </a:prstGeom>
+          <a:noFill/>
+        </p:spPr>
+        <p:txBody>
+          <a:bodyPr wrap="square" rtlCol="0">
+            <a:spAutoFit/>
+          </a:bodyPr>
+          <a:p>
+            <a:pPr algn="l"/>
+            <a:r>
+              <a:rPr lang="zh-CN" sz="2000">
+                <a:solidFill>
+                  <a:schemeClr val="accent3">
+                    <a:lumMod val="75000"/>
+                  </a:schemeClr>
+                </a:solidFill>
+                <a:latin typeface="+mn-ea"/>
+                <a:ea typeface="+mn-ea"/>
+              </a:rPr>
+              <a:t>红色框为对象</a:t>
+            </a:r>
+            <a:endParaRPr lang="zh-CN" sz="2000">
+              <a:solidFill>
+                <a:schemeClr val="accent3">
+                  <a:lumMod val="75000"/>
+                </a:schemeClr>
+              </a:solidFill>
+              <a:latin typeface="+mn-ea"/>
+              <a:ea typeface="+mn-ea"/>
+            </a:endParaRPr>
+          </a:p>
+          <a:p>
+            <a:pPr algn="l"/>
+            <a:r>
+              <a:rPr lang="zh-CN" sz="2000">
+                <a:solidFill>
+                  <a:schemeClr val="tx2"/>
+                </a:solidFill>
+                <a:latin typeface="+mn-ea"/>
+                <a:ea typeface="+mn-ea"/>
+              </a:rPr>
+              <a:t>绿色框为构造函数（类）</a:t>
+            </a:r>
+            <a:endParaRPr lang="zh-CN" sz="2000">
+              <a:solidFill>
+                <a:schemeClr val="tx2"/>
+              </a:solidFill>
+              <a:latin typeface="+mn-ea"/>
+              <a:ea typeface="+mn-ea"/>
+            </a:endParaRPr>
+          </a:p>
+        </p:txBody>
+      </p:sp>
+      <p:sp>
+        <p:nvSpPr>
+          <p:cNvPr id="20" name="文本框 19"/>
+          <p:cNvSpPr txBox="1"/>
+          <p:nvPr/>
+        </p:nvSpPr>
+        <p:spPr>
+          <a:xfrm>
+            <a:off x="4067810" y="2513330"/>
+            <a:ext cx="2895600" cy="337185"/>
+          </a:xfrm>
+          <a:prstGeom prst="rect">
+            <a:avLst/>
+          </a:prstGeom>
+          <a:noFill/>
+        </p:spPr>
+        <p:txBody>
+          <a:bodyPr wrap="square" rtlCol="0">
+            <a:spAutoFit/>
+          </a:bodyPr>
+          <a:p>
+            <a:pPr algn="l"/>
+            <a:r>
+              <a:rPr lang="zh-CN" sz="1600">
+                <a:solidFill>
+                  <a:schemeClr val="tx1"/>
+                </a:solidFill>
+                <a:latin typeface="+mn-ea"/>
+                <a:ea typeface="+mn-ea"/>
+              </a:rPr>
+              <a:t>没有自身属性的</a:t>
+            </a:r>
+            <a:r>
+              <a:rPr lang="en-US" altLang="zh-CN" sz="1600">
+                <a:solidFill>
+                  <a:schemeClr val="tx1"/>
+                </a:solidFill>
+                <a:latin typeface="+mn-ea"/>
+                <a:ea typeface="+mn-ea"/>
+              </a:rPr>
+              <a:t>Person</a:t>
+            </a:r>
+            <a:r>
+              <a:rPr lang="zh-CN" altLang="en-US" sz="1600">
+                <a:solidFill>
+                  <a:schemeClr val="tx1"/>
+                </a:solidFill>
+                <a:latin typeface="+mn-ea"/>
+                <a:ea typeface="+mn-ea"/>
+              </a:rPr>
+              <a:t>对象</a:t>
+            </a:r>
+            <a:endParaRPr lang="zh-CN" altLang="en-US" sz="1600">
+              <a:solidFill>
+                <a:schemeClr val="tx1"/>
+              </a:solidFill>
+              <a:latin typeface="+mn-ea"/>
+              <a:ea typeface="+mn-ea"/>
+            </a:endParaRPr>
+          </a:p>
+        </p:txBody>
+      </p:sp>
     </p:spTree>
   </p:cSld>
   <p:clrMapOvr>
@@ -11868,7 +12002,7 @@
               <a:rPr kumimoji="0" lang="zh-CN" altLang="en-US" dirty="0">
                 <a:sym typeface="+mn-ea"/>
               </a:rPr>
-              <a:t>JS原型继承的方式及其优缺点</a:t>
+              <a:t>JS原型继承的方式及其缺点</a:t>
             </a:r>
             <a:endParaRPr lang="zh-CN" altLang="en-US" dirty="0" smtClean="0">
               <a:sym typeface="+mn-ea"/>
@@ -13174,6 +13308,9 @@
             <a:avLst/>
           </a:prstGeom>
           <a:ln>
+            <a:solidFill>
+              <a:schemeClr val="tx2"/>
+            </a:solidFill>
             <a:headEnd type="none" w="med" len="med"/>
             <a:tailEnd type="none" w="med" len="med"/>
           </a:ln>
@@ -13292,6 +13429,9 @@
             <a:avLst/>
           </a:prstGeom>
           <a:ln>
+            <a:solidFill>
+              <a:schemeClr val="tx2"/>
+            </a:solidFill>
             <a:headEnd type="none" w="med" len="med"/>
             <a:tailEnd type="none" w="med" len="med"/>
           </a:ln>
@@ -13486,6 +13626,72 @@
           </a:ln>
         </p:spPr>
       </p:cxnSp>
+      <p:sp>
+        <p:nvSpPr>
+          <p:cNvPr id="4" name="文本框 3"/>
+          <p:cNvSpPr txBox="1"/>
+          <p:nvPr/>
+        </p:nvSpPr>
+        <p:spPr>
+          <a:xfrm>
+            <a:off x="1022350" y="1674495"/>
+            <a:ext cx="1775460" cy="1014730"/>
+          </a:xfrm>
+          <a:prstGeom prst="rect">
+            <a:avLst/>
+          </a:prstGeom>
+          <a:noFill/>
+        </p:spPr>
+        <p:txBody>
+          <a:bodyPr wrap="square" rtlCol="0">
+            <a:spAutoFit/>
+          </a:bodyPr>
+          <a:p>
+            <a:pPr algn="l"/>
+            <a:r>
+              <a:rPr lang="zh-CN" sz="2000">
+                <a:solidFill>
+                  <a:schemeClr val="accent3">
+                    <a:lumMod val="75000"/>
+                  </a:schemeClr>
+                </a:solidFill>
+                <a:latin typeface="+mn-ea"/>
+                <a:ea typeface="+mn-ea"/>
+              </a:rPr>
+              <a:t>红色框为对象</a:t>
+            </a:r>
+            <a:endParaRPr lang="zh-CN" sz="2000">
+              <a:solidFill>
+                <a:schemeClr val="accent3">
+                  <a:lumMod val="75000"/>
+                </a:schemeClr>
+              </a:solidFill>
+              <a:latin typeface="+mn-ea"/>
+              <a:ea typeface="+mn-ea"/>
+            </a:endParaRPr>
+          </a:p>
+          <a:p>
+            <a:pPr algn="l"/>
+            <a:r>
+              <a:rPr lang="zh-CN" sz="2000">
+                <a:solidFill>
+                  <a:schemeClr val="tx2"/>
+                </a:solidFill>
+                <a:latin typeface="+mn-ea"/>
+                <a:ea typeface="+mn-ea"/>
+              </a:rPr>
+              <a:t>绿色框为构造函数（类）</a:t>
+            </a:r>
+            <a:endParaRPr lang="zh-CN" sz="2000">
+              <a:solidFill>
+                <a:schemeClr val="tx2"/>
+              </a:solidFill>
+              <a:latin typeface="+mn-ea"/>
+              <a:ea typeface="+mn-ea"/>
+            </a:endParaRPr>
+          </a:p>
+        </p:txBody>
+      </p:sp>
     </p:spTree>
   </p:cSld>
   <p:clrMapOvr>
@@ -14685,7 +14891,7 @@
                 </a:solidFill>
                 <a:sym typeface="+mn-ea"/>
               </a:rPr>
-              <a:t>类继承的形式 一 （避免原型共享）</a:t>
+              <a:t>类继承的形式 一 </a:t>
             </a:r>
             <a:endParaRPr kumimoji="0" lang="en-US" altLang="zh-CN" b="0" dirty="0" smtClean="0">
               <a:solidFill>
@@ -15601,6 +15807,9 @@
             <a:avLst/>
           </a:prstGeom>
           <a:ln>
+            <a:solidFill>
+              <a:schemeClr val="tx2"/>
+            </a:solidFill>
             <a:headEnd type="none" w="med" len="med"/>
             <a:tailEnd type="none" w="med" len="med"/>
           </a:ln>
@@ -16457,6 +16666,9 @@
             <a:avLst/>
           </a:prstGeom>
           <a:ln>
+            <a:solidFill>
+              <a:schemeClr val="tx2"/>
+            </a:solidFill>
             <a:headEnd type="none" w="med" len="med"/>
             <a:tailEnd type="none" w="med" len="med"/>
           </a:ln>
@@ -16883,6 +17095,72 @@
             <a:endParaRPr lang="zh-CN" sz="2200">
               <a:solidFill>
                 <a:schemeClr val="tx1"/>
+              </a:solidFill>
+              <a:latin typeface="+mn-ea"/>
+              <a:ea typeface="+mn-ea"/>
+            </a:endParaRPr>
+          </a:p>
+        </p:txBody>
+      </p:sp>
+      <p:sp>
+        <p:nvSpPr>
+          <p:cNvPr id="16" name="文本框 15"/>
+          <p:cNvSpPr txBox="1"/>
+          <p:nvPr/>
+        </p:nvSpPr>
+        <p:spPr>
+          <a:xfrm>
+            <a:off x="1022350" y="1674495"/>
+            <a:ext cx="1775460" cy="1014730"/>
+          </a:xfrm>
+          <a:prstGeom prst="rect">
+            <a:avLst/>
+          </a:prstGeom>
+          <a:noFill/>
+        </p:spPr>
+        <p:txBody>
+          <a:bodyPr wrap="square" rtlCol="0">
+            <a:spAutoFit/>
+          </a:bodyPr>
+          <a:p>
+            <a:pPr algn="l"/>
+            <a:r>
+              <a:rPr lang="zh-CN" sz="2000">
+                <a:solidFill>
+                  <a:schemeClr val="accent3">
+                    <a:lumMod val="75000"/>
+                  </a:schemeClr>
+                </a:solidFill>
+                <a:latin typeface="+mn-ea"/>
+                <a:ea typeface="+mn-ea"/>
+              </a:rPr>
+              <a:t>红色框为对象</a:t>
+            </a:r>
+            <a:endParaRPr lang="zh-CN" sz="2000">
+              <a:solidFill>
+                <a:schemeClr val="accent3">
+                  <a:lumMod val="75000"/>
+                </a:schemeClr>
+              </a:solidFill>
+              <a:latin typeface="+mn-ea"/>
+              <a:ea typeface="+mn-ea"/>
+            </a:endParaRPr>
+          </a:p>
+          <a:p>
+            <a:pPr algn="l"/>
+            <a:r>
+              <a:rPr lang="zh-CN" sz="2000">
+                <a:solidFill>
+                  <a:schemeClr val="tx2"/>
+                </a:solidFill>
+                <a:latin typeface="+mn-ea"/>
+                <a:ea typeface="+mn-ea"/>
+              </a:rPr>
+              <a:t>绿色框为构造函数（类）</a:t>
+            </a:r>
+            <a:endParaRPr lang="zh-CN" sz="2000">
+              <a:solidFill>
+                <a:schemeClr val="tx2"/>
               </a:solidFill>
               <a:latin typeface="+mn-ea"/>
               <a:ea typeface="+mn-ea"/>
@@ -17251,7 +17529,7 @@
                 </a:solidFill>
                 <a:sym typeface="+mn-ea"/>
               </a:rPr>
-              <a:t>类继承的形式 二 （避免原型共享）</a:t>
+              <a:t>类继承的形式 二 </a:t>
             </a:r>
             <a:endParaRPr kumimoji="0" lang="en-US" altLang="zh-CN" b="0" dirty="0" smtClean="0">
               <a:solidFill>

--- a/课程PPT/17.深入理解JS的继承方式.pptx
+++ b/课程PPT/17.深入理解JS的继承方式.pptx
@@ -17,7 +17,7 @@
     <p:sldId id="1191" r:id="rId10"/>
     <p:sldId id="1292" r:id="rId11"/>
     <p:sldId id="1273" r:id="rId12"/>
-    <p:sldId id="1305" r:id="rId13"/>
+    <p:sldId id="1306" r:id="rId13"/>
     <p:sldId id="1278" r:id="rId14"/>
     <p:sldId id="1203" r:id="rId15"/>
     <p:sldId id="1285" r:id="rId16"/>
@@ -4251,13 +4251,94 @@
       </p:sp>
       <p:sp>
         <p:nvSpPr>
+          <p:cNvPr id="6" name="文本框 5"/>
+          <p:cNvSpPr txBox="1"/>
+          <p:nvPr/>
+        </p:nvSpPr>
+        <p:spPr>
+          <a:xfrm>
+            <a:off x="5971540" y="6037580"/>
+            <a:ext cx="5617845" cy="429895"/>
+          </a:xfrm>
+          <a:prstGeom prst="rect">
+            <a:avLst/>
+          </a:prstGeom>
+          <a:noFill/>
+        </p:spPr>
+        <p:txBody>
+          <a:bodyPr wrap="square" rtlCol="0">
+            <a:spAutoFit/>
+          </a:bodyPr>
+          <a:lstStyle/>
+          <a:p>
+            <a:pPr algn="l"/>
+            <a:r>
+              <a:rPr lang="zh-CN" altLang="en-US" sz="2200">
+                <a:solidFill>
+                  <a:srgbClr val="FF0000"/>
+                </a:solidFill>
+                <a:latin typeface="+mn-ea"/>
+                <a:ea typeface="+mn-ea"/>
+              </a:rPr>
+              <a:t>参见实例</a:t>
+            </a:r>
+            <a:r>
+              <a:rPr lang="en-US" altLang="zh-CN" sz="2200">
+                <a:solidFill>
+                  <a:srgbClr val="FF0000"/>
+                </a:solidFill>
+                <a:latin typeface="+mn-ea"/>
+                <a:ea typeface="+mn-ea"/>
+              </a:rPr>
+              <a:t>demo08 </a:t>
+            </a:r>
+            <a:r>
+              <a:rPr lang="zh-CN" altLang="en-US" sz="2200" dirty="0">
+                <a:solidFill>
+                  <a:srgbClr val="FF0000"/>
+                </a:solidFill>
+                <a:sym typeface="+mn-ea"/>
+              </a:rPr>
+              <a:t>原型继承的</a:t>
+            </a:r>
+            <a:r>
+              <a:rPr lang="zh-CN" altLang="en-US" sz="2200" dirty="0">
+                <a:solidFill>
+                  <a:schemeClr val="accent3"/>
+                </a:solidFill>
+                <a:sym typeface="+mn-ea"/>
+              </a:rPr>
+              <a:t>原型共享问题</a:t>
+            </a:r>
+            <a:r>
+              <a:rPr lang="en-US" altLang="zh-CN" sz="2200">
+                <a:solidFill>
+                  <a:srgbClr val="FF0000"/>
+                </a:solidFill>
+                <a:latin typeface="+mn-ea"/>
+                <a:ea typeface="+mn-ea"/>
+              </a:rPr>
+              <a:t> </a:t>
+            </a:r>
+            <a:endParaRPr lang="zh-CN" altLang="en-US" sz="2200">
+              <a:solidFill>
+                <a:srgbClr val="FF0000"/>
+              </a:solidFill>
+              <a:latin typeface="+mn-ea"/>
+              <a:ea typeface="+mn-ea"/>
+            </a:endParaRPr>
+          </a:p>
+        </p:txBody>
+      </p:sp>
+      <p:sp>
+        <p:nvSpPr>
           <p:cNvPr id="11" name="流程图: 过程 10"/>
           <p:cNvSpPr/>
           <p:nvPr/>
         </p:nvSpPr>
         <p:spPr>
           <a:xfrm>
-            <a:off x="3752215" y="1793875"/>
+            <a:off x="3768090" y="1793875"/>
             <a:ext cx="3385185" cy="412750"/>
           </a:xfrm>
           <a:prstGeom prst="flowChartProcess">
@@ -4532,8 +4613,8 @@
         </p:nvCxnSpPr>
         <p:spPr>
           <a:xfrm rot="16200000">
-            <a:off x="3016568" y="3541713"/>
-            <a:ext cx="795020" cy="675005"/>
+            <a:off x="2764790" y="3290570"/>
+            <a:ext cx="1297305" cy="675005"/>
           </a:xfrm>
           <a:prstGeom prst="bentConnector2">
             <a:avLst/>
@@ -4561,17 +4642,12 @@
         <p:spPr>
           <a:xfrm>
             <a:off x="3709035" y="1777365"/>
-            <a:ext cx="3569970" cy="429895"/>
+            <a:ext cx="3498850" cy="429895"/>
           </a:xfrm>
           <a:prstGeom prst="rect">
             <a:avLst/>
           </a:prstGeom>
           <a:noFill/>
-          <a:ln>
-            <a:solidFill>
-              <a:schemeClr val="tx1"/>
-            </a:solidFill>
-          </a:ln>
         </p:spPr>
         <p:txBody>
           <a:bodyPr wrap="square" rtlCol="0">
@@ -5257,7 +5333,7 @@
         </p:nvSpPr>
         <p:spPr>
           <a:xfrm>
-            <a:off x="3751580" y="3212465"/>
+            <a:off x="3751580" y="2710180"/>
             <a:ext cx="3385185" cy="538480"/>
           </a:xfrm>
           <a:prstGeom prst="flowChartProcess">
@@ -5492,7 +5568,7 @@
         </p:nvSpPr>
         <p:spPr>
           <a:xfrm>
-            <a:off x="2295525" y="2844165"/>
+            <a:off x="3302000" y="2341880"/>
             <a:ext cx="2287905" cy="368300"/>
           </a:xfrm>
           <a:prstGeom prst="rect">
@@ -5539,8 +5615,8 @@
         </p:nvCxnSpPr>
         <p:spPr>
           <a:xfrm rot="16200000" flipV="1">
-            <a:off x="7104380" y="3514090"/>
-            <a:ext cx="795655" cy="730885"/>
+            <a:off x="6852920" y="3263265"/>
+            <a:ext cx="1297940" cy="730885"/>
           </a:xfrm>
           <a:prstGeom prst="bentConnector2">
             <a:avLst/>
@@ -5559,85 +5635,18 @@
           </a:ln>
         </p:spPr>
       </p:cxnSp>
-      <p:sp>
-        <p:nvSpPr>
-          <p:cNvPr id="12" name="流程图: 过程 11"/>
-          <p:cNvSpPr/>
-          <p:nvPr/>
-        </p:nvSpPr>
-        <p:spPr>
-          <a:xfrm>
-            <a:off x="3764280" y="2513330"/>
-            <a:ext cx="3514725" cy="321310"/>
-          </a:xfrm>
-          <a:prstGeom prst="flowChartProcess">
-            <a:avLst/>
-          </a:prstGeom>
-          <a:ln>
-            <a:solidFill>
-              <a:srgbClr val="C00000"/>
-            </a:solidFill>
-            <a:headEnd type="none" w="med" len="med"/>
-            <a:tailEnd type="none" w="med" len="med"/>
-          </a:ln>
-        </p:spPr>
-        <p:style>
-          <a:lnRef idx="2">
-            <a:schemeClr val="accent4"/>
-          </a:lnRef>
-          <a:fillRef idx="1">
-            <a:schemeClr val="lt1"/>
-          </a:fillRef>
-          <a:effectRef idx="0">
-            <a:schemeClr val="accent4"/>
-          </a:effectRef>
-          <a:fontRef idx="minor">
-            <a:schemeClr val="dk1"/>
-          </a:fontRef>
-        </p:style>
-        <p:txBody>
-          <a:bodyPr vert="horz" wrap="square" lIns="91440" tIns="45720" rIns="91440" bIns="45720" numCol="1" anchor="t" anchorCtr="0" compatLnSpc="1"/>
-          <a:p>
-            <a:pPr marL="0" marR="0" indent="0" algn="l" defTabSz="914400" rtl="0" eaLnBrk="0" fontAlgn="base" latinLnBrk="0" hangingPunct="0">
-              <a:lnSpc>
-                <a:spcPct val="100000"/>
-              </a:lnSpc>
-              <a:spcBef>
-                <a:spcPct val="0"/>
-              </a:spcBef>
-              <a:spcAft>
-                <a:spcPct val="0"/>
-              </a:spcAft>
-              <a:buClrTx/>
-              <a:buSzTx/>
-              <a:buFontTx/>
-              <a:buNone/>
-            </a:pPr>
-            <a:endParaRPr kumimoji="0" lang="zh-CN" altLang="en-US" sz="3200" b="0" i="0" u="none" strike="noStrike" cap="none" normalizeH="0" baseline="0" smtClean="0">
-              <a:ln>
-                <a:noFill/>
-              </a:ln>
-              <a:solidFill>
-                <a:schemeClr val="tx1"/>
-              </a:solidFill>
-              <a:effectLst/>
-              <a:latin typeface="Arial" panose="020B0604020202020204" pitchFamily="34" charset="0"/>
-            </a:endParaRPr>
-          </a:p>
-        </p:txBody>
-      </p:sp>
       <p:cxnSp>
         <p:nvCxnSpPr>
           <p:cNvPr id="36" name="直接箭头连接符 35"/>
           <p:cNvCxnSpPr>
-            <a:stCxn id="32" idx="0"/>
+            <a:endCxn id="22" idx="2"/>
           </p:cNvCxnSpPr>
           <p:nvPr/>
         </p:nvCxnSpPr>
         <p:spPr>
           <a:xfrm flipV="1">
-            <a:off x="5444490" y="2906395"/>
-            <a:ext cx="0" cy="306070"/>
+            <a:off x="5458460" y="2207260"/>
+            <a:ext cx="0" cy="502920"/>
           </a:xfrm>
           <a:prstGeom prst="straightConnector1">
             <a:avLst/>
@@ -5664,8 +5673,8 @@
         </p:nvSpPr>
         <p:spPr>
           <a:xfrm>
-            <a:off x="4046220" y="3266440"/>
-            <a:ext cx="2795270" cy="429895"/>
+            <a:off x="3764280" y="2765425"/>
+            <a:ext cx="2895600" cy="429895"/>
           </a:xfrm>
           <a:prstGeom prst="rect">
             <a:avLst/>
@@ -5699,37 +5708,9 @@
           </a:p>
         </p:txBody>
       </p:sp>
-      <p:cxnSp>
-        <p:nvCxnSpPr>
-          <p:cNvPr id="16" name="直接箭头连接符 15"/>
-          <p:cNvCxnSpPr/>
-          <p:nvPr/>
-        </p:nvCxnSpPr>
-        <p:spPr>
-          <a:xfrm flipV="1">
-            <a:off x="5461000" y="2206625"/>
-            <a:ext cx="0" cy="306705"/>
-          </a:xfrm>
-          <a:prstGeom prst="straightConnector1">
-            <a:avLst/>
-          </a:prstGeom>
-          <a:solidFill>
-            <a:schemeClr val="accent1"/>
-          </a:solidFill>
-          <a:ln w="9525" cap="flat" cmpd="sng" algn="ctr">
-            <a:solidFill>
-              <a:schemeClr val="tx1"/>
-            </a:solidFill>
-            <a:prstDash val="solid"/>
-            <a:round/>
-            <a:headEnd type="none" w="med" len="med"/>
-            <a:tailEnd type="arrow" w="med" len="med"/>
-          </a:ln>
-        </p:spPr>
-      </p:cxnSp>
       <p:sp>
         <p:nvSpPr>
-          <p:cNvPr id="18" name="文本框 17"/>
+          <p:cNvPr id="16" name="文本框 15"/>
           <p:cNvSpPr txBox="1"/>
           <p:nvPr/>
         </p:nvSpPr>
@@ -5786,68 +5767,6 @@
             <a:endParaRPr lang="zh-CN" sz="2000">
               <a:solidFill>
                 <a:schemeClr val="tx2"/>
-              </a:solidFill>
-              <a:latin typeface="+mn-ea"/>
-              <a:ea typeface="+mn-ea"/>
-            </a:endParaRPr>
-          </a:p>
-        </p:txBody>
-      </p:sp>
-      <p:sp>
-        <p:nvSpPr>
-          <p:cNvPr id="20" name="文本框 19"/>
-          <p:cNvSpPr txBox="1"/>
-          <p:nvPr/>
-        </p:nvSpPr>
-        <p:spPr>
-          <a:xfrm>
-            <a:off x="4067810" y="2513330"/>
-            <a:ext cx="2895600" cy="337185"/>
-          </a:xfrm>
-          <a:prstGeom prst="rect">
-            <a:avLst/>
-          </a:prstGeom>
-          <a:noFill/>
-        </p:spPr>
-        <p:txBody>
-          <a:bodyPr wrap="square" rtlCol="0">
-            <a:spAutoFit/>
-          </a:bodyPr>
-          <a:p>
-            <a:pPr algn="l"/>
-            <a:r>
-              <a:rPr lang="zh-CN" sz="1600">
-                <a:solidFill>
-                  <a:schemeClr val="tx1"/>
-                </a:solidFill>
-                <a:latin typeface="+mn-ea"/>
-                <a:ea typeface="+mn-ea"/>
-              </a:rPr>
-              <a:t>没有自身属性的</a:t>
-            </a:r>
-            <a:r>
-              <a:rPr lang="en-US" altLang="zh-CN" sz="1600">
-                <a:solidFill>
-                  <a:schemeClr val="tx1"/>
-                </a:solidFill>
-                <a:latin typeface="+mn-ea"/>
-                <a:ea typeface="+mn-ea"/>
-              </a:rPr>
-              <a:t>Person</a:t>
-            </a:r>
-            <a:r>
-              <a:rPr lang="zh-CN" altLang="en-US" sz="1600">
-                <a:solidFill>
-                  <a:schemeClr val="tx1"/>
-                </a:solidFill>
-                <a:latin typeface="+mn-ea"/>
-                <a:ea typeface="+mn-ea"/>
-              </a:rPr>
-              <a:t>对象</a:t>
-            </a:r>
-            <a:endParaRPr lang="zh-CN" altLang="en-US" sz="1600">
-              <a:solidFill>
-                <a:schemeClr val="tx1"/>
               </a:solidFill>
               <a:latin typeface="+mn-ea"/>
               <a:ea typeface="+mn-ea"/>
@@ -6035,6 +5954,97 @@
                       </p:childTnLst>
                     </p:cTn>
                   </p:par>
+                  <p:par>
+                    <p:cTn id="18" fill="hold">
+                      <p:stCondLst>
+                        <p:cond delay="indefinite"/>
+                      </p:stCondLst>
+                      <p:childTnLst>
+                        <p:par>
+                          <p:cTn id="19" fill="hold">
+                            <p:stCondLst>
+                              <p:cond delay="0"/>
+                            </p:stCondLst>
+                            <p:childTnLst>
+                              <p:par>
+                                <p:cTn id="20" presetID="2" presetClass="entr" presetSubtype="4" fill="hold" grpId="0" nodeType="clickEffect">
+                                  <p:stCondLst>
+                                    <p:cond delay="0"/>
+                                  </p:stCondLst>
+                                  <p:childTnLst>
+                                    <p:set>
+                                      <p:cBhvr>
+                                        <p:cTn id="21" dur="1" fill="hold">
+                                          <p:stCondLst>
+                                            <p:cond delay="0"/>
+                                          </p:stCondLst>
+                                        </p:cTn>
+                                        <p:tgtEl>
+                                          <p:spTgt spid="6"/>
+                                        </p:tgtEl>
+                                        <p:attrNameLst>
+                                          <p:attrName>style.visibility</p:attrName>
+                                        </p:attrNameLst>
+                                      </p:cBhvr>
+                                      <p:to>
+                                        <p:strVal val="visible"/>
+                                      </p:to>
+                                    </p:set>
+                                    <p:anim calcmode="lin" valueType="num">
+                                      <p:cBhvr additive="base">
+                                        <p:cTn id="22" dur="500" fill="hold"/>
+                                        <p:tgtEl>
+                                          <p:spTgt spid="6"/>
+                                        </p:tgtEl>
+                                        <p:attrNameLst>
+                                          <p:attrName>ppt_x</p:attrName>
+                                        </p:attrNameLst>
+                                      </p:cBhvr>
+                                      <p:tavLst>
+                                        <p:tav tm="0">
+                                          <p:val>
+                                            <p:strVal val="#ppt_x"/>
+                                          </p:val>
+                                        </p:tav>
+                                        <p:tav tm="100000">
+                                          <p:val>
+                                            <p:strVal val="#ppt_x"/>
+                                          </p:val>
+                                        </p:tav>
+                                      </p:tavLst>
+                                    </p:anim>
+                                    <p:anim calcmode="lin" valueType="num">
+                                      <p:cBhvr additive="base">
+                                        <p:cTn id="23" dur="500" fill="hold"/>
+                                        <p:tgtEl>
+                                          <p:spTgt spid="6"/>
+                                        </p:tgtEl>
+                                        <p:attrNameLst>
+                                          <p:attrName>ppt_y</p:attrName>
+                                        </p:attrNameLst>
+                                      </p:cBhvr>
+                                      <p:tavLst>
+                                        <p:tav tm="0">
+                                          <p:val>
+                                            <p:strVal val="1+#ppt_h/2"/>
+                                          </p:val>
+                                        </p:tav>
+                                        <p:tav tm="100000">
+                                          <p:val>
+                                            <p:strVal val="#ppt_y"/>
+                                          </p:val>
+                                        </p:tav>
+                                      </p:tavLst>
+                                    </p:anim>
+                                  </p:childTnLst>
+                                </p:cTn>
+                              </p:par>
+                            </p:childTnLst>
+                          </p:cTn>
+                        </p:par>
+                      </p:childTnLst>
+                    </p:cTn>
+                  </p:par>
                 </p:childTnLst>
               </p:cTn>
               <p:prevCondLst>
@@ -6056,6 +6066,9 @@
         </p:cTn>
       </p:par>
     </p:tnLst>
+    <p:bldLst>
+      <p:bldP spid="6" grpId="0"/>
+    </p:bldLst>
   </p:timing>
 </p:sld>
 </file>
@@ -6703,7 +6716,7 @@
                 </a:solidFill>
                 <a:sym typeface="+mn-ea"/>
               </a:rPr>
-              <a:t>的属性，原型方法是实例化对象</a:t>
+              <a:t>的方法，原型方法是实例化对象</a:t>
             </a:r>
             <a:r>
               <a:rPr lang="zh-CN" altLang="en-US" sz="1800" dirty="0">
@@ -6721,7 +6734,7 @@
                 </a:solidFill>
                 <a:sym typeface="+mn-ea"/>
               </a:rPr>
-              <a:t>的原型的属性</a:t>
+              <a:t>的原型的方法</a:t>
             </a:r>
             <a:br>
               <a:rPr lang="zh-CN" altLang="en-US" sz="1800" dirty="0">
